--- a/E-commerce Resilience Defense.pptx
+++ b/E-commerce Resilience Defense.pptx
@@ -5,20 +5,21 @@
     <p:sldMasterId id="2147483701" r:id="rId1"/>
   </p:sldMasterIdLst>
   <p:notesMasterIdLst>
-    <p:notesMasterId r:id="rId13"/>
+    <p:notesMasterId r:id="rId14"/>
   </p:notesMasterIdLst>
   <p:sldIdLst>
     <p:sldId id="268" r:id="rId2"/>
-    <p:sldId id="269" r:id="rId3"/>
-    <p:sldId id="257" r:id="rId4"/>
-    <p:sldId id="270" r:id="rId5"/>
-    <p:sldId id="258" r:id="rId6"/>
+    <p:sldId id="257" r:id="rId3"/>
+    <p:sldId id="269" r:id="rId4"/>
+    <p:sldId id="258" r:id="rId5"/>
+    <p:sldId id="270" r:id="rId6"/>
     <p:sldId id="259" r:id="rId7"/>
     <p:sldId id="260" r:id="rId8"/>
     <p:sldId id="262" r:id="rId9"/>
     <p:sldId id="263" r:id="rId10"/>
-    <p:sldId id="265" r:id="rId11"/>
-    <p:sldId id="266" r:id="rId12"/>
+    <p:sldId id="266" r:id="rId11"/>
+    <p:sldId id="271" r:id="rId12"/>
+    <p:sldId id="265" r:id="rId13"/>
   </p:sldIdLst>
   <p:sldSz cx="9144000" cy="5143500" type="screen16x9"/>
   <p:notesSz cx="5143500" cy="9144000"/>
@@ -423,6 +424,114 @@
   <p:cSld>
     <p:spTree>
       <p:nvGrpSpPr>
+        <p:cNvPr id="1" name="">
+          <a:extLst>
+            <a:ext uri="{FF2B5EF4-FFF2-40B4-BE49-F238E27FC236}">
+              <a16:creationId xmlns:a16="http://schemas.microsoft.com/office/drawing/2014/main" id="{D23FC7A5-6367-3F51-D486-90BF47E476E8}"/>
+            </a:ext>
+          </a:extLst>
+        </p:cNvPr>
+        <p:cNvGrpSpPr/>
+        <p:nvPr/>
+      </p:nvGrpSpPr>
+      <p:grpSpPr>
+        <a:xfrm>
+          <a:off x="0" y="0"/>
+          <a:ext cx="0" cy="0"/>
+          <a:chOff x="0" y="0"/>
+          <a:chExt cx="0" cy="0"/>
+        </a:xfrm>
+      </p:grpSpPr>
+      <p:sp>
+        <p:nvSpPr>
+          <p:cNvPr id="2" name="Slide Image Placeholder 1">
+            <a:extLst>
+              <a:ext uri="{FF2B5EF4-FFF2-40B4-BE49-F238E27FC236}">
+                <a16:creationId xmlns:a16="http://schemas.microsoft.com/office/drawing/2014/main" id="{CC1037FF-E25F-AEEA-4158-FF5BDDC2191D}"/>
+              </a:ext>
+            </a:extLst>
+          </p:cNvPr>
+          <p:cNvSpPr>
+            <a:spLocks noGrp="1" noRot="1" noChangeAspect="1"/>
+          </p:cNvSpPr>
+          <p:nvPr>
+            <p:ph type="sldImg"/>
+          </p:nvPr>
+        </p:nvSpPr>
+        <p:spPr/>
+      </p:sp>
+      <p:sp>
+        <p:nvSpPr>
+          <p:cNvPr id="3" name="Notes Placeholder 2">
+            <a:extLst>
+              <a:ext uri="{FF2B5EF4-FFF2-40B4-BE49-F238E27FC236}">
+                <a16:creationId xmlns:a16="http://schemas.microsoft.com/office/drawing/2014/main" id="{691712A4-190B-7C02-B08C-83A5D79BE397}"/>
+              </a:ext>
+            </a:extLst>
+          </p:cNvPr>
+          <p:cNvSpPr>
+            <a:spLocks noGrp="1"/>
+          </p:cNvSpPr>
+          <p:nvPr>
+            <p:ph type="body" idx="1"/>
+          </p:nvPr>
+        </p:nvSpPr>
+        <p:spPr/>
+        <p:txBody>
+          <a:bodyPr/>
+          <a:lstStyle/>
+          <a:p>
+            <a:endParaRPr lang="en-US" dirty="0"/>
+          </a:p>
+        </p:txBody>
+      </p:sp>
+      <p:sp>
+        <p:nvSpPr>
+          <p:cNvPr id="4" name="Slide Number Placeholder 3">
+            <a:extLst>
+              <a:ext uri="{FF2B5EF4-FFF2-40B4-BE49-F238E27FC236}">
+                <a16:creationId xmlns:a16="http://schemas.microsoft.com/office/drawing/2014/main" id="{28EF23E3-37B1-85E9-8B54-2CDB9DBF22CB}"/>
+              </a:ext>
+            </a:extLst>
+          </p:cNvPr>
+          <p:cNvSpPr>
+            <a:spLocks noGrp="1"/>
+          </p:cNvSpPr>
+          <p:nvPr>
+            <p:ph type="sldNum" sz="quarter" idx="10"/>
+          </p:nvPr>
+        </p:nvSpPr>
+        <p:spPr/>
+        <p:txBody>
+          <a:bodyPr/>
+          <a:lstStyle/>
+          <a:p>
+            <a:fld id="{F7021451-1387-4CA6-816F-3879F97B5CBC}" type="slidenum">
+              <a:rPr lang="en-US"/>
+              <a:t>11</a:t>
+            </a:fld>
+            <a:endParaRPr lang="en-US"/>
+          </a:p>
+        </p:txBody>
+      </p:sp>
+    </p:spTree>
+    <p:extLst>
+      <p:ext uri="{BB962C8B-B14F-4D97-AF65-F5344CB8AC3E}">
+        <p14:creationId xmlns:p14="http://schemas.microsoft.com/office/powerpoint/2010/main" val="85757582"/>
+      </p:ext>
+    </p:extLst>
+  </p:cSld>
+  <p:clrMapOvr>
+    <a:masterClrMapping/>
+  </p:clrMapOvr>
+</p:notes>
+</file>
+
+<file path=ppt/notesSlides/notesSlide12.xml><?xml version="1.0" encoding="utf-8"?>
+<p:notes xmlns:a="http://schemas.openxmlformats.org/drawingml/2006/main" xmlns:r="http://schemas.openxmlformats.org/officeDocument/2006/relationships" xmlns:p="http://schemas.openxmlformats.org/presentationml/2006/main">
+  <p:cSld>
+    <p:spTree>
+      <p:nvGrpSpPr>
         <p:cNvPr id="1" name=""/>
         <p:cNvGrpSpPr/>
         <p:nvPr/>
@@ -483,7 +592,7 @@
           <a:p>
             <a:fld id="{F7021451-1387-4CA6-816F-3879F97B5CBC}" type="slidenum">
               <a:rPr lang="en-US"/>
-              <a:t>11</a:t>
+              <a:t>12</a:t>
             </a:fld>
             <a:endParaRPr lang="en-US"/>
           </a:p>
@@ -1524,7 +1633,7 @@
             <a:fld id="{5923F103-BC34-4FE4-A40E-EDDEECFDA5D0}" type="datetimeFigureOut">
               <a:rPr lang="en-US" smtClean="0"/>
               <a:pPr/>
-              <a:t>1/23/2026</a:t>
+              <a:t>1/28/2026</a:t>
             </a:fld>
             <a:endParaRPr lang="en-US" dirty="0"/>
           </a:p>
@@ -2626,7 +2735,7 @@
           <a:p>
             <a:fld id="{2BE451C3-0FF4-47C4-B829-773ADF60F88C}" type="datetimeFigureOut">
               <a:rPr lang="en-US" smtClean="0"/>
-              <a:t>1/23/2026</a:t>
+              <a:t>1/28/2026</a:t>
             </a:fld>
             <a:endParaRPr lang="en-US" dirty="0"/>
           </a:p>
@@ -3613,7 +3722,7 @@
           <a:p>
             <a:fld id="{2BE451C3-0FF4-47C4-B829-773ADF60F88C}" type="datetimeFigureOut">
               <a:rPr lang="en-US" smtClean="0"/>
-              <a:t>1/23/2026</a:t>
+              <a:t>1/28/2026</a:t>
             </a:fld>
             <a:endParaRPr lang="en-US" dirty="0"/>
           </a:p>
@@ -4754,7 +4863,7 @@
           <a:p>
             <a:fld id="{2BE451C3-0FF4-47C4-B829-773ADF60F88C}" type="datetimeFigureOut">
               <a:rPr lang="en-US" smtClean="0"/>
-              <a:t>1/23/2026</a:t>
+              <a:t>1/28/2026</a:t>
             </a:fld>
             <a:endParaRPr lang="en-US" dirty="0"/>
           </a:p>
@@ -5794,7 +5903,7 @@
           <a:p>
             <a:fld id="{2BE451C3-0FF4-47C4-B829-773ADF60F88C}" type="datetimeFigureOut">
               <a:rPr lang="en-US" smtClean="0"/>
-              <a:t>1/23/2026</a:t>
+              <a:t>1/28/2026</a:t>
             </a:fld>
             <a:endParaRPr lang="en-US" dirty="0"/>
           </a:p>
@@ -6461,7 +6570,7 @@
           <a:p>
             <a:fld id="{2BE451C3-0FF4-47C4-B829-773ADF60F88C}" type="datetimeFigureOut">
               <a:rPr lang="en-US" smtClean="0"/>
-              <a:t>1/23/2026</a:t>
+              <a:t>1/28/2026</a:t>
             </a:fld>
             <a:endParaRPr lang="en-US" dirty="0"/>
           </a:p>
@@ -7329,7 +7438,7 @@
           <a:p>
             <a:fld id="{2BE451C3-0FF4-47C4-B829-773ADF60F88C}" type="datetimeFigureOut">
               <a:rPr lang="en-US" smtClean="0"/>
-              <a:t>1/23/2026</a:t>
+              <a:t>1/28/2026</a:t>
             </a:fld>
             <a:endParaRPr lang="en-US" dirty="0"/>
           </a:p>
@@ -7526,7 +7635,7 @@
           <a:p>
             <a:fld id="{53086D93-FCAC-47E0-A2EE-787E62CA814C}" type="datetimeFigureOut">
               <a:rPr lang="en-US" smtClean="0"/>
-              <a:t>1/23/2026</a:t>
+              <a:t>1/28/2026</a:t>
             </a:fld>
             <a:endParaRPr lang="en-US" dirty="0"/>
           </a:p>
@@ -8505,7 +8614,7 @@
           <a:p>
             <a:fld id="{CDA879A6-0FD0-4734-A311-86BFCA472E6E}" type="datetimeFigureOut">
               <a:rPr lang="en-US" smtClean="0"/>
-              <a:t>1/23/2026</a:t>
+              <a:t>1/28/2026</a:t>
             </a:fld>
             <a:endParaRPr lang="en-US" dirty="0"/>
           </a:p>
@@ -8758,7 +8867,7 @@
           <a:p>
             <a:fld id="{19C9CA7B-DFD4-44B5-8C60-D14B8CD1FB59}" type="datetimeFigureOut">
               <a:rPr lang="en-US" smtClean="0"/>
-              <a:t>1/23/2026</a:t>
+              <a:t>1/28/2026</a:t>
             </a:fld>
             <a:endParaRPr lang="en-US" dirty="0"/>
           </a:p>
@@ -9799,7 +9908,7 @@
           <a:p>
             <a:fld id="{F34E6425-0181-43F2-84FC-787E803FD2F8}" type="datetimeFigureOut">
               <a:rPr lang="en-US" smtClean="0"/>
-              <a:t>1/23/2026</a:t>
+              <a:t>1/28/2026</a:t>
             </a:fld>
             <a:endParaRPr lang="en-US" dirty="0"/>
           </a:p>
@@ -10078,7 +10187,7 @@
           <a:p>
             <a:fld id="{3BDB8791-F1B0-41E7-B7FD-A781E65C4266}" type="datetimeFigureOut">
               <a:rPr lang="en-US" smtClean="0"/>
-              <a:t>1/23/2026</a:t>
+              <a:t>1/28/2026</a:t>
             </a:fld>
             <a:endParaRPr lang="en-US" dirty="0"/>
           </a:p>
@@ -10495,7 +10604,7 @@
           <a:p>
             <a:fld id="{5FDD63B2-E120-4ED8-B27B-C685F510A5FE}" type="datetimeFigureOut">
               <a:rPr lang="en-US" smtClean="0"/>
-              <a:t>1/23/2026</a:t>
+              <a:t>1/28/2026</a:t>
             </a:fld>
             <a:endParaRPr lang="en-US" dirty="0"/>
           </a:p>
@@ -10629,7 +10738,7 @@
           <a:p>
             <a:fld id="{7AA18ACC-A947-437B-A130-35BD54FDF1E9}" type="datetimeFigureOut">
               <a:rPr lang="en-US" smtClean="0"/>
-              <a:t>1/23/2026</a:t>
+              <a:t>1/28/2026</a:t>
             </a:fld>
             <a:endParaRPr lang="en-US" dirty="0"/>
           </a:p>
@@ -10731,7 +10840,7 @@
           <a:p>
             <a:fld id="{7C8D7E02-BCB8-4D50-A234-369438C08659}" type="datetimeFigureOut">
               <a:rPr lang="en-US" smtClean="0"/>
-              <a:t>1/23/2026</a:t>
+              <a:t>1/28/2026</a:t>
             </a:fld>
             <a:endParaRPr lang="en-US" dirty="0"/>
           </a:p>
@@ -11819,7 +11928,7 @@
           <a:p>
             <a:fld id="{76E86A4C-8E40-4F87-A4F0-01A0687C5742}" type="datetimeFigureOut">
               <a:rPr lang="en-US" smtClean="0"/>
-              <a:t>1/23/2026</a:t>
+              <a:t>1/28/2026</a:t>
             </a:fld>
             <a:endParaRPr lang="en-US" dirty="0"/>
           </a:p>
@@ -12934,7 +13043,7 @@
           <a:p>
             <a:fld id="{35E72C73-2D91-4E12-BA25-F0AA0C03599B}" type="datetimeFigureOut">
               <a:rPr lang="en-US" smtClean="0"/>
-              <a:t>1/23/2026</a:t>
+              <a:t>1/28/2026</a:t>
             </a:fld>
             <a:endParaRPr lang="en-US" dirty="0"/>
           </a:p>
@@ -14001,7 +14110,7 @@
           <a:p>
             <a:fld id="{2BE451C3-0FF4-47C4-B829-773ADF60F88C}" type="datetimeFigureOut">
               <a:rPr lang="en-US" smtClean="0"/>
-              <a:t>1/23/2026</a:t>
+              <a:t>1/28/2026</a:t>
             </a:fld>
             <a:endParaRPr lang="en-US" dirty="0"/>
           </a:p>
@@ -14998,6 +15107,849 @@
 
 <file path=ppt/slides/slide10.xml><?xml version="1.0" encoding="utf-8"?>
 <p:sld xmlns:a="http://schemas.openxmlformats.org/drawingml/2006/main" xmlns:r="http://schemas.openxmlformats.org/officeDocument/2006/relationships" xmlns:p="http://schemas.openxmlformats.org/presentationml/2006/main">
+  <p:cSld name="Slide 11">
+    <p:bg>
+      <p:bgPr>
+        <a:solidFill>
+          <a:srgbClr val="020617"/>
+        </a:solidFill>
+        <a:effectLst/>
+      </p:bgPr>
+    </p:bg>
+    <p:spTree>
+      <p:nvGrpSpPr>
+        <p:cNvPr id="1" name=""/>
+        <p:cNvGrpSpPr/>
+        <p:nvPr/>
+      </p:nvGrpSpPr>
+      <p:grpSpPr>
+        <a:xfrm>
+          <a:off x="0" y="0"/>
+          <a:ext cx="0" cy="0"/>
+          <a:chOff x="0" y="0"/>
+          <a:chExt cx="0" cy="0"/>
+        </a:xfrm>
+      </p:grpSpPr>
+      <p:sp>
+        <p:nvSpPr>
+          <p:cNvPr id="2" name="Text 0"/>
+          <p:cNvSpPr/>
+          <p:nvPr/>
+        </p:nvSpPr>
+        <p:spPr>
+          <a:xfrm>
+            <a:off x="2249542" y="609600"/>
+            <a:ext cx="4644768" cy="411361"/>
+          </a:xfrm>
+          <a:prstGeom prst="rect">
+            <a:avLst/>
+          </a:prstGeom>
+          <a:noFill/>
+          <a:ln/>
+        </p:spPr>
+        <p:txBody>
+          <a:bodyPr wrap="square" lIns="0" tIns="0" rIns="0" bIns="0" rtlCol="0" anchor="t"/>
+          <a:lstStyle/>
+          <a:p>
+            <a:pPr marL="0" indent="0" algn="ctr">
+              <a:lnSpc>
+                <a:spcPts val="3240"/>
+              </a:lnSpc>
+              <a:buNone/>
+            </a:pPr>
+            <a:r>
+              <a:rPr lang="en-US" sz="2700" b="1" dirty="0">
+                <a:solidFill>
+                  <a:srgbClr val="38BDF8"/>
+                </a:solidFill>
+                <a:latin typeface="Arial" pitchFamily="34" charset="0"/>
+                <a:ea typeface="Arial" pitchFamily="34" charset="-122"/>
+                <a:cs typeface="Arial" pitchFamily="34" charset="-120"/>
+              </a:rPr>
+              <a:t>Рекомендації для політики</a:t>
+            </a:r>
+            <a:endParaRPr lang="en-US" sz="2700" dirty="0"/>
+          </a:p>
+        </p:txBody>
+      </p:sp>
+      <p:sp>
+        <p:nvSpPr>
+          <p:cNvPr id="3" name="Text 1"/>
+          <p:cNvSpPr/>
+          <p:nvPr/>
+        </p:nvSpPr>
+        <p:spPr>
+          <a:xfrm>
+            <a:off x="2341917" y="2142827"/>
+            <a:ext cx="4211973" cy="239911"/>
+          </a:xfrm>
+          <a:prstGeom prst="rect">
+            <a:avLst/>
+          </a:prstGeom>
+          <a:noFill/>
+          <a:ln/>
+        </p:spPr>
+        <p:txBody>
+          <a:bodyPr wrap="square" lIns="0" tIns="0" rIns="0" bIns="0" rtlCol="0" anchor="t"/>
+          <a:lstStyle/>
+          <a:p>
+            <a:pPr marL="0" indent="0" algn="ctr">
+              <a:lnSpc>
+                <a:spcPts val="1890"/>
+              </a:lnSpc>
+              <a:buNone/>
+            </a:pPr>
+            <a:r>
+              <a:rPr lang="en-US" sz="1350" dirty="0">
+                <a:latin typeface="Arial" pitchFamily="34" charset="0"/>
+                <a:ea typeface="Arial" pitchFamily="34" charset="-122"/>
+                <a:cs typeface="Arial" pitchFamily="34" charset="-120"/>
+              </a:rPr>
+              <a:t>💡 Інвестувати в цифрову інфраструктуру</a:t>
+            </a:r>
+            <a:endParaRPr lang="en-US" sz="1350" dirty="0"/>
+          </a:p>
+        </p:txBody>
+      </p:sp>
+      <p:sp>
+        <p:nvSpPr>
+          <p:cNvPr id="4" name="Text 2"/>
+          <p:cNvSpPr/>
+          <p:nvPr/>
+        </p:nvSpPr>
+        <p:spPr>
+          <a:xfrm>
+            <a:off x="2341917" y="2611338"/>
+            <a:ext cx="4211973" cy="239911"/>
+          </a:xfrm>
+          <a:prstGeom prst="rect">
+            <a:avLst/>
+          </a:prstGeom>
+          <a:noFill/>
+          <a:ln/>
+        </p:spPr>
+        <p:txBody>
+          <a:bodyPr wrap="square" lIns="0" tIns="0" rIns="0" bIns="0" rtlCol="0" anchor="t"/>
+          <a:lstStyle/>
+          <a:p>
+            <a:pPr marL="0" indent="0" algn="ctr">
+              <a:lnSpc>
+                <a:spcPts val="1890"/>
+              </a:lnSpc>
+              <a:buNone/>
+            </a:pPr>
+            <a:r>
+              <a:rPr lang="en-US" sz="1350" dirty="0">
+                <a:latin typeface="Arial" pitchFamily="34" charset="0"/>
+                <a:ea typeface="Arial" pitchFamily="34" charset="-122"/>
+                <a:cs typeface="Arial" pitchFamily="34" charset="-120"/>
+              </a:rPr>
+              <a:t>💡 </a:t>
+            </a:r>
+            <a:r>
+              <a:rPr lang="en-US" sz="1350" dirty="0" err="1">
+                <a:latin typeface="Arial" pitchFamily="34" charset="0"/>
+                <a:ea typeface="Arial" pitchFamily="34" charset="-122"/>
+                <a:cs typeface="Arial" pitchFamily="34" charset="-120"/>
+              </a:rPr>
+              <a:t>Розширити</a:t>
+            </a:r>
+            <a:r>
+              <a:rPr lang="en-US" sz="1350" dirty="0">
+                <a:latin typeface="Arial" pitchFamily="34" charset="0"/>
+                <a:ea typeface="Arial" pitchFamily="34" charset="-122"/>
+                <a:cs typeface="Arial" pitchFamily="34" charset="-120"/>
+              </a:rPr>
+              <a:t> </a:t>
+            </a:r>
+            <a:r>
+              <a:rPr lang="uk-UA" sz="1350" dirty="0">
+                <a:latin typeface="Arial" pitchFamily="34" charset="0"/>
+                <a:ea typeface="Arial" pitchFamily="34" charset="-122"/>
+                <a:cs typeface="Arial" pitchFamily="34" charset="-120"/>
+              </a:rPr>
+              <a:t>швидкісний </a:t>
+            </a:r>
+            <a:r>
+              <a:rPr lang="en-US" sz="1350" dirty="0" err="1">
+                <a:latin typeface="Arial" pitchFamily="34" charset="0"/>
+                <a:ea typeface="Arial" pitchFamily="34" charset="-122"/>
+                <a:cs typeface="Arial" pitchFamily="34" charset="-120"/>
+              </a:rPr>
+              <a:t>доступ</a:t>
+            </a:r>
+            <a:r>
+              <a:rPr lang="en-US" sz="1350" dirty="0">
+                <a:latin typeface="Arial" pitchFamily="34" charset="0"/>
+                <a:ea typeface="Arial" pitchFamily="34" charset="-122"/>
+                <a:cs typeface="Arial" pitchFamily="34" charset="-120"/>
+              </a:rPr>
+              <a:t> до інтернету для усіх регіонів</a:t>
+            </a:r>
+            <a:endParaRPr lang="en-US" sz="1350" dirty="0"/>
+          </a:p>
+        </p:txBody>
+      </p:sp>
+      <p:sp>
+        <p:nvSpPr>
+          <p:cNvPr id="5" name="Text 3"/>
+          <p:cNvSpPr/>
+          <p:nvPr/>
+        </p:nvSpPr>
+        <p:spPr>
+          <a:xfrm>
+            <a:off x="2341916" y="3245048"/>
+            <a:ext cx="4211973" cy="239911"/>
+          </a:xfrm>
+          <a:prstGeom prst="rect">
+            <a:avLst/>
+          </a:prstGeom>
+          <a:noFill/>
+          <a:ln/>
+        </p:spPr>
+        <p:txBody>
+          <a:bodyPr wrap="square" lIns="0" tIns="0" rIns="0" bIns="0" rtlCol="0" anchor="t"/>
+          <a:lstStyle/>
+          <a:p>
+            <a:pPr marL="0" indent="0" algn="ctr">
+              <a:lnSpc>
+                <a:spcPts val="1890"/>
+              </a:lnSpc>
+              <a:buNone/>
+            </a:pPr>
+            <a:r>
+              <a:rPr lang="en-US" sz="1350" dirty="0">
+                <a:latin typeface="Arial" pitchFamily="34" charset="0"/>
+                <a:ea typeface="Arial" pitchFamily="34" charset="-122"/>
+                <a:cs typeface="Arial" pitchFamily="34" charset="-120"/>
+              </a:rPr>
+              <a:t>💡 Підтримувати СМВО в цифровій трансформації</a:t>
+            </a:r>
+            <a:endParaRPr lang="en-US" sz="1350" dirty="0"/>
+          </a:p>
+        </p:txBody>
+      </p:sp>
+      <p:sp>
+        <p:nvSpPr>
+          <p:cNvPr id="6" name="Text 4"/>
+          <p:cNvSpPr/>
+          <p:nvPr/>
+        </p:nvSpPr>
+        <p:spPr>
+          <a:xfrm>
+            <a:off x="2341917" y="3713559"/>
+            <a:ext cx="4211973" cy="239911"/>
+          </a:xfrm>
+          <a:prstGeom prst="rect">
+            <a:avLst/>
+          </a:prstGeom>
+          <a:noFill/>
+          <a:ln/>
+        </p:spPr>
+        <p:txBody>
+          <a:bodyPr wrap="square" lIns="0" tIns="0" rIns="0" bIns="0" rtlCol="0" anchor="t"/>
+          <a:lstStyle/>
+          <a:p>
+            <a:pPr marL="0" indent="0" algn="ctr">
+              <a:lnSpc>
+                <a:spcPts val="1890"/>
+              </a:lnSpc>
+              <a:buNone/>
+            </a:pPr>
+            <a:r>
+              <a:rPr lang="en-US" sz="1350" dirty="0">
+                <a:latin typeface="Arial" pitchFamily="34" charset="0"/>
+                <a:ea typeface="Arial" pitchFamily="34" charset="-122"/>
+                <a:cs typeface="Arial" pitchFamily="34" charset="-120"/>
+              </a:rPr>
+              <a:t>💡 Е-commerce = резилієнтність економіки</a:t>
+            </a:r>
+            <a:endParaRPr lang="en-US" sz="1350" dirty="0"/>
+          </a:p>
+        </p:txBody>
+      </p:sp>
+    </p:spTree>
+  </p:cSld>
+  <p:clrMapOvr>
+    <a:masterClrMapping/>
+  </p:clrMapOvr>
+</p:sld>
+</file>
+
+<file path=ppt/slides/slide11.xml><?xml version="1.0" encoding="utf-8"?>
+<p:sld xmlns:a="http://schemas.openxmlformats.org/drawingml/2006/main" xmlns:r="http://schemas.openxmlformats.org/officeDocument/2006/relationships" xmlns:p="http://schemas.openxmlformats.org/presentationml/2006/main">
+  <p:cSld>
+    <p:spTree>
+      <p:nvGrpSpPr>
+        <p:cNvPr id="1" name="">
+          <a:extLst>
+            <a:ext uri="{FF2B5EF4-FFF2-40B4-BE49-F238E27FC236}">
+              <a16:creationId xmlns:a16="http://schemas.microsoft.com/office/drawing/2014/main" id="{FAE4E9BA-056F-0C9E-23AD-F3BD5616DA33}"/>
+            </a:ext>
+          </a:extLst>
+        </p:cNvPr>
+        <p:cNvGrpSpPr/>
+        <p:nvPr/>
+      </p:nvGrpSpPr>
+      <p:grpSpPr>
+        <a:xfrm>
+          <a:off x="0" y="0"/>
+          <a:ext cx="0" cy="0"/>
+          <a:chOff x="0" y="0"/>
+          <a:chExt cx="0" cy="0"/>
+        </a:xfrm>
+      </p:grpSpPr>
+      <p:sp>
+        <p:nvSpPr>
+          <p:cNvPr id="2" name="Text 0">
+            <a:extLst>
+              <a:ext uri="{FF2B5EF4-FFF2-40B4-BE49-F238E27FC236}">
+                <a16:creationId xmlns:a16="http://schemas.microsoft.com/office/drawing/2014/main" id="{4244B472-E12A-2804-4C91-D5655DA3BC09}"/>
+              </a:ext>
+            </a:extLst>
+          </p:cNvPr>
+          <p:cNvSpPr/>
+          <p:nvPr/>
+        </p:nvSpPr>
+        <p:spPr>
+          <a:xfrm>
+            <a:off x="2249542" y="609600"/>
+            <a:ext cx="4644768" cy="411361"/>
+          </a:xfrm>
+          <a:prstGeom prst="rect">
+            <a:avLst/>
+          </a:prstGeom>
+          <a:noFill/>
+          <a:ln/>
+        </p:spPr>
+        <p:txBody>
+          <a:bodyPr wrap="square" lIns="0" tIns="0" rIns="0" bIns="0" rtlCol="0" anchor="t"/>
+          <a:lstStyle/>
+          <a:p>
+            <a:pPr marL="0" indent="0" algn="ctr">
+              <a:lnSpc>
+                <a:spcPts val="3240"/>
+              </a:lnSpc>
+              <a:buNone/>
+            </a:pPr>
+            <a:r>
+              <a:rPr lang="en-US" sz="2700" b="1" dirty="0">
+                <a:solidFill>
+                  <a:srgbClr val="38BDF8"/>
+                </a:solidFill>
+                <a:latin typeface="Arial" pitchFamily="34" charset="0"/>
+                <a:ea typeface="Arial" pitchFamily="34" charset="-122"/>
+                <a:cs typeface="Arial" pitchFamily="34" charset="-120"/>
+              </a:rPr>
+              <a:t>Рекомендації </a:t>
+            </a:r>
+            <a:r>
+              <a:rPr lang="en-US" sz="2700" b="1" dirty="0" err="1">
+                <a:solidFill>
+                  <a:srgbClr val="38BDF8"/>
+                </a:solidFill>
+                <a:latin typeface="Arial" pitchFamily="34" charset="0"/>
+                <a:ea typeface="Arial" pitchFamily="34" charset="-122"/>
+                <a:cs typeface="Arial" pitchFamily="34" charset="-120"/>
+              </a:rPr>
+              <a:t>для</a:t>
+            </a:r>
+            <a:r>
+              <a:rPr lang="en-US" sz="2700" b="1" dirty="0">
+                <a:solidFill>
+                  <a:srgbClr val="38BDF8"/>
+                </a:solidFill>
+                <a:latin typeface="Arial" pitchFamily="34" charset="0"/>
+                <a:ea typeface="Arial" pitchFamily="34" charset="-122"/>
+                <a:cs typeface="Arial" pitchFamily="34" charset="-120"/>
+              </a:rPr>
+              <a:t> </a:t>
+            </a:r>
+            <a:r>
+              <a:rPr lang="ru-RU" sz="2700" b="1" dirty="0">
+                <a:solidFill>
+                  <a:srgbClr val="38BDF8"/>
+                </a:solidFill>
+                <a:latin typeface="Arial" pitchFamily="34" charset="0"/>
+                <a:ea typeface="Arial" pitchFamily="34" charset="-122"/>
+                <a:cs typeface="Arial" pitchFamily="34" charset="-120"/>
+              </a:rPr>
+              <a:t>б</a:t>
+            </a:r>
+            <a:r>
+              <a:rPr lang="uk-UA" sz="2700" b="1" dirty="0" err="1">
+                <a:solidFill>
+                  <a:srgbClr val="38BDF8"/>
+                </a:solidFill>
+                <a:latin typeface="Arial" pitchFamily="34" charset="0"/>
+                <a:ea typeface="Arial" pitchFamily="34" charset="-122"/>
+                <a:cs typeface="Arial" pitchFamily="34" charset="-120"/>
+              </a:rPr>
+              <a:t>ізнесу</a:t>
+            </a:r>
+            <a:endParaRPr lang="en-US" sz="2700" dirty="0"/>
+          </a:p>
+        </p:txBody>
+      </p:sp>
+      <p:sp>
+        <p:nvSpPr>
+          <p:cNvPr id="3" name="Text 1">
+            <a:extLst>
+              <a:ext uri="{FF2B5EF4-FFF2-40B4-BE49-F238E27FC236}">
+                <a16:creationId xmlns:a16="http://schemas.microsoft.com/office/drawing/2014/main" id="{3541BEB6-46D1-3291-2A39-96E66BE3AA84}"/>
+              </a:ext>
+            </a:extLst>
+          </p:cNvPr>
+          <p:cNvSpPr/>
+          <p:nvPr/>
+        </p:nvSpPr>
+        <p:spPr>
+          <a:xfrm>
+            <a:off x="2341917" y="2142827"/>
+            <a:ext cx="4211973" cy="239911"/>
+          </a:xfrm>
+          <a:prstGeom prst="rect">
+            <a:avLst/>
+          </a:prstGeom>
+          <a:noFill/>
+          <a:ln/>
+        </p:spPr>
+        <p:txBody>
+          <a:bodyPr wrap="square" lIns="0" tIns="0" rIns="0" bIns="0" rtlCol="0" anchor="t"/>
+          <a:lstStyle/>
+          <a:p>
+            <a:pPr algn="ctr">
+              <a:lnSpc>
+                <a:spcPts val="1890"/>
+              </a:lnSpc>
+            </a:pPr>
+            <a:r>
+              <a:rPr lang="en-US" sz="1350" dirty="0">
+                <a:latin typeface="Arial" pitchFamily="34" charset="0"/>
+                <a:ea typeface="Arial" pitchFamily="34" charset="-122"/>
+                <a:cs typeface="Arial" pitchFamily="34" charset="-120"/>
+              </a:rPr>
+              <a:t>💡</a:t>
+            </a:r>
+            <a:r>
+              <a:rPr lang="ru-RU" sz="1350" dirty="0">
+                <a:latin typeface="Arial" pitchFamily="34" charset="0"/>
+                <a:ea typeface="Arial" pitchFamily="34" charset="-122"/>
+                <a:cs typeface="Arial" pitchFamily="34" charset="-120"/>
+              </a:rPr>
+              <a:t>E-</a:t>
+            </a:r>
+            <a:r>
+              <a:rPr lang="ru-RU" sz="1350" dirty="0" err="1">
+                <a:latin typeface="Arial" pitchFamily="34" charset="0"/>
+                <a:ea typeface="Arial" pitchFamily="34" charset="-122"/>
+                <a:cs typeface="Arial" pitchFamily="34" charset="-120"/>
+              </a:rPr>
+              <a:t>commerce</a:t>
+            </a:r>
+            <a:r>
+              <a:rPr lang="ru-RU" sz="1350" dirty="0">
+                <a:latin typeface="Arial" pitchFamily="34" charset="0"/>
+                <a:ea typeface="Arial" pitchFamily="34" charset="-122"/>
+                <a:cs typeface="Arial" pitchFamily="34" charset="-120"/>
+              </a:rPr>
+              <a:t> </a:t>
+            </a:r>
+            <a:r>
+              <a:rPr lang="ru-RU" sz="1350" dirty="0" err="1">
+                <a:latin typeface="Arial" pitchFamily="34" charset="0"/>
+                <a:ea typeface="Arial" pitchFamily="34" charset="-122"/>
+                <a:cs typeface="Arial" pitchFamily="34" charset="-120"/>
+              </a:rPr>
+              <a:t>показує</a:t>
+            </a:r>
+            <a:r>
+              <a:rPr lang="ru-RU" sz="1350" dirty="0">
+                <a:latin typeface="Arial" pitchFamily="34" charset="0"/>
+                <a:ea typeface="Arial" pitchFamily="34" charset="-122"/>
+                <a:cs typeface="Arial" pitchFamily="34" charset="-120"/>
+              </a:rPr>
+              <a:t> </a:t>
+            </a:r>
+            <a:r>
+              <a:rPr lang="ru-RU" sz="1350" dirty="0" err="1">
+                <a:latin typeface="Arial" pitchFamily="34" charset="0"/>
+                <a:ea typeface="Arial" pitchFamily="34" charset="-122"/>
+                <a:cs typeface="Arial" pitchFamily="34" charset="-120"/>
+              </a:rPr>
+              <a:t>резилієнтність</a:t>
+            </a:r>
+            <a:r>
+              <a:rPr lang="ru-RU" sz="1350" dirty="0">
+                <a:latin typeface="Arial" pitchFamily="34" charset="0"/>
+                <a:ea typeface="Arial" pitchFamily="34" charset="-122"/>
+                <a:cs typeface="Arial" pitchFamily="34" charset="-120"/>
+              </a:rPr>
+              <a:t>, тому </a:t>
+            </a:r>
+            <a:r>
+              <a:rPr lang="ru-RU" sz="1350" dirty="0" err="1">
+                <a:latin typeface="Arial" pitchFamily="34" charset="0"/>
+                <a:ea typeface="Arial" pitchFamily="34" charset="-122"/>
+                <a:cs typeface="Arial" pitchFamily="34" charset="-120"/>
+              </a:rPr>
+              <a:t>це</a:t>
+            </a:r>
+            <a:r>
+              <a:rPr lang="ru-RU" sz="1350" dirty="0">
+                <a:latin typeface="Arial" pitchFamily="34" charset="0"/>
+                <a:ea typeface="Arial" pitchFamily="34" charset="-122"/>
+                <a:cs typeface="Arial" pitchFamily="34" charset="-120"/>
+              </a:rPr>
+              <a:t> </a:t>
+            </a:r>
+            <a:r>
+              <a:rPr lang="ru-RU" sz="1350" dirty="0" err="1">
+                <a:latin typeface="Arial" pitchFamily="34" charset="0"/>
+                <a:ea typeface="Arial" pitchFamily="34" charset="-122"/>
+                <a:cs typeface="Arial" pitchFamily="34" charset="-120"/>
+              </a:rPr>
+              <a:t>надійний</a:t>
+            </a:r>
+            <a:r>
+              <a:rPr lang="ru-RU" sz="1350" dirty="0">
+                <a:latin typeface="Arial" pitchFamily="34" charset="0"/>
+                <a:ea typeface="Arial" pitchFamily="34" charset="-122"/>
+                <a:cs typeface="Arial" pitchFamily="34" charset="-120"/>
+              </a:rPr>
+              <a:t> канал </a:t>
+            </a:r>
+            <a:r>
+              <a:rPr lang="ru-RU" sz="1350" dirty="0" err="1">
+                <a:latin typeface="Arial" pitchFamily="34" charset="0"/>
+                <a:ea typeface="Arial" pitchFamily="34" charset="-122"/>
+                <a:cs typeface="Arial" pitchFamily="34" charset="-120"/>
+              </a:rPr>
+              <a:t>навіть</a:t>
+            </a:r>
+            <a:r>
+              <a:rPr lang="ru-RU" sz="1350" dirty="0">
+                <a:latin typeface="Arial" pitchFamily="34" charset="0"/>
+                <a:ea typeface="Arial" pitchFamily="34" charset="-122"/>
+                <a:cs typeface="Arial" pitchFamily="34" charset="-120"/>
+              </a:rPr>
+              <a:t> в </a:t>
+            </a:r>
+            <a:r>
+              <a:rPr lang="ru-RU" sz="1350" dirty="0" err="1">
+                <a:latin typeface="Arial" pitchFamily="34" charset="0"/>
+                <a:ea typeface="Arial" pitchFamily="34" charset="-122"/>
+                <a:cs typeface="Arial" pitchFamily="34" charset="-120"/>
+              </a:rPr>
+              <a:t>периоди</a:t>
+            </a:r>
+            <a:r>
+              <a:rPr lang="ru-RU" sz="1350" dirty="0">
+                <a:latin typeface="Arial" pitchFamily="34" charset="0"/>
+                <a:ea typeface="Arial" pitchFamily="34" charset="-122"/>
+                <a:cs typeface="Arial" pitchFamily="34" charset="-120"/>
+              </a:rPr>
+              <a:t> криз</a:t>
+            </a:r>
+            <a:endParaRPr lang="en-US" sz="1350" dirty="0"/>
+          </a:p>
+        </p:txBody>
+      </p:sp>
+      <p:sp>
+        <p:nvSpPr>
+          <p:cNvPr id="4" name="Text 2">
+            <a:extLst>
+              <a:ext uri="{FF2B5EF4-FFF2-40B4-BE49-F238E27FC236}">
+                <a16:creationId xmlns:a16="http://schemas.microsoft.com/office/drawing/2014/main" id="{988488D0-00D7-5E24-4405-D8887ABBD27D}"/>
+              </a:ext>
+            </a:extLst>
+          </p:cNvPr>
+          <p:cNvSpPr/>
+          <p:nvPr/>
+        </p:nvSpPr>
+        <p:spPr>
+          <a:xfrm>
+            <a:off x="2341917" y="2802371"/>
+            <a:ext cx="4211973" cy="239911"/>
+          </a:xfrm>
+          <a:prstGeom prst="rect">
+            <a:avLst/>
+          </a:prstGeom>
+          <a:noFill/>
+          <a:ln/>
+        </p:spPr>
+        <p:txBody>
+          <a:bodyPr wrap="square" lIns="0" tIns="0" rIns="0" bIns="0" rtlCol="0" anchor="t"/>
+          <a:lstStyle/>
+          <a:p>
+            <a:pPr algn="ctr">
+              <a:lnSpc>
+                <a:spcPts val="1890"/>
+              </a:lnSpc>
+            </a:pPr>
+            <a:r>
+              <a:rPr lang="en-US" sz="1350" dirty="0">
+                <a:latin typeface="Arial" pitchFamily="34" charset="0"/>
+                <a:ea typeface="Arial" pitchFamily="34" charset="-122"/>
+                <a:cs typeface="Arial" pitchFamily="34" charset="-120"/>
+              </a:rPr>
+              <a:t>💡 </a:t>
+            </a:r>
+            <a:r>
+              <a:rPr lang="ru-RU" sz="1350" dirty="0" err="1">
+                <a:latin typeface="Arial" pitchFamily="34" charset="0"/>
+                <a:ea typeface="Arial" pitchFamily="34" charset="-122"/>
+                <a:cs typeface="Arial" pitchFamily="34" charset="-120"/>
+              </a:rPr>
+              <a:t>Спрямуйте</a:t>
+            </a:r>
+            <a:r>
+              <a:rPr lang="ru-RU" sz="1350" dirty="0">
+                <a:latin typeface="Arial" pitchFamily="34" charset="0"/>
+                <a:ea typeface="Arial" pitchFamily="34" charset="-122"/>
+                <a:cs typeface="Arial" pitchFamily="34" charset="-120"/>
+              </a:rPr>
+              <a:t> </a:t>
+            </a:r>
+            <a:r>
+              <a:rPr lang="ru-RU" sz="1350" dirty="0" err="1">
+                <a:latin typeface="Arial" pitchFamily="34" charset="0"/>
+                <a:ea typeface="Arial" pitchFamily="34" charset="-122"/>
+                <a:cs typeface="Arial" pitchFamily="34" charset="-120"/>
+              </a:rPr>
+              <a:t>ресурси</a:t>
+            </a:r>
+            <a:r>
+              <a:rPr lang="ru-RU" sz="1350" dirty="0">
+                <a:latin typeface="Arial" pitchFamily="34" charset="0"/>
+                <a:ea typeface="Arial" pitchFamily="34" charset="-122"/>
+                <a:cs typeface="Arial" pitchFamily="34" charset="-120"/>
+              </a:rPr>
+              <a:t> на </a:t>
+            </a:r>
+            <a:r>
+              <a:rPr lang="ru-RU" sz="1350" dirty="0" err="1">
+                <a:latin typeface="Arial" pitchFamily="34" charset="0"/>
+                <a:ea typeface="Arial" pitchFamily="34" charset="-122"/>
+                <a:cs typeface="Arial" pitchFamily="34" charset="-120"/>
+              </a:rPr>
+              <a:t>мобільну</a:t>
+            </a:r>
+            <a:r>
+              <a:rPr lang="ru-RU" sz="1350" dirty="0">
+                <a:latin typeface="Arial" pitchFamily="34" charset="0"/>
+                <a:ea typeface="Arial" pitchFamily="34" charset="-122"/>
+                <a:cs typeface="Arial" pitchFamily="34" charset="-120"/>
+              </a:rPr>
+              <a:t> </a:t>
+            </a:r>
+            <a:r>
+              <a:rPr lang="ru-RU" sz="1350" dirty="0" err="1">
+                <a:latin typeface="Arial" pitchFamily="34" charset="0"/>
+                <a:ea typeface="Arial" pitchFamily="34" charset="-122"/>
+                <a:cs typeface="Arial" pitchFamily="34" charset="-120"/>
+              </a:rPr>
+              <a:t>оптимізацію</a:t>
+            </a:r>
+            <a:r>
+              <a:rPr lang="ru-RU" sz="1350" dirty="0">
+                <a:latin typeface="Arial" pitchFamily="34" charset="0"/>
+                <a:ea typeface="Arial" pitchFamily="34" charset="-122"/>
+                <a:cs typeface="Arial" pitchFamily="34" charset="-120"/>
+              </a:rPr>
+              <a:t> та </a:t>
+            </a:r>
+            <a:r>
+              <a:rPr lang="ru-RU" sz="1350" dirty="0" err="1">
+                <a:latin typeface="Arial" pitchFamily="34" charset="0"/>
+                <a:ea typeface="Arial" pitchFamily="34" charset="-122"/>
+                <a:cs typeface="Arial" pitchFamily="34" charset="-120"/>
+              </a:rPr>
+              <a:t>логістику</a:t>
+            </a:r>
+            <a:r>
+              <a:rPr lang="ru-RU" sz="1350" dirty="0">
+                <a:latin typeface="Arial" pitchFamily="34" charset="0"/>
+                <a:ea typeface="Arial" pitchFamily="34" charset="-122"/>
+                <a:cs typeface="Arial" pitchFamily="34" charset="-120"/>
+              </a:rPr>
+              <a:t> — </a:t>
+            </a:r>
+            <a:r>
+              <a:rPr lang="ru-RU" sz="1350" dirty="0" err="1">
+                <a:latin typeface="Arial" pitchFamily="34" charset="0"/>
+                <a:ea typeface="Arial" pitchFamily="34" charset="-122"/>
+                <a:cs typeface="Arial" pitchFamily="34" charset="-120"/>
+              </a:rPr>
+              <a:t>ці</a:t>
+            </a:r>
+            <a:r>
+              <a:rPr lang="ru-RU" sz="1350" dirty="0">
+                <a:latin typeface="Arial" pitchFamily="34" charset="0"/>
+                <a:ea typeface="Arial" pitchFamily="34" charset="-122"/>
+                <a:cs typeface="Arial" pitchFamily="34" charset="-120"/>
+              </a:rPr>
+              <a:t> </a:t>
+            </a:r>
+            <a:r>
+              <a:rPr lang="ru-RU" sz="1350" dirty="0" err="1">
+                <a:latin typeface="Arial" pitchFamily="34" charset="0"/>
+                <a:ea typeface="Arial" pitchFamily="34" charset="-122"/>
+                <a:cs typeface="Arial" pitchFamily="34" charset="-120"/>
+              </a:rPr>
+              <a:t>фактори</a:t>
+            </a:r>
+            <a:r>
+              <a:rPr lang="ru-RU" sz="1350" dirty="0">
+                <a:latin typeface="Arial" pitchFamily="34" charset="0"/>
+                <a:ea typeface="Arial" pitchFamily="34" charset="-122"/>
+                <a:cs typeface="Arial" pitchFamily="34" charset="-120"/>
+              </a:rPr>
+              <a:t> </a:t>
+            </a:r>
+            <a:r>
+              <a:rPr lang="ru-RU" sz="1350" dirty="0" err="1">
+                <a:latin typeface="Arial" pitchFamily="34" charset="0"/>
+                <a:ea typeface="Arial" pitchFamily="34" charset="-122"/>
+                <a:cs typeface="Arial" pitchFamily="34" charset="-120"/>
+              </a:rPr>
+              <a:t>критичні</a:t>
+            </a:r>
+            <a:r>
+              <a:rPr lang="ru-RU" sz="1350" dirty="0">
+                <a:latin typeface="Arial" pitchFamily="34" charset="0"/>
+                <a:ea typeface="Arial" pitchFamily="34" charset="-122"/>
+                <a:cs typeface="Arial" pitchFamily="34" charset="-120"/>
+              </a:rPr>
+              <a:t>.</a:t>
+            </a:r>
+            <a:endParaRPr lang="en-US" sz="1350" dirty="0"/>
+          </a:p>
+        </p:txBody>
+      </p:sp>
+      <p:sp>
+        <p:nvSpPr>
+          <p:cNvPr id="5" name="Text 3">
+            <a:extLst>
+              <a:ext uri="{FF2B5EF4-FFF2-40B4-BE49-F238E27FC236}">
+                <a16:creationId xmlns:a16="http://schemas.microsoft.com/office/drawing/2014/main" id="{33467754-F399-FE09-5719-B5A5F96CB995}"/>
+              </a:ext>
+            </a:extLst>
+          </p:cNvPr>
+          <p:cNvSpPr/>
+          <p:nvPr/>
+        </p:nvSpPr>
+        <p:spPr>
+          <a:xfrm>
+            <a:off x="2341916" y="3514843"/>
+            <a:ext cx="4211973" cy="239911"/>
+          </a:xfrm>
+          <a:prstGeom prst="rect">
+            <a:avLst/>
+          </a:prstGeom>
+          <a:noFill/>
+          <a:ln/>
+        </p:spPr>
+        <p:txBody>
+          <a:bodyPr wrap="square" lIns="0" tIns="0" rIns="0" bIns="0" rtlCol="0" anchor="t"/>
+          <a:lstStyle/>
+          <a:p>
+            <a:pPr algn="ctr">
+              <a:lnSpc>
+                <a:spcPts val="1890"/>
+              </a:lnSpc>
+            </a:pPr>
+            <a:r>
+              <a:rPr lang="en-US" sz="1350" dirty="0">
+                <a:latin typeface="Arial" pitchFamily="34" charset="0"/>
+                <a:ea typeface="Arial" pitchFamily="34" charset="-122"/>
+                <a:cs typeface="Arial" pitchFamily="34" charset="-120"/>
+              </a:rPr>
+              <a:t>💡</a:t>
+            </a:r>
+            <a:r>
+              <a:rPr lang="ru-RU" sz="1350" dirty="0" err="1">
+                <a:latin typeface="Arial" pitchFamily="34" charset="0"/>
+                <a:ea typeface="Arial" pitchFamily="34" charset="-122"/>
+                <a:cs typeface="Arial" pitchFamily="34" charset="-120"/>
+              </a:rPr>
+              <a:t>Розглядайте</a:t>
+            </a:r>
+            <a:r>
+              <a:rPr lang="ru-RU" sz="1350" dirty="0">
+                <a:latin typeface="Arial" pitchFamily="34" charset="0"/>
+                <a:ea typeface="Arial" pitchFamily="34" charset="-122"/>
+                <a:cs typeface="Arial" pitchFamily="34" charset="-120"/>
+              </a:rPr>
+              <a:t> </a:t>
+            </a:r>
+            <a:r>
+              <a:rPr lang="ru-RU" sz="1350" dirty="0" err="1">
+                <a:latin typeface="Arial" pitchFamily="34" charset="0"/>
+                <a:ea typeface="Arial" pitchFamily="34" charset="-122"/>
+                <a:cs typeface="Arial" pitchFamily="34" charset="-120"/>
+              </a:rPr>
+              <a:t>розширення</a:t>
+            </a:r>
+            <a:r>
+              <a:rPr lang="ru-RU" sz="1350" dirty="0">
+                <a:latin typeface="Arial" pitchFamily="34" charset="0"/>
+                <a:ea typeface="Arial" pitchFamily="34" charset="-122"/>
+                <a:cs typeface="Arial" pitchFamily="34" charset="-120"/>
+              </a:rPr>
+              <a:t> на ринки з </a:t>
+            </a:r>
+            <a:r>
+              <a:rPr lang="ru-RU" sz="1350" dirty="0" err="1">
+                <a:latin typeface="Arial" pitchFamily="34" charset="0"/>
+                <a:ea typeface="Arial" pitchFamily="34" charset="-122"/>
+                <a:cs typeface="Arial" pitchFamily="34" charset="-120"/>
+              </a:rPr>
+              <a:t>зростаючим</a:t>
+            </a:r>
+            <a:r>
+              <a:rPr lang="ru-RU" sz="1350" dirty="0">
+                <a:latin typeface="Arial" pitchFamily="34" charset="0"/>
+                <a:ea typeface="Arial" pitchFamily="34" charset="-122"/>
+                <a:cs typeface="Arial" pitchFamily="34" charset="-120"/>
+              </a:rPr>
+              <a:t> </a:t>
+            </a:r>
+            <a:r>
+              <a:rPr lang="ru-RU" sz="1350" dirty="0" err="1">
+                <a:latin typeface="Arial" pitchFamily="34" charset="0"/>
+                <a:ea typeface="Arial" pitchFamily="34" charset="-122"/>
+                <a:cs typeface="Arial" pitchFamily="34" charset="-120"/>
+              </a:rPr>
+              <a:t>інтернет-проникненням</a:t>
+            </a:r>
+            <a:r>
+              <a:rPr lang="ru-RU" sz="1350" dirty="0">
+                <a:latin typeface="Arial" pitchFamily="34" charset="0"/>
+                <a:ea typeface="Arial" pitchFamily="34" charset="-122"/>
+                <a:cs typeface="Arial" pitchFamily="34" charset="-120"/>
+              </a:rPr>
+              <a:t>.</a:t>
+            </a:r>
+            <a:endParaRPr lang="en-US" sz="1350" dirty="0"/>
+          </a:p>
+        </p:txBody>
+      </p:sp>
+    </p:spTree>
+    <p:extLst>
+      <p:ext uri="{BB962C8B-B14F-4D97-AF65-F5344CB8AC3E}">
+        <p14:creationId xmlns:p14="http://schemas.microsoft.com/office/powerpoint/2010/main" val="3654126731"/>
+      </p:ext>
+    </p:extLst>
+  </p:cSld>
+  <p:clrMapOvr>
+    <a:masterClrMapping/>
+  </p:clrMapOvr>
+</p:sld>
+</file>
+
+<file path=ppt/slides/slide12.xml><?xml version="1.0" encoding="utf-8"?>
+<p:sld xmlns:a="http://schemas.openxmlformats.org/drawingml/2006/main" xmlns:r="http://schemas.openxmlformats.org/officeDocument/2006/relationships" xmlns:p="http://schemas.openxmlformats.org/presentationml/2006/main">
   <p:cSld name="Slide 10">
     <p:bg>
       <p:bgPr>
@@ -15113,7 +16065,15 @@
                 <a:ea typeface="Arial" pitchFamily="34" charset="-122"/>
                 <a:cs typeface="Arial" pitchFamily="34" charset="-120"/>
               </a:rPr>
-              <a:t> — зростає у COVID-19 і конфлікті</a:t>
+              <a:t> — зростає у </a:t>
+            </a:r>
+            <a:r>
+              <a:rPr lang="uk-UA" sz="1350" dirty="0">
+                <a:latin typeface="Arial" pitchFamily="34" charset="0"/>
+                <a:ea typeface="Arial" pitchFamily="34" charset="-122"/>
+                <a:cs typeface="Arial" pitchFamily="34" charset="-120"/>
+              </a:rPr>
+              <a:t>періоди економічних та геополітичних криз</a:t>
             </a:r>
             <a:endParaRPr lang="en-US" sz="1350" dirty="0"/>
           </a:p>
@@ -15200,20 +16160,28 @@
               <a:t>✅ Інтернет-інфраструктура — </a:t>
             </a:r>
             <a:r>
+              <a:rPr lang="en-US" sz="1350" b="1" dirty="0" err="1">
+                <a:latin typeface="Arial" pitchFamily="34" charset="0"/>
+                <a:ea typeface="Arial" pitchFamily="34" charset="-122"/>
+                <a:cs typeface="Arial" pitchFamily="34" charset="-120"/>
+              </a:rPr>
+              <a:t>основний</a:t>
+            </a:r>
+            <a:r>
               <a:rPr lang="en-US" sz="1350" b="1" dirty="0">
                 <a:latin typeface="Arial" pitchFamily="34" charset="0"/>
                 <a:ea typeface="Arial" pitchFamily="34" charset="-122"/>
                 <a:cs typeface="Arial" pitchFamily="34" charset="-120"/>
               </a:rPr>
-              <a:t>основний драйвер</a:t>
-            </a:r>
-            <a:r>
-              <a:rPr lang="en-US" sz="1350" dirty="0">
-                <a:latin typeface="Arial" pitchFamily="34" charset="0"/>
-                <a:ea typeface="Arial" pitchFamily="34" charset="-122"/>
-                <a:cs typeface="Arial" pitchFamily="34" charset="-120"/>
-              </a:rPr>
-              <a:t> (r=0.74)</a:t>
+              <a:t> </a:t>
+            </a:r>
+            <a:r>
+              <a:rPr lang="en-US" sz="1350" b="1" dirty="0" err="1">
+                <a:latin typeface="Arial" pitchFamily="34" charset="0"/>
+                <a:ea typeface="Arial" pitchFamily="34" charset="-122"/>
+                <a:cs typeface="Arial" pitchFamily="34" charset="-120"/>
+              </a:rPr>
+              <a:t>драйвер</a:t>
             </a:r>
             <a:endParaRPr lang="en-US" sz="1350" dirty="0"/>
           </a:p>
@@ -15231,7 +16199,7 @@
                 <a:ea typeface="Arial" pitchFamily="34" charset="-122"/>
                 <a:cs typeface="Arial" pitchFamily="34" charset="-120"/>
               </a:rPr>
-              <a:t>✅ Криза = прискорення </a:t>
+              <a:t>✅ </a:t>
             </a:r>
             <a:r>
               <a:rPr lang="en-US" sz="1350" dirty="0" err="1">
@@ -15239,6 +16207,38 @@
                 <a:ea typeface="Arial" pitchFamily="34" charset="-122"/>
                 <a:cs typeface="Arial" pitchFamily="34" charset="-120"/>
               </a:rPr>
+              <a:t>Криза</a:t>
+            </a:r>
+            <a:r>
+              <a:rPr lang="en-US" sz="1350" dirty="0">
+                <a:latin typeface="Arial" pitchFamily="34" charset="0"/>
+                <a:ea typeface="Arial" pitchFamily="34" charset="-122"/>
+                <a:cs typeface="Arial" pitchFamily="34" charset="-120"/>
+              </a:rPr>
+              <a:t> = </a:t>
+            </a:r>
+            <a:r>
+              <a:rPr lang="en-US" sz="1350" dirty="0" err="1">
+                <a:latin typeface="Arial" pitchFamily="34" charset="0"/>
+                <a:ea typeface="Arial" pitchFamily="34" charset="-122"/>
+                <a:cs typeface="Arial" pitchFamily="34" charset="-120"/>
+              </a:rPr>
+              <a:t>прискорення</a:t>
+            </a:r>
+            <a:r>
+              <a:rPr lang="en-US" sz="1350" dirty="0">
+                <a:latin typeface="Arial" pitchFamily="34" charset="0"/>
+                <a:ea typeface="Arial" pitchFamily="34" charset="-122"/>
+                <a:cs typeface="Arial" pitchFamily="34" charset="-120"/>
+              </a:rPr>
+              <a:t> </a:t>
+            </a:r>
+            <a:r>
+              <a:rPr lang="en-US" sz="1350" dirty="0" err="1">
+                <a:latin typeface="Arial" pitchFamily="34" charset="0"/>
+                <a:ea typeface="Arial" pitchFamily="34" charset="-122"/>
+                <a:cs typeface="Arial" pitchFamily="34" charset="-120"/>
+              </a:rPr>
               <a:t>цифрової</a:t>
             </a:r>
             <a:r>
@@ -15325,280 +16325,15 @@
           </a:p>
         </p:txBody>
       </p:sp>
-    </p:spTree>
-  </p:cSld>
-  <p:clrMapOvr>
-    <a:masterClrMapping/>
-  </p:clrMapOvr>
-</p:sld>
-</file>
-
-<file path=ppt/slides/slide11.xml><?xml version="1.0" encoding="utf-8"?>
-<p:sld xmlns:a="http://schemas.openxmlformats.org/drawingml/2006/main" xmlns:r="http://schemas.openxmlformats.org/officeDocument/2006/relationships" xmlns:p="http://schemas.openxmlformats.org/presentationml/2006/main">
-  <p:cSld name="Slide 11">
-    <p:bg>
-      <p:bgPr>
-        <a:solidFill>
-          <a:srgbClr val="020617"/>
-        </a:solidFill>
-        <a:effectLst/>
-      </p:bgPr>
-    </p:bg>
-    <p:spTree>
-      <p:nvGrpSpPr>
-        <p:cNvPr id="1" name=""/>
-        <p:cNvGrpSpPr/>
-        <p:nvPr/>
-      </p:nvGrpSpPr>
-      <p:grpSpPr>
-        <a:xfrm>
-          <a:off x="0" y="0"/>
-          <a:ext cx="0" cy="0"/>
-          <a:chOff x="0" y="0"/>
-          <a:chExt cx="0" cy="0"/>
-        </a:xfrm>
-      </p:grpSpPr>
-      <p:sp>
-        <p:nvSpPr>
-          <p:cNvPr id="2" name="Text 0"/>
-          <p:cNvSpPr/>
-          <p:nvPr/>
-        </p:nvSpPr>
-        <p:spPr>
-          <a:xfrm>
-            <a:off x="2249542" y="609600"/>
-            <a:ext cx="4644768" cy="411361"/>
-          </a:xfrm>
-          <a:prstGeom prst="rect">
-            <a:avLst/>
-          </a:prstGeom>
-          <a:noFill/>
-          <a:ln/>
-        </p:spPr>
-        <p:txBody>
-          <a:bodyPr wrap="square" lIns="0" tIns="0" rIns="0" bIns="0" rtlCol="0" anchor="t"/>
-          <a:lstStyle/>
-          <a:p>
-            <a:pPr marL="0" indent="0" algn="ctr">
-              <a:lnSpc>
-                <a:spcPts val="3240"/>
-              </a:lnSpc>
-              <a:buNone/>
-            </a:pPr>
-            <a:r>
-              <a:rPr lang="en-US" sz="2700" b="1" dirty="0">
-                <a:solidFill>
-                  <a:srgbClr val="38BDF8"/>
-                </a:solidFill>
-                <a:latin typeface="Arial" pitchFamily="34" charset="0"/>
-                <a:ea typeface="Arial" pitchFamily="34" charset="-122"/>
-                <a:cs typeface="Arial" pitchFamily="34" charset="-120"/>
-              </a:rPr>
-              <a:t>Рекомендації для політики</a:t>
-            </a:r>
-            <a:endParaRPr lang="en-US" sz="2700" dirty="0"/>
-          </a:p>
-        </p:txBody>
-      </p:sp>
-      <p:sp>
-        <p:nvSpPr>
-          <p:cNvPr id="3" name="Text 1"/>
-          <p:cNvSpPr/>
-          <p:nvPr/>
-        </p:nvSpPr>
-        <p:spPr>
-          <a:xfrm>
-            <a:off x="2341917" y="2142827"/>
-            <a:ext cx="4211973" cy="239911"/>
-          </a:xfrm>
-          <a:prstGeom prst="rect">
-            <a:avLst/>
-          </a:prstGeom>
-          <a:noFill/>
-          <a:ln/>
-        </p:spPr>
-        <p:txBody>
-          <a:bodyPr wrap="square" lIns="0" tIns="0" rIns="0" bIns="0" rtlCol="0" anchor="t"/>
-          <a:lstStyle/>
-          <a:p>
-            <a:pPr marL="0" indent="0" algn="ctr">
-              <a:lnSpc>
-                <a:spcPts val="1890"/>
-              </a:lnSpc>
-              <a:buNone/>
-            </a:pPr>
-            <a:r>
-              <a:rPr lang="en-US" sz="1350" dirty="0">
-                <a:latin typeface="Arial" pitchFamily="34" charset="0"/>
-                <a:ea typeface="Arial" pitchFamily="34" charset="-122"/>
-                <a:cs typeface="Arial" pitchFamily="34" charset="-120"/>
-              </a:rPr>
-              <a:t>💡 Інвестувати в цифрову інфраструктуру</a:t>
-            </a:r>
-            <a:endParaRPr lang="en-US" sz="1350" dirty="0"/>
-          </a:p>
-        </p:txBody>
-      </p:sp>
-      <p:sp>
-        <p:nvSpPr>
-          <p:cNvPr id="4" name="Text 2"/>
-          <p:cNvSpPr/>
-          <p:nvPr/>
-        </p:nvSpPr>
-        <p:spPr>
-          <a:xfrm>
-            <a:off x="2341917" y="2611338"/>
-            <a:ext cx="4211973" cy="239911"/>
-          </a:xfrm>
-          <a:prstGeom prst="rect">
-            <a:avLst/>
-          </a:prstGeom>
-          <a:noFill/>
-          <a:ln/>
-        </p:spPr>
-        <p:txBody>
-          <a:bodyPr wrap="square" lIns="0" tIns="0" rIns="0" bIns="0" rtlCol="0" anchor="t"/>
-          <a:lstStyle/>
-          <a:p>
-            <a:pPr marL="0" indent="0" algn="ctr">
-              <a:lnSpc>
-                <a:spcPts val="1890"/>
-              </a:lnSpc>
-              <a:buNone/>
-            </a:pPr>
-            <a:r>
-              <a:rPr lang="en-US" sz="1350" dirty="0">
-                <a:latin typeface="Arial" pitchFamily="34" charset="0"/>
-                <a:ea typeface="Arial" pitchFamily="34" charset="-122"/>
-                <a:cs typeface="Arial" pitchFamily="34" charset="-120"/>
-              </a:rPr>
-              <a:t>💡 </a:t>
-            </a:r>
-            <a:r>
-              <a:rPr lang="en-US" sz="1350" dirty="0" err="1">
-                <a:latin typeface="Arial" pitchFamily="34" charset="0"/>
-                <a:ea typeface="Arial" pitchFamily="34" charset="-122"/>
-                <a:cs typeface="Arial" pitchFamily="34" charset="-120"/>
-              </a:rPr>
-              <a:t>Розширити</a:t>
-            </a:r>
-            <a:r>
-              <a:rPr lang="en-US" sz="1350" dirty="0">
-                <a:latin typeface="Arial" pitchFamily="34" charset="0"/>
-                <a:ea typeface="Arial" pitchFamily="34" charset="-122"/>
-                <a:cs typeface="Arial" pitchFamily="34" charset="-120"/>
-              </a:rPr>
-              <a:t> </a:t>
-            </a:r>
-            <a:r>
-              <a:rPr lang="uk-UA" sz="1350" dirty="0">
-                <a:latin typeface="Arial" pitchFamily="34" charset="0"/>
-                <a:ea typeface="Arial" pitchFamily="34" charset="-122"/>
-                <a:cs typeface="Arial" pitchFamily="34" charset="-120"/>
-              </a:rPr>
-              <a:t>швидкісний </a:t>
-            </a:r>
-            <a:r>
-              <a:rPr lang="en-US" sz="1350" dirty="0" err="1">
-                <a:latin typeface="Arial" pitchFamily="34" charset="0"/>
-                <a:ea typeface="Arial" pitchFamily="34" charset="-122"/>
-                <a:cs typeface="Arial" pitchFamily="34" charset="-120"/>
-              </a:rPr>
-              <a:t>доступ</a:t>
-            </a:r>
-            <a:r>
-              <a:rPr lang="en-US" sz="1350" dirty="0">
-                <a:latin typeface="Arial" pitchFamily="34" charset="0"/>
-                <a:ea typeface="Arial" pitchFamily="34" charset="-122"/>
-                <a:cs typeface="Arial" pitchFamily="34" charset="-120"/>
-              </a:rPr>
-              <a:t> до інтернету для усіх регіонів</a:t>
-            </a:r>
-            <a:endParaRPr lang="en-US" sz="1350" dirty="0"/>
-          </a:p>
-        </p:txBody>
-      </p:sp>
-      <p:sp>
-        <p:nvSpPr>
-          <p:cNvPr id="5" name="Text 3"/>
-          <p:cNvSpPr/>
-          <p:nvPr/>
-        </p:nvSpPr>
-        <p:spPr>
-          <a:xfrm>
-            <a:off x="2341916" y="3245048"/>
-            <a:ext cx="4211973" cy="239911"/>
-          </a:xfrm>
-          <a:prstGeom prst="rect">
-            <a:avLst/>
-          </a:prstGeom>
-          <a:noFill/>
-          <a:ln/>
-        </p:spPr>
-        <p:txBody>
-          <a:bodyPr wrap="square" lIns="0" tIns="0" rIns="0" bIns="0" rtlCol="0" anchor="t"/>
-          <a:lstStyle/>
-          <a:p>
-            <a:pPr marL="0" indent="0" algn="ctr">
-              <a:lnSpc>
-                <a:spcPts val="1890"/>
-              </a:lnSpc>
-              <a:buNone/>
-            </a:pPr>
-            <a:r>
-              <a:rPr lang="en-US" sz="1350" dirty="0">
-                <a:latin typeface="Arial" pitchFamily="34" charset="0"/>
-                <a:ea typeface="Arial" pitchFamily="34" charset="-122"/>
-                <a:cs typeface="Arial" pitchFamily="34" charset="-120"/>
-              </a:rPr>
-              <a:t>💡 Підтримувати СМВО в цифровій трансформації</a:t>
-            </a:r>
-            <a:endParaRPr lang="en-US" sz="1350" dirty="0"/>
-          </a:p>
-        </p:txBody>
-      </p:sp>
-      <p:sp>
-        <p:nvSpPr>
-          <p:cNvPr id="6" name="Text 4"/>
-          <p:cNvSpPr/>
-          <p:nvPr/>
-        </p:nvSpPr>
-        <p:spPr>
-          <a:xfrm>
-            <a:off x="2341917" y="3713559"/>
-            <a:ext cx="4211973" cy="239911"/>
-          </a:xfrm>
-          <a:prstGeom prst="rect">
-            <a:avLst/>
-          </a:prstGeom>
-          <a:noFill/>
-          <a:ln/>
-        </p:spPr>
-        <p:txBody>
-          <a:bodyPr wrap="square" lIns="0" tIns="0" rIns="0" bIns="0" rtlCol="0" anchor="t"/>
-          <a:lstStyle/>
-          <a:p>
-            <a:pPr marL="0" indent="0" algn="ctr">
-              <a:lnSpc>
-                <a:spcPts val="1890"/>
-              </a:lnSpc>
-              <a:buNone/>
-            </a:pPr>
-            <a:r>
-              <a:rPr lang="en-US" sz="1350" dirty="0">
-                <a:latin typeface="Arial" pitchFamily="34" charset="0"/>
-                <a:ea typeface="Arial" pitchFamily="34" charset="-122"/>
-                <a:cs typeface="Arial" pitchFamily="34" charset="-120"/>
-              </a:rPr>
-              <a:t>💡 Е-commerce = резилієнтність економіки</a:t>
-            </a:r>
-            <a:endParaRPr lang="en-US" sz="1350" dirty="0"/>
-          </a:p>
-        </p:txBody>
-      </p:sp>
-      <p:sp>
-        <p:nvSpPr>
-          <p:cNvPr id="7" name="Text 5"/>
+      <p:sp>
+        <p:nvSpPr>
+          <p:cNvPr id="7" name="Text 5">
+            <a:extLst>
+              <a:ext uri="{FF2B5EF4-FFF2-40B4-BE49-F238E27FC236}">
+                <a16:creationId xmlns:a16="http://schemas.microsoft.com/office/drawing/2014/main" id="{B52CFC7C-819A-7D2D-0208-5342406236C9}"/>
+              </a:ext>
+            </a:extLst>
+          </p:cNvPr>
           <p:cNvSpPr/>
           <p:nvPr/>
         </p:nvSpPr>
@@ -15647,290 +16382,6 @@
 </file>
 
 <file path=ppt/slides/slide2.xml><?xml version="1.0" encoding="utf-8"?>
-<p:sld xmlns:a="http://schemas.openxmlformats.org/drawingml/2006/main" xmlns:r="http://schemas.openxmlformats.org/officeDocument/2006/relationships" xmlns:p="http://schemas.openxmlformats.org/presentationml/2006/main">
-  <p:cSld>
-    <p:spTree>
-      <p:nvGrpSpPr>
-        <p:cNvPr id="1" name=""/>
-        <p:cNvGrpSpPr/>
-        <p:nvPr/>
-      </p:nvGrpSpPr>
-      <p:grpSpPr>
-        <a:xfrm>
-          <a:off x="0" y="0"/>
-          <a:ext cx="0" cy="0"/>
-          <a:chOff x="0" y="0"/>
-          <a:chExt cx="0" cy="0"/>
-        </a:xfrm>
-      </p:grpSpPr>
-      <p:sp>
-        <p:nvSpPr>
-          <p:cNvPr id="2" name="Text 0"/>
-          <p:cNvSpPr/>
-          <p:nvPr/>
-        </p:nvSpPr>
-        <p:spPr>
-          <a:xfrm>
-            <a:off x="609600" y="609600"/>
-            <a:ext cx="8083296" cy="411361"/>
-          </a:xfrm>
-          <a:prstGeom prst="rect">
-            <a:avLst/>
-          </a:prstGeom>
-          <a:noFill/>
-          <a:ln/>
-        </p:spPr>
-        <p:txBody>
-          <a:bodyPr wrap="square" lIns="0" tIns="0" rIns="0" bIns="0" rtlCol="0" anchor="t"/>
-          <a:lstStyle/>
-          <a:p>
-            <a:pPr marL="0" indent="0">
-              <a:lnSpc>
-                <a:spcPts val="3240"/>
-              </a:lnSpc>
-              <a:buNone/>
-            </a:pPr>
-            <a:r>
-              <a:rPr lang="en-US" sz="2700" b="1" dirty="0">
-                <a:solidFill>
-                  <a:srgbClr val="38BDF8"/>
-                </a:solidFill>
-                <a:latin typeface="Arial" pitchFamily="34" charset="0"/>
-                <a:ea typeface="Arial" pitchFamily="34" charset="-122"/>
-                <a:cs typeface="Arial" pitchFamily="34" charset="-120"/>
-              </a:rPr>
-              <a:t>Дослідницькі питання | Research Questions</a:t>
-            </a:r>
-            <a:endParaRPr lang="en-US" sz="2700" dirty="0"/>
-          </a:p>
-        </p:txBody>
-      </p:sp>
-      <p:sp>
-        <p:nvSpPr>
-          <p:cNvPr id="3" name="Text 1"/>
-          <p:cNvSpPr/>
-          <p:nvPr/>
-        </p:nvSpPr>
-        <p:spPr>
-          <a:xfrm>
-            <a:off x="609600" y="2034555"/>
-            <a:ext cx="7620000" cy="1325761"/>
-          </a:xfrm>
-          <a:prstGeom prst="rect">
-            <a:avLst/>
-          </a:prstGeom>
-          <a:noFill/>
-          <a:ln/>
-        </p:spPr>
-        <p:txBody>
-          <a:bodyPr wrap="square" lIns="0" tIns="0" rIns="0" bIns="0" rtlCol="0" anchor="t"/>
-          <a:lstStyle/>
-          <a:p>
-            <a:pPr marL="342900" indent="-342900">
-              <a:lnSpc>
-                <a:spcPts val="2160"/>
-              </a:lnSpc>
-              <a:buSzPct val="100000"/>
-              <a:buChar char="•"/>
-            </a:pPr>
-            <a:r>
-              <a:rPr lang="en-US" sz="1200" dirty="0">
-                <a:solidFill>
-                  <a:srgbClr val="CBD5E1"/>
-                </a:solidFill>
-                <a:latin typeface="Arial" pitchFamily="34" charset="0"/>
-                <a:ea typeface="Arial" pitchFamily="34" charset="-122"/>
-                <a:cs typeface="Arial" pitchFamily="34" charset="-120"/>
-              </a:rPr>
-              <a:t>❓ </a:t>
-            </a:r>
-            <a:r>
-              <a:rPr lang="en-US" sz="1200" b="1" dirty="0">
-                <a:solidFill>
-                  <a:srgbClr val="38BDF8"/>
-                </a:solidFill>
-                <a:latin typeface="Arial" pitchFamily="34" charset="0"/>
-                <a:ea typeface="Arial" pitchFamily="34" charset="-122"/>
-                <a:cs typeface="Arial" pitchFamily="34" charset="-120"/>
-              </a:rPr>
-              <a:t>RQ1:</a:t>
-            </a:r>
-            <a:r>
-              <a:rPr lang="en-US" sz="1200" dirty="0">
-                <a:solidFill>
-                  <a:srgbClr val="CBD5E1"/>
-                </a:solidFill>
-                <a:latin typeface="Arial" pitchFamily="34" charset="0"/>
-                <a:ea typeface="Arial" pitchFamily="34" charset="-122"/>
-                <a:cs typeface="Arial" pitchFamily="34" charset="-120"/>
-              </a:rPr>
-              <a:t> </a:t>
-            </a:r>
-            <a:r>
-              <a:rPr lang="en-US" sz="1200" dirty="0">
-                <a:latin typeface="Arial" pitchFamily="34" charset="0"/>
-                <a:ea typeface="Arial" pitchFamily="34" charset="-122"/>
-                <a:cs typeface="Arial" pitchFamily="34" charset="-120"/>
-              </a:rPr>
-              <a:t>Чим відрізняються розвинені й розвивальні економіки за динамікою e‑commerce у періоди шоків?</a:t>
-            </a:r>
-            <a:endParaRPr lang="en-US" sz="1200" dirty="0"/>
-          </a:p>
-          <a:p>
-            <a:pPr marL="342900" indent="-342900">
-              <a:lnSpc>
-                <a:spcPts val="2160"/>
-              </a:lnSpc>
-              <a:buSzPct val="100000"/>
-              <a:buChar char="•"/>
-            </a:pPr>
-            <a:r>
-              <a:rPr lang="en-US" sz="1200" dirty="0">
-                <a:solidFill>
-                  <a:srgbClr val="CBD5E1"/>
-                </a:solidFill>
-                <a:latin typeface="Arial" pitchFamily="34" charset="0"/>
-                <a:ea typeface="Arial" pitchFamily="34" charset="-122"/>
-                <a:cs typeface="Arial" pitchFamily="34" charset="-120"/>
-              </a:rPr>
-              <a:t>❓ </a:t>
-            </a:r>
-            <a:r>
-              <a:rPr lang="en-US" sz="1200" b="1" dirty="0">
-                <a:solidFill>
-                  <a:srgbClr val="38BDF8"/>
-                </a:solidFill>
-                <a:latin typeface="Arial" pitchFamily="34" charset="0"/>
-                <a:ea typeface="Arial" pitchFamily="34" charset="-122"/>
-                <a:cs typeface="Arial" pitchFamily="34" charset="-120"/>
-              </a:rPr>
-              <a:t>RQ2:</a:t>
-            </a:r>
-            <a:r>
-              <a:rPr lang="en-US" sz="1200" dirty="0">
-                <a:solidFill>
-                  <a:srgbClr val="CBD5E1"/>
-                </a:solidFill>
-                <a:latin typeface="Arial" pitchFamily="34" charset="0"/>
-                <a:ea typeface="Arial" pitchFamily="34" charset="-122"/>
-                <a:cs typeface="Arial" pitchFamily="34" charset="-120"/>
-              </a:rPr>
-              <a:t> </a:t>
-            </a:r>
-            <a:r>
-              <a:rPr lang="en-US" sz="1200" dirty="0">
-                <a:latin typeface="Arial" pitchFamily="34" charset="0"/>
-                <a:ea typeface="Arial" pitchFamily="34" charset="-122"/>
-                <a:cs typeface="Arial" pitchFamily="34" charset="-120"/>
-              </a:rPr>
-              <a:t>Які структурні характеристики (цифрова інфраструктура, доходи, фінансова інклюзія, якість регуляції) пов'язані з більшою стійкістю?</a:t>
-            </a:r>
-            <a:endParaRPr lang="en-US" sz="1200" dirty="0"/>
-          </a:p>
-          <a:p>
-            <a:pPr marL="342900" indent="-342900">
-              <a:lnSpc>
-                <a:spcPts val="2160"/>
-              </a:lnSpc>
-              <a:buSzPct val="100000"/>
-              <a:buChar char="•"/>
-            </a:pPr>
-            <a:r>
-              <a:rPr lang="en-US" sz="1200" dirty="0">
-                <a:solidFill>
-                  <a:srgbClr val="CBD5E1"/>
-                </a:solidFill>
-                <a:latin typeface="Arial" pitchFamily="34" charset="0"/>
-                <a:ea typeface="Arial" pitchFamily="34" charset="-122"/>
-                <a:cs typeface="Arial" pitchFamily="34" charset="-120"/>
-              </a:rPr>
-              <a:t>❓ </a:t>
-            </a:r>
-            <a:r>
-              <a:rPr lang="en-US" sz="1200" b="1" dirty="0">
-                <a:solidFill>
-                  <a:srgbClr val="38BDF8"/>
-                </a:solidFill>
-                <a:latin typeface="Arial" pitchFamily="34" charset="0"/>
-                <a:ea typeface="Arial" pitchFamily="34" charset="-122"/>
-                <a:cs typeface="Arial" pitchFamily="34" charset="-120"/>
-              </a:rPr>
-              <a:t>RQ3:</a:t>
-            </a:r>
-            <a:r>
-              <a:rPr lang="en-US" sz="1200" dirty="0">
-                <a:solidFill>
-                  <a:srgbClr val="CBD5E1"/>
-                </a:solidFill>
-                <a:latin typeface="Arial" pitchFamily="34" charset="0"/>
-                <a:ea typeface="Arial" pitchFamily="34" charset="-122"/>
-                <a:cs typeface="Arial" pitchFamily="34" charset="-120"/>
-              </a:rPr>
-              <a:t> </a:t>
-            </a:r>
-            <a:r>
-              <a:rPr lang="en-US" sz="1200" dirty="0">
-                <a:latin typeface="Arial" pitchFamily="34" charset="0"/>
-                <a:ea typeface="Arial" pitchFamily="34" charset="-122"/>
-                <a:cs typeface="Arial" pitchFamily="34" charset="-120"/>
-              </a:rPr>
-              <a:t>Чи відрізняється динаміка e‑commerce у країнах з конфліктами порівняно з мирними країнами?</a:t>
-            </a:r>
-            <a:endParaRPr lang="en-US" sz="1200" dirty="0"/>
-          </a:p>
-        </p:txBody>
-      </p:sp>
-      <p:sp>
-        <p:nvSpPr>
-          <p:cNvPr id="4" name="Text 2"/>
-          <p:cNvSpPr/>
-          <p:nvPr/>
-        </p:nvSpPr>
-        <p:spPr>
-          <a:xfrm>
-            <a:off x="609600" y="4373910"/>
-            <a:ext cx="8083296" cy="159990"/>
-          </a:xfrm>
-          <a:prstGeom prst="rect">
-            <a:avLst/>
-          </a:prstGeom>
-          <a:noFill/>
-          <a:ln/>
-        </p:spPr>
-        <p:txBody>
-          <a:bodyPr wrap="square" lIns="0" tIns="0" rIns="0" bIns="0" rtlCol="0" anchor="t"/>
-          <a:lstStyle/>
-          <a:p>
-            <a:pPr marL="0" indent="0">
-              <a:lnSpc>
-                <a:spcPts val="1260"/>
-              </a:lnSpc>
-              <a:buNone/>
-            </a:pPr>
-            <a:r>
-              <a:rPr lang="en-US" sz="900" dirty="0">
-                <a:solidFill>
-                  <a:srgbClr val="94A3B8"/>
-                </a:solidFill>
-                <a:latin typeface="Arial" pitchFamily="34" charset="0"/>
-                <a:ea typeface="Arial" pitchFamily="34" charset="-122"/>
-                <a:cs typeface="Arial" pitchFamily="34" charset="-120"/>
-              </a:rPr>
-              <a:t>Актуальність: COVID-19 (2020-2021), Конфлікт в Україні (2022-2023), енергетичні кризи</a:t>
-            </a:r>
-            <a:endParaRPr lang="en-US" sz="900" dirty="0"/>
-          </a:p>
-        </p:txBody>
-      </p:sp>
-    </p:spTree>
-  </p:cSld>
-  <p:clrMapOvr>
-    <a:masterClrMapping/>
-  </p:clrMapOvr>
-</p:sld>
-</file>
-
-<file path=ppt/slides/slide3.xml><?xml version="1.0" encoding="utf-8"?>
 <p:sld xmlns:a="http://schemas.openxmlformats.org/drawingml/2006/main" xmlns:r="http://schemas.openxmlformats.org/officeDocument/2006/relationships" xmlns:p="http://schemas.openxmlformats.org/presentationml/2006/main">
   <p:cSld name="Slide 2">
     <p:bg>
@@ -16005,7 +16456,7 @@
         </p:nvSpPr>
         <p:spPr>
           <a:xfrm>
-            <a:off x="137886" y="1887395"/>
+            <a:off x="137886" y="1640507"/>
             <a:ext cx="2910114" cy="1576983"/>
           </a:xfrm>
           <a:prstGeom prst="rect">
@@ -16049,43 +16500,55 @@
                 <a:ea typeface="Arial" pitchFamily="34" charset="-122"/>
                 <a:cs typeface="Arial" pitchFamily="34" charset="-120"/>
               </a:rPr>
-              <a:t>⚔️ Конфлікт в Україні: енергетична криза 2022–2023</a:t>
-            </a:r>
-            <a:endParaRPr lang="en-US" sz="1350" dirty="0"/>
-          </a:p>
-          <a:p>
-            <a:pPr marL="342900" indent="-342900">
-              <a:lnSpc>
-                <a:spcPts val="2430"/>
-              </a:lnSpc>
-              <a:buSzPct val="100000"/>
-              <a:buChar char="•"/>
-            </a:pPr>
+              <a:t>⚔️ Конфлікт в Україні: </a:t>
+            </a:r>
+            <a:r>
+              <a:rPr lang="en-US" sz="1350" dirty="0" err="1">
+                <a:latin typeface="Arial" pitchFamily="34" charset="0"/>
+                <a:ea typeface="Arial" pitchFamily="34" charset="-122"/>
+                <a:cs typeface="Arial" pitchFamily="34" charset="-120"/>
+              </a:rPr>
+              <a:t>енергетична</a:t>
+            </a:r>
+            <a:r>
+              <a:rPr lang="uk-UA" sz="1350" dirty="0">
+                <a:latin typeface="Arial" pitchFamily="34" charset="0"/>
+                <a:ea typeface="Arial" pitchFamily="34" charset="-122"/>
+                <a:cs typeface="Arial" pitchFamily="34" charset="-120"/>
+              </a:rPr>
+              <a:t> та економічна</a:t>
+            </a:r>
             <a:r>
               <a:rPr lang="en-US" sz="1350" dirty="0">
                 <a:latin typeface="Arial" pitchFamily="34" charset="0"/>
                 <a:ea typeface="Arial" pitchFamily="34" charset="-122"/>
                 <a:cs typeface="Arial" pitchFamily="34" charset="-120"/>
               </a:rPr>
-              <a:t>❓ Питання: чи e-commerce показує стійкість?</a:t>
-            </a:r>
-            <a:endParaRPr lang="en-US" sz="1350" dirty="0"/>
-          </a:p>
-          <a:p>
-            <a:pPr marL="342900" indent="-342900">
-              <a:lnSpc>
-                <a:spcPts val="2430"/>
-              </a:lnSpc>
-              <a:buSzPct val="100000"/>
-              <a:buChar char="•"/>
-            </a:pPr>
+              <a:t> </a:t>
+            </a:r>
+            <a:r>
+              <a:rPr lang="en-US" sz="1350" dirty="0" err="1">
+                <a:latin typeface="Arial" pitchFamily="34" charset="0"/>
+                <a:ea typeface="Arial" pitchFamily="34" charset="-122"/>
+                <a:cs typeface="Arial" pitchFamily="34" charset="-120"/>
+              </a:rPr>
+              <a:t>криз</a:t>
+            </a:r>
+            <a:r>
+              <a:rPr lang="uk-UA" sz="1350" dirty="0">
+                <a:latin typeface="Arial" pitchFamily="34" charset="0"/>
+                <a:ea typeface="Arial" pitchFamily="34" charset="-122"/>
+                <a:cs typeface="Arial" pitchFamily="34" charset="-120"/>
+              </a:rPr>
+              <a:t>и</a:t>
+            </a:r>
             <a:r>
               <a:rPr lang="en-US" sz="1350" dirty="0">
                 <a:latin typeface="Arial" pitchFamily="34" charset="0"/>
                 <a:ea typeface="Arial" pitchFamily="34" charset="-122"/>
                 <a:cs typeface="Arial" pitchFamily="34" charset="-120"/>
               </a:rPr>
-              <a:t>🌐 Роль цифрової інфраструктури як ключового фактору</a:t>
+              <a:t> 2022–2023</a:t>
             </a:r>
             <a:endParaRPr lang="en-US" sz="1350" dirty="0"/>
           </a:p>
@@ -16121,6 +16584,223 @@
           </a:prstGeom>
         </p:spPr>
       </p:pic>
+      <p:sp>
+        <p:nvSpPr>
+          <p:cNvPr id="6" name="TextBox 5">
+            <a:extLst>
+              <a:ext uri="{FF2B5EF4-FFF2-40B4-BE49-F238E27FC236}">
+                <a16:creationId xmlns:a16="http://schemas.microsoft.com/office/drawing/2014/main" id="{1DDE2727-F850-ADBB-A629-A280194F06F6}"/>
+              </a:ext>
+            </a:extLst>
+          </p:cNvPr>
+          <p:cNvSpPr txBox="1"/>
+          <p:nvPr/>
+        </p:nvSpPr>
+        <p:spPr>
+          <a:xfrm>
+            <a:off x="87085" y="3108776"/>
+            <a:ext cx="2910114" cy="1914370"/>
+          </a:xfrm>
+          <a:prstGeom prst="rect">
+            <a:avLst/>
+          </a:prstGeom>
+          <a:noFill/>
+        </p:spPr>
+        <p:txBody>
+          <a:bodyPr wrap="square">
+            <a:spAutoFit/>
+          </a:bodyPr>
+          <a:lstStyle/>
+          <a:p>
+            <a:pPr marL="342900" indent="-342900">
+              <a:lnSpc>
+                <a:spcPts val="2430"/>
+              </a:lnSpc>
+              <a:buSzPct val="100000"/>
+              <a:buChar char="•"/>
+            </a:pPr>
+            <a:r>
+              <a:rPr lang="en-US" sz="1800" dirty="0">
+                <a:latin typeface="Arial" pitchFamily="34" charset="0"/>
+                <a:ea typeface="Arial" pitchFamily="34" charset="-122"/>
+                <a:cs typeface="Arial" pitchFamily="34" charset="-120"/>
+              </a:rPr>
+              <a:t>❓ </a:t>
+            </a:r>
+            <a:r>
+              <a:rPr lang="en-US" sz="1800" dirty="0" err="1">
+                <a:latin typeface="Arial" pitchFamily="34" charset="0"/>
+                <a:ea typeface="Arial" pitchFamily="34" charset="-122"/>
+                <a:cs typeface="Arial" pitchFamily="34" charset="-120"/>
+              </a:rPr>
+              <a:t>Питання</a:t>
+            </a:r>
+            <a:r>
+              <a:rPr lang="en-US" sz="1800" dirty="0">
+                <a:latin typeface="Arial" pitchFamily="34" charset="0"/>
+                <a:ea typeface="Arial" pitchFamily="34" charset="-122"/>
+                <a:cs typeface="Arial" pitchFamily="34" charset="-120"/>
+              </a:rPr>
+              <a:t>: </a:t>
+            </a:r>
+            <a:r>
+              <a:rPr lang="en-US" sz="1800" dirty="0" err="1">
+                <a:latin typeface="Arial" pitchFamily="34" charset="0"/>
+                <a:ea typeface="Arial" pitchFamily="34" charset="-122"/>
+                <a:cs typeface="Arial" pitchFamily="34" charset="-120"/>
+              </a:rPr>
+              <a:t>чи</a:t>
+            </a:r>
+            <a:r>
+              <a:rPr lang="en-US" sz="1800" dirty="0">
+                <a:latin typeface="Arial" pitchFamily="34" charset="0"/>
+                <a:ea typeface="Arial" pitchFamily="34" charset="-122"/>
+                <a:cs typeface="Arial" pitchFamily="34" charset="-120"/>
+              </a:rPr>
+              <a:t> e-commerce </a:t>
+            </a:r>
+            <a:r>
+              <a:rPr lang="en-US" sz="1800" dirty="0" err="1">
+                <a:latin typeface="Arial" pitchFamily="34" charset="0"/>
+                <a:ea typeface="Arial" pitchFamily="34" charset="-122"/>
+                <a:cs typeface="Arial" pitchFamily="34" charset="-120"/>
+              </a:rPr>
+              <a:t>показує</a:t>
+            </a:r>
+            <a:r>
+              <a:rPr lang="en-US" sz="1800" dirty="0">
+                <a:latin typeface="Arial" pitchFamily="34" charset="0"/>
+                <a:ea typeface="Arial" pitchFamily="34" charset="-122"/>
+                <a:cs typeface="Arial" pitchFamily="34" charset="-120"/>
+              </a:rPr>
+              <a:t> </a:t>
+            </a:r>
+            <a:r>
+              <a:rPr lang="en-US" sz="1800" dirty="0" err="1">
+                <a:latin typeface="Arial" pitchFamily="34" charset="0"/>
+                <a:ea typeface="Arial" pitchFamily="34" charset="-122"/>
+                <a:cs typeface="Arial" pitchFamily="34" charset="-120"/>
+              </a:rPr>
+              <a:t>стійкість</a:t>
+            </a:r>
+            <a:r>
+              <a:rPr lang="en-US" sz="1800" dirty="0">
+                <a:latin typeface="Arial" pitchFamily="34" charset="0"/>
+                <a:ea typeface="Arial" pitchFamily="34" charset="-122"/>
+                <a:cs typeface="Arial" pitchFamily="34" charset="-120"/>
+              </a:rPr>
+              <a:t>?</a:t>
+            </a:r>
+            <a:endParaRPr lang="en-US" sz="1800" dirty="0"/>
+          </a:p>
+          <a:p>
+            <a:pPr marL="342900" indent="-342900">
+              <a:lnSpc>
+                <a:spcPts val="2430"/>
+              </a:lnSpc>
+              <a:buSzPct val="100000"/>
+              <a:buChar char="•"/>
+            </a:pPr>
+            <a:r>
+              <a:rPr lang="en-US" sz="1800" dirty="0">
+                <a:latin typeface="Arial" pitchFamily="34" charset="0"/>
+                <a:ea typeface="Arial" pitchFamily="34" charset="-122"/>
+                <a:cs typeface="Arial" pitchFamily="34" charset="-120"/>
+              </a:rPr>
+              <a:t>🌐 </a:t>
+            </a:r>
+            <a:r>
+              <a:rPr lang="en-US" sz="1800" dirty="0" err="1">
+                <a:latin typeface="Arial" pitchFamily="34" charset="0"/>
+                <a:ea typeface="Arial" pitchFamily="34" charset="-122"/>
+                <a:cs typeface="Arial" pitchFamily="34" charset="-120"/>
+              </a:rPr>
+              <a:t>Роль</a:t>
+            </a:r>
+            <a:r>
+              <a:rPr lang="en-US" sz="1800" dirty="0">
+                <a:latin typeface="Arial" pitchFamily="34" charset="0"/>
+                <a:ea typeface="Arial" pitchFamily="34" charset="-122"/>
+                <a:cs typeface="Arial" pitchFamily="34" charset="-120"/>
+              </a:rPr>
+              <a:t> </a:t>
+            </a:r>
+            <a:r>
+              <a:rPr lang="en-US" sz="1800" dirty="0" err="1">
+                <a:latin typeface="Arial" pitchFamily="34" charset="0"/>
+                <a:ea typeface="Arial" pitchFamily="34" charset="-122"/>
+                <a:cs typeface="Arial" pitchFamily="34" charset="-120"/>
+              </a:rPr>
+              <a:t>цифрової</a:t>
+            </a:r>
+            <a:r>
+              <a:rPr lang="en-US" sz="1800" dirty="0">
+                <a:latin typeface="Arial" pitchFamily="34" charset="0"/>
+                <a:ea typeface="Arial" pitchFamily="34" charset="-122"/>
+                <a:cs typeface="Arial" pitchFamily="34" charset="-120"/>
+              </a:rPr>
+              <a:t> </a:t>
+            </a:r>
+            <a:r>
+              <a:rPr lang="en-US" sz="1800" dirty="0" err="1">
+                <a:latin typeface="Arial" pitchFamily="34" charset="0"/>
+                <a:ea typeface="Arial" pitchFamily="34" charset="-122"/>
+                <a:cs typeface="Arial" pitchFamily="34" charset="-120"/>
+              </a:rPr>
+              <a:t>інфраструктури</a:t>
+            </a:r>
+            <a:r>
+              <a:rPr lang="en-US" sz="1800" dirty="0">
+                <a:latin typeface="Arial" pitchFamily="34" charset="0"/>
+                <a:ea typeface="Arial" pitchFamily="34" charset="-122"/>
+                <a:cs typeface="Arial" pitchFamily="34" charset="-120"/>
+              </a:rPr>
+              <a:t> </a:t>
+            </a:r>
+            <a:r>
+              <a:rPr lang="en-US" sz="1800" dirty="0" err="1">
+                <a:latin typeface="Arial" pitchFamily="34" charset="0"/>
+                <a:ea typeface="Arial" pitchFamily="34" charset="-122"/>
+                <a:cs typeface="Arial" pitchFamily="34" charset="-120"/>
+              </a:rPr>
+              <a:t>як</a:t>
+            </a:r>
+            <a:r>
+              <a:rPr lang="en-US" sz="1800" dirty="0">
+                <a:latin typeface="Arial" pitchFamily="34" charset="0"/>
+                <a:ea typeface="Arial" pitchFamily="34" charset="-122"/>
+                <a:cs typeface="Arial" pitchFamily="34" charset="-120"/>
+              </a:rPr>
+              <a:t> </a:t>
+            </a:r>
+            <a:r>
+              <a:rPr lang="en-US" sz="1800" dirty="0" err="1">
+                <a:latin typeface="Arial" pitchFamily="34" charset="0"/>
+                <a:ea typeface="Arial" pitchFamily="34" charset="-122"/>
+                <a:cs typeface="Arial" pitchFamily="34" charset="-120"/>
+              </a:rPr>
+              <a:t>ключового</a:t>
+            </a:r>
+            <a:r>
+              <a:rPr lang="en-US" sz="1800" dirty="0">
+                <a:latin typeface="Arial" pitchFamily="34" charset="0"/>
+                <a:ea typeface="Arial" pitchFamily="34" charset="-122"/>
+                <a:cs typeface="Arial" pitchFamily="34" charset="-120"/>
+              </a:rPr>
+              <a:t> </a:t>
+            </a:r>
+            <a:r>
+              <a:rPr lang="en-US" sz="1800" dirty="0" err="1">
+                <a:latin typeface="Arial" pitchFamily="34" charset="0"/>
+                <a:ea typeface="Arial" pitchFamily="34" charset="-122"/>
+                <a:cs typeface="Arial" pitchFamily="34" charset="-120"/>
+              </a:rPr>
+              <a:t>фактору</a:t>
+            </a:r>
+            <a:endParaRPr lang="en-US" sz="1800" dirty="0"/>
+          </a:p>
+        </p:txBody>
+      </p:sp>
     </p:spTree>
   </p:cSld>
   <p:clrMapOvr>
@@ -16129,7 +16809,7 @@
 </p:sld>
 </file>
 
-<file path=ppt/slides/slide4.xml><?xml version="1.0" encoding="utf-8"?>
+<file path=ppt/slides/slide3.xml><?xml version="1.0" encoding="utf-8"?>
 <p:sld xmlns:a="http://schemas.openxmlformats.org/drawingml/2006/main" xmlns:r="http://schemas.openxmlformats.org/officeDocument/2006/relationships" xmlns:p="http://schemas.openxmlformats.org/presentationml/2006/main">
   <p:cSld>
     <p:spTree>
@@ -16148,7 +16828,7 @@
       </p:grpSpPr>
       <p:sp>
         <p:nvSpPr>
-          <p:cNvPr id="6" name="Text 4"/>
+          <p:cNvPr id="2" name="Text 0"/>
           <p:cNvSpPr/>
           <p:nvPr/>
         </p:nvSpPr>
@@ -16174,17 +16854,6 @@
               <a:buNone/>
             </a:pPr>
             <a:r>
-              <a:rPr lang="en-US" sz="2700" b="1" dirty="0" err="1">
-                <a:solidFill>
-                  <a:srgbClr val="38BDF8"/>
-                </a:solidFill>
-                <a:latin typeface="Arial" pitchFamily="34" charset="0"/>
-                <a:ea typeface="Arial" pitchFamily="34" charset="-122"/>
-                <a:cs typeface="Arial" pitchFamily="34" charset="-120"/>
-              </a:rPr>
-              <a:t>Ключові</a:t>
-            </a:r>
-            <a:r>
               <a:rPr lang="en-US" sz="2700" b="1" dirty="0">
                 <a:solidFill>
                   <a:srgbClr val="38BDF8"/>
@@ -16193,18 +16862,7 @@
                 <a:ea typeface="Arial" pitchFamily="34" charset="-122"/>
                 <a:cs typeface="Arial" pitchFamily="34" charset="-120"/>
               </a:rPr>
-              <a:t> </a:t>
-            </a:r>
-            <a:r>
-              <a:rPr lang="en-US" sz="2700" b="1" dirty="0" err="1">
-                <a:solidFill>
-                  <a:srgbClr val="38BDF8"/>
-                </a:solidFill>
-                <a:latin typeface="Arial" pitchFamily="34" charset="0"/>
-                <a:ea typeface="Arial" pitchFamily="34" charset="-122"/>
-                <a:cs typeface="Arial" pitchFamily="34" charset="-120"/>
-              </a:rPr>
-              <a:t>індикатори</a:t>
+              <a:t>Дослідницькі питання | Research Questions</a:t>
             </a:r>
             <a:endParaRPr lang="en-US" sz="2700" dirty="0"/>
           </a:p>
@@ -16212,14 +16870,14 @@
       </p:sp>
       <p:sp>
         <p:nvSpPr>
-          <p:cNvPr id="7" name="Text 5"/>
+          <p:cNvPr id="3" name="Text 1"/>
           <p:cNvSpPr/>
           <p:nvPr/>
         </p:nvSpPr>
         <p:spPr>
           <a:xfrm>
-            <a:off x="6322495" y="1789828"/>
-            <a:ext cx="1878076" cy="213271"/>
+            <a:off x="609600" y="2217435"/>
+            <a:ext cx="7620000" cy="1325761"/>
           </a:xfrm>
           <a:prstGeom prst="rect">
             <a:avLst/>
@@ -16231,14 +16889,26 @@
           <a:bodyPr wrap="square" lIns="0" tIns="0" rIns="0" bIns="0" rtlCol="0" anchor="t"/>
           <a:lstStyle/>
           <a:p>
-            <a:pPr marL="0" indent="0" algn="ctr">
+            <a:pPr marL="342900" indent="-342900">
               <a:lnSpc>
-                <a:spcPts val="1680"/>
+                <a:spcPts val="2160"/>
               </a:lnSpc>
-              <a:buNone/>
+              <a:buSzPct val="100000"/>
+              <a:buChar char="•"/>
             </a:pPr>
             <a:r>
-              <a:rPr lang="en-US" sz="2000" b="1" dirty="0">
+              <a:rPr lang="en-US" sz="1200" dirty="0">
+                <a:solidFill>
+                  <a:srgbClr val="CBD5E1"/>
+                </a:solidFill>
+                <a:latin typeface="Arial" pitchFamily="34" charset="0"/>
+                <a:ea typeface="Arial" pitchFamily="34" charset="-122"/>
+                <a:cs typeface="Arial" pitchFamily="34" charset="-120"/>
+              </a:rPr>
+              <a:t>❓ </a:t>
+            </a:r>
+            <a:r>
+              <a:rPr lang="en-US" sz="1200" b="1" dirty="0">
                 <a:solidFill>
                   <a:srgbClr val="38BDF8"/>
                 </a:solidFill>
@@ -16246,93 +16916,122 @@
                 <a:ea typeface="Arial" pitchFamily="34" charset="-122"/>
                 <a:cs typeface="Arial" pitchFamily="34" charset="-120"/>
               </a:rPr>
-              <a:t>ITU ICT Indicators</a:t>
-            </a:r>
-            <a:endParaRPr lang="en-US" sz="2000" dirty="0"/>
-          </a:p>
-        </p:txBody>
-      </p:sp>
-      <p:sp>
-        <p:nvSpPr>
-          <p:cNvPr id="8" name="Text 6"/>
-          <p:cNvSpPr/>
-          <p:nvPr/>
-        </p:nvSpPr>
-        <p:spPr>
-          <a:xfrm>
-            <a:off x="6118534" y="2189804"/>
-            <a:ext cx="2298990" cy="427986"/>
-          </a:xfrm>
-          <a:prstGeom prst="rect">
-            <a:avLst/>
-          </a:prstGeom>
-          <a:noFill/>
-          <a:ln/>
-        </p:spPr>
-        <p:txBody>
-          <a:bodyPr wrap="square" lIns="0" tIns="0" rIns="0" bIns="0" rtlCol="0" anchor="t"/>
-          <a:lstStyle/>
-          <a:p>
-            <a:pPr marL="0" indent="0" algn="ctr">
+              <a:t>RQ1:</a:t>
+            </a:r>
+            <a:r>
+              <a:rPr lang="en-US" sz="1200" dirty="0">
+                <a:solidFill>
+                  <a:srgbClr val="CBD5E1"/>
+                </a:solidFill>
+                <a:latin typeface="Arial" pitchFamily="34" charset="0"/>
+                <a:ea typeface="Arial" pitchFamily="34" charset="-122"/>
+                <a:cs typeface="Arial" pitchFamily="34" charset="-120"/>
+              </a:rPr>
+              <a:t> </a:t>
+            </a:r>
+            <a:r>
+              <a:rPr lang="en-US" sz="1200" dirty="0">
+                <a:latin typeface="Arial" pitchFamily="34" charset="0"/>
+                <a:ea typeface="Arial" pitchFamily="34" charset="-122"/>
+                <a:cs typeface="Arial" pitchFamily="34" charset="-120"/>
+              </a:rPr>
+              <a:t>Чим відрізняються розвинені й розвивальні економіки за динамікою e‑commerce у періоди </a:t>
+            </a:r>
+            <a:r>
+              <a:rPr lang="en-US" sz="1200" dirty="0" err="1">
+                <a:latin typeface="Arial" pitchFamily="34" charset="0"/>
+                <a:ea typeface="Arial" pitchFamily="34" charset="-122"/>
+                <a:cs typeface="Arial" pitchFamily="34" charset="-120"/>
+              </a:rPr>
+              <a:t>шоків</a:t>
+            </a:r>
+            <a:r>
+              <a:rPr lang="en-US" sz="1200" dirty="0">
+                <a:latin typeface="Arial" pitchFamily="34" charset="0"/>
+                <a:ea typeface="Arial" pitchFamily="34" charset="-122"/>
+                <a:cs typeface="Arial" pitchFamily="34" charset="-120"/>
+              </a:rPr>
+              <a:t>?</a:t>
+            </a:r>
+            <a:r>
+              <a:rPr lang="ru-RU" sz="1200" dirty="0">
+                <a:latin typeface="Arial" pitchFamily="34" charset="0"/>
+                <a:ea typeface="Arial" pitchFamily="34" charset="-122"/>
+                <a:cs typeface="Arial" pitchFamily="34" charset="-120"/>
+              </a:rPr>
+              <a:t> </a:t>
+            </a:r>
+            <a:r>
+              <a:rPr lang="ru-RU" sz="1200" dirty="0" err="1">
+                <a:latin typeface="Arial" pitchFamily="34" charset="0"/>
+                <a:ea typeface="Arial" pitchFamily="34" charset="-122"/>
+                <a:cs typeface="Arial" pitchFamily="34" charset="-120"/>
+              </a:rPr>
+              <a:t>Чи</a:t>
+            </a:r>
+            <a:r>
+              <a:rPr lang="ru-RU" sz="1200" dirty="0">
+                <a:latin typeface="Arial" pitchFamily="34" charset="0"/>
+                <a:ea typeface="Arial" pitchFamily="34" charset="-122"/>
+                <a:cs typeface="Arial" pitchFamily="34" charset="-120"/>
+              </a:rPr>
+              <a:t> </a:t>
+            </a:r>
+            <a:r>
+              <a:rPr lang="ru-RU" sz="1200" dirty="0" err="1">
+                <a:latin typeface="Arial" pitchFamily="34" charset="0"/>
+                <a:ea typeface="Arial" pitchFamily="34" charset="-122"/>
+                <a:cs typeface="Arial" pitchFamily="34" charset="-120"/>
+              </a:rPr>
+              <a:t>однаково</a:t>
+            </a:r>
+            <a:r>
+              <a:rPr lang="ru-RU" sz="1200" dirty="0">
+                <a:latin typeface="Arial" pitchFamily="34" charset="0"/>
+                <a:ea typeface="Arial" pitchFamily="34" charset="-122"/>
+                <a:cs typeface="Arial" pitchFamily="34" charset="-120"/>
+              </a:rPr>
+              <a:t> вони </a:t>
+            </a:r>
+            <a:r>
+              <a:rPr lang="ru-RU" sz="1200" dirty="0" err="1">
+                <a:latin typeface="Arial" pitchFamily="34" charset="0"/>
+                <a:ea typeface="Arial" pitchFamily="34" charset="-122"/>
+                <a:cs typeface="Arial" pitchFamily="34" charset="-120"/>
+              </a:rPr>
+              <a:t>реагують</a:t>
+            </a:r>
+            <a:r>
+              <a:rPr lang="ru-RU" sz="1200" dirty="0">
+                <a:latin typeface="Arial" pitchFamily="34" charset="0"/>
+                <a:ea typeface="Arial" pitchFamily="34" charset="-122"/>
+                <a:cs typeface="Arial" pitchFamily="34" charset="-120"/>
+              </a:rPr>
+              <a:t> на шоки? </a:t>
+            </a:r>
+            <a:endParaRPr lang="en-US" sz="1200" dirty="0"/>
+          </a:p>
+          <a:p>
+            <a:pPr marL="342900" indent="-342900">
               <a:lnSpc>
-                <a:spcPts val="1260"/>
+                <a:spcPts val="2160"/>
               </a:lnSpc>
-              <a:buNone/>
+              <a:buSzPct val="100000"/>
+              <a:buChar char="•"/>
             </a:pPr>
             <a:r>
-              <a:rPr lang="en-US" sz="900" dirty="0">
+              <a:rPr lang="en-US" sz="1200" dirty="0">
                 <a:solidFill>
-                  <a:schemeClr val="tx1">
-                    <a:lumMod val="50000"/>
-                    <a:lumOff val="50000"/>
-                  </a:schemeClr>
+                  <a:srgbClr val="CBD5E1"/>
                 </a:solidFill>
                 <a:latin typeface="Arial" pitchFamily="34" charset="0"/>
                 <a:ea typeface="Arial" pitchFamily="34" charset="-122"/>
                 <a:cs typeface="Arial" pitchFamily="34" charset="-120"/>
               </a:rPr>
-              <a:t>Інтернет-користувачі, мобільна та широкосмугова мережа</a:t>
-            </a:r>
-            <a:endParaRPr lang="en-US" sz="900" dirty="0">
-              <a:solidFill>
-                <a:schemeClr val="tx1">
-                  <a:lumMod val="50000"/>
-                  <a:lumOff val="50000"/>
-                </a:schemeClr>
-              </a:solidFill>
-            </a:endParaRPr>
-          </a:p>
-        </p:txBody>
-      </p:sp>
-      <p:sp>
-        <p:nvSpPr>
-          <p:cNvPr id="9" name="Text 7"/>
-          <p:cNvSpPr/>
-          <p:nvPr/>
-        </p:nvSpPr>
-        <p:spPr>
-          <a:xfrm>
-            <a:off x="401429" y="2297162"/>
-            <a:ext cx="2676362" cy="213271"/>
-          </a:xfrm>
-          <a:prstGeom prst="rect">
-            <a:avLst/>
-          </a:prstGeom>
-          <a:noFill/>
-          <a:ln/>
-        </p:spPr>
-        <p:txBody>
-          <a:bodyPr wrap="square" lIns="0" tIns="0" rIns="0" bIns="0" rtlCol="0" anchor="t"/>
-          <a:lstStyle/>
-          <a:p>
-            <a:pPr marL="0" indent="0" algn="ctr">
-              <a:lnSpc>
-                <a:spcPts val="1680"/>
-              </a:lnSpc>
-              <a:buNone/>
-            </a:pPr>
-            <a:r>
-              <a:rPr lang="en-US" sz="2000" b="1" dirty="0">
+              <a:t>❓ </a:t>
+            </a:r>
+            <a:r>
+              <a:rPr lang="en-US" sz="1200" b="1" dirty="0">
                 <a:solidFill>
                   <a:srgbClr val="38BDF8"/>
                 </a:solidFill>
@@ -16340,93 +17039,90 @@
                 <a:ea typeface="Arial" pitchFamily="34" charset="-122"/>
                 <a:cs typeface="Arial" pitchFamily="34" charset="-120"/>
               </a:rPr>
-              <a:t>GED Event Database</a:t>
-            </a:r>
-            <a:endParaRPr lang="en-US" sz="2000" dirty="0"/>
-          </a:p>
-        </p:txBody>
-      </p:sp>
-      <p:sp>
-        <p:nvSpPr>
-          <p:cNvPr id="10" name="Text 8"/>
-          <p:cNvSpPr/>
-          <p:nvPr/>
-        </p:nvSpPr>
-        <p:spPr>
-          <a:xfrm>
-            <a:off x="603867" y="2487885"/>
-            <a:ext cx="2349790" cy="167730"/>
-          </a:xfrm>
-          <a:prstGeom prst="rect">
-            <a:avLst/>
-          </a:prstGeom>
-          <a:noFill/>
-          <a:ln/>
-        </p:spPr>
-        <p:txBody>
-          <a:bodyPr wrap="square" lIns="0" tIns="0" rIns="0" bIns="0" rtlCol="0" anchor="t"/>
-          <a:lstStyle/>
-          <a:p>
-            <a:pPr marL="0" indent="0" algn="ctr">
+              <a:t>RQ2:</a:t>
+            </a:r>
+            <a:r>
+              <a:rPr lang="en-US" sz="1200" dirty="0">
+                <a:solidFill>
+                  <a:srgbClr val="CBD5E1"/>
+                </a:solidFill>
+                <a:latin typeface="Arial" pitchFamily="34" charset="0"/>
+                <a:ea typeface="Arial" pitchFamily="34" charset="-122"/>
+                <a:cs typeface="Arial" pitchFamily="34" charset="-120"/>
+              </a:rPr>
+              <a:t> </a:t>
+            </a:r>
+            <a:r>
+              <a:rPr lang="en-US" sz="1200" dirty="0">
+                <a:latin typeface="Arial" pitchFamily="34" charset="0"/>
+                <a:ea typeface="Arial" pitchFamily="34" charset="-122"/>
+                <a:cs typeface="Arial" pitchFamily="34" charset="-120"/>
+              </a:rPr>
+              <a:t>Які структурні характеристики (цифрова інфраструктура, доходи, фінансова інклюзія, якість регуляції) пов'язані з </a:t>
+            </a:r>
+            <a:r>
+              <a:rPr lang="en-US" sz="1200" dirty="0" err="1">
+                <a:latin typeface="Arial" pitchFamily="34" charset="0"/>
+                <a:ea typeface="Arial" pitchFamily="34" charset="-122"/>
+                <a:cs typeface="Arial" pitchFamily="34" charset="-120"/>
+              </a:rPr>
+              <a:t>більшою</a:t>
+            </a:r>
+            <a:r>
+              <a:rPr lang="en-US" sz="1200" dirty="0">
+                <a:latin typeface="Arial" pitchFamily="34" charset="0"/>
+                <a:ea typeface="Arial" pitchFamily="34" charset="-122"/>
+                <a:cs typeface="Arial" pitchFamily="34" charset="-120"/>
+              </a:rPr>
+              <a:t> </a:t>
+            </a:r>
+            <a:r>
+              <a:rPr lang="en-US" sz="1200" dirty="0" err="1">
+                <a:latin typeface="Arial" pitchFamily="34" charset="0"/>
+                <a:ea typeface="Arial" pitchFamily="34" charset="-122"/>
+                <a:cs typeface="Arial" pitchFamily="34" charset="-120"/>
+              </a:rPr>
+              <a:t>стійкістю</a:t>
+            </a:r>
+            <a:r>
+              <a:rPr lang="uk-UA" sz="1200" dirty="0">
+                <a:latin typeface="Arial" pitchFamily="34" charset="0"/>
+                <a:ea typeface="Arial" pitchFamily="34" charset="-122"/>
+                <a:cs typeface="Arial" pitchFamily="34" charset="-120"/>
+              </a:rPr>
+              <a:t> </a:t>
+            </a:r>
+            <a:r>
+              <a:rPr lang="en-US" sz="1200" dirty="0">
+                <a:latin typeface="Arial" pitchFamily="34" charset="0"/>
+                <a:ea typeface="Arial" pitchFamily="34" charset="-122"/>
+                <a:cs typeface="Arial" pitchFamily="34" charset="-120"/>
+              </a:rPr>
+              <a:t>e-commerce?</a:t>
+            </a:r>
+            <a:endParaRPr lang="en-US" sz="1200" dirty="0"/>
+          </a:p>
+          <a:p>
+            <a:pPr marL="342900" indent="-342900">
               <a:lnSpc>
-                <a:spcPts val="1260"/>
+                <a:spcPts val="2160"/>
               </a:lnSpc>
-              <a:buNone/>
+              <a:buSzPct val="100000"/>
+              <a:buChar char="•"/>
             </a:pPr>
             <a:r>
-              <a:rPr lang="en-US" sz="900" dirty="0">
+              <a:rPr lang="en-US" sz="1200" dirty="0">
                 <a:solidFill>
-                  <a:schemeClr val="tx1">
-                    <a:lumMod val="50000"/>
-                    <a:lumOff val="50000"/>
-                  </a:schemeClr>
+                  <a:srgbClr val="CBD5E1"/>
                 </a:solidFill>
                 <a:latin typeface="Arial" pitchFamily="34" charset="0"/>
                 <a:ea typeface="Arial" pitchFamily="34" charset="-122"/>
                 <a:cs typeface="Arial" pitchFamily="34" charset="-120"/>
               </a:rPr>
-              <a:t>Інтенсивність конфліктів, тривалість, місцезнаходження</a:t>
-            </a:r>
-            <a:endParaRPr lang="en-US" sz="900" dirty="0">
-              <a:solidFill>
-                <a:schemeClr val="tx1">
-                  <a:lumMod val="50000"/>
-                  <a:lumOff val="50000"/>
-                </a:schemeClr>
-              </a:solidFill>
-            </a:endParaRPr>
-          </a:p>
-        </p:txBody>
-      </p:sp>
-      <p:sp>
-        <p:nvSpPr>
-          <p:cNvPr id="11" name="Text 9"/>
-          <p:cNvSpPr/>
-          <p:nvPr/>
-        </p:nvSpPr>
-        <p:spPr>
-          <a:xfrm>
-            <a:off x="3590561" y="3043183"/>
-            <a:ext cx="5463867" cy="213271"/>
-          </a:xfrm>
-          <a:prstGeom prst="rect">
-            <a:avLst/>
-          </a:prstGeom>
-          <a:noFill/>
-          <a:ln/>
-        </p:spPr>
-        <p:txBody>
-          <a:bodyPr wrap="square" lIns="0" tIns="0" rIns="0" bIns="0" rtlCol="0" anchor="t"/>
-          <a:lstStyle/>
-          <a:p>
-            <a:pPr marL="0" indent="0" algn="ctr">
-              <a:lnSpc>
-                <a:spcPts val="1680"/>
-              </a:lnSpc>
-              <a:buNone/>
-            </a:pPr>
-            <a:r>
-              <a:rPr lang="en-US" sz="2000" b="1" dirty="0">
+              <a:t>❓ </a:t>
+            </a:r>
+            <a:r>
+              <a:rPr lang="en-US" sz="1200" b="1" dirty="0">
                 <a:solidFill>
                   <a:srgbClr val="38BDF8"/>
                 </a:solidFill>
@@ -16434,197 +17130,28 @@
                 <a:ea typeface="Arial" pitchFamily="34" charset="-122"/>
                 <a:cs typeface="Arial" pitchFamily="34" charset="-120"/>
               </a:rPr>
-              <a:t>US E-commerce (Domestic &amp; International)</a:t>
-            </a:r>
-            <a:endParaRPr lang="en-US" sz="2000" dirty="0"/>
-          </a:p>
-        </p:txBody>
-      </p:sp>
-      <p:sp>
-        <p:nvSpPr>
-          <p:cNvPr id="12" name="Text 10"/>
-          <p:cNvSpPr/>
-          <p:nvPr/>
-        </p:nvSpPr>
-        <p:spPr>
-          <a:xfrm>
-            <a:off x="5186753" y="3206550"/>
-            <a:ext cx="2487676" cy="236189"/>
-          </a:xfrm>
-          <a:prstGeom prst="rect">
-            <a:avLst/>
-          </a:prstGeom>
-          <a:noFill/>
-          <a:ln/>
-        </p:spPr>
-        <p:txBody>
-          <a:bodyPr wrap="square" lIns="0" tIns="0" rIns="0" bIns="0" rtlCol="0" anchor="t"/>
-          <a:lstStyle/>
-          <a:p>
-            <a:pPr marL="0" indent="0" algn="ctr">
-              <a:lnSpc>
-                <a:spcPts val="1260"/>
-              </a:lnSpc>
-              <a:buNone/>
-            </a:pPr>
-            <a:r>
-              <a:rPr lang="en-US" sz="900" dirty="0">
+              <a:t>RQ3:</a:t>
+            </a:r>
+            <a:r>
+              <a:rPr lang="en-US" sz="1200" dirty="0">
                 <a:solidFill>
-                  <a:schemeClr val="tx1">
-                    <a:lumMod val="50000"/>
-                    <a:lumOff val="50000"/>
-                  </a:schemeClr>
+                  <a:srgbClr val="CBD5E1"/>
                 </a:solidFill>
                 <a:latin typeface="Arial" pitchFamily="34" charset="0"/>
                 <a:ea typeface="Arial" pitchFamily="34" charset="-122"/>
                 <a:cs typeface="Arial" pitchFamily="34" charset="-120"/>
               </a:rPr>
-              <a:t>Обсяги трансакцій, трансграничні потоки</a:t>
-            </a:r>
-            <a:endParaRPr lang="en-US" sz="900" dirty="0">
-              <a:solidFill>
-                <a:schemeClr val="tx1">
-                  <a:lumMod val="50000"/>
-                  <a:lumOff val="50000"/>
-                </a:schemeClr>
-              </a:solidFill>
-            </a:endParaRPr>
-          </a:p>
-        </p:txBody>
-      </p:sp>
-      <p:sp>
-        <p:nvSpPr>
-          <p:cNvPr id="13" name="Text 11"/>
-          <p:cNvSpPr/>
-          <p:nvPr/>
-        </p:nvSpPr>
-        <p:spPr>
-          <a:xfrm>
-            <a:off x="349866" y="3949808"/>
-            <a:ext cx="4222133" cy="213271"/>
-          </a:xfrm>
-          <a:prstGeom prst="rect">
-            <a:avLst/>
-          </a:prstGeom>
-          <a:noFill/>
-          <a:ln/>
-        </p:spPr>
-        <p:txBody>
-          <a:bodyPr wrap="square" lIns="0" tIns="0" rIns="0" bIns="0" rtlCol="0" anchor="t"/>
-          <a:lstStyle/>
-          <a:p>
-            <a:pPr marL="0" indent="0" algn="ctr">
-              <a:lnSpc>
-                <a:spcPts val="1680"/>
-              </a:lnSpc>
-              <a:buNone/>
-            </a:pPr>
-            <a:r>
-              <a:rPr lang="en-US" sz="2000" b="1" dirty="0">
-                <a:solidFill>
-                  <a:srgbClr val="38BDF8"/>
-                </a:solidFill>
-                <a:latin typeface="Arial" pitchFamily="34" charset="0"/>
-                <a:ea typeface="Arial" pitchFamily="34" charset="-122"/>
-                <a:cs typeface="Arial" pitchFamily="34" charset="-120"/>
-              </a:rPr>
-              <a:t>World Bank Income Classification</a:t>
-            </a:r>
-            <a:endParaRPr lang="en-US" sz="2000" dirty="0"/>
-          </a:p>
-        </p:txBody>
-      </p:sp>
-      <p:sp>
-        <p:nvSpPr>
-          <p:cNvPr id="14" name="Text 12"/>
-          <p:cNvSpPr/>
-          <p:nvPr/>
-        </p:nvSpPr>
-        <p:spPr>
-          <a:xfrm>
-            <a:off x="401429" y="4133442"/>
-            <a:ext cx="2676362" cy="159990"/>
-          </a:xfrm>
-          <a:prstGeom prst="rect">
-            <a:avLst/>
-          </a:prstGeom>
-          <a:noFill/>
-          <a:ln/>
-        </p:spPr>
-        <p:txBody>
-          <a:bodyPr wrap="square" lIns="0" tIns="0" rIns="0" bIns="0" rtlCol="0" anchor="t"/>
-          <a:lstStyle/>
-          <a:p>
-            <a:pPr marL="0" indent="0" algn="ctr">
-              <a:lnSpc>
-                <a:spcPts val="1260"/>
-              </a:lnSpc>
-              <a:buNone/>
-            </a:pPr>
-            <a:r>
-              <a:rPr lang="en-US" sz="900" dirty="0">
-                <a:solidFill>
-                  <a:schemeClr val="tx1">
-                    <a:lumMod val="50000"/>
-                    <a:lumOff val="50000"/>
-                  </a:schemeClr>
-                </a:solidFill>
-                <a:latin typeface="Arial" pitchFamily="34" charset="0"/>
-                <a:ea typeface="Arial" pitchFamily="34" charset="-122"/>
-                <a:cs typeface="Arial" pitchFamily="34" charset="-120"/>
-              </a:rPr>
-              <a:t>Класифікація розвитку країн, групи доходів</a:t>
-            </a:r>
-            <a:endParaRPr lang="en-US" sz="900" dirty="0">
-              <a:solidFill>
-                <a:schemeClr val="tx1">
-                  <a:lumMod val="50000"/>
-                  <a:lumOff val="50000"/>
-                </a:schemeClr>
-              </a:solidFill>
-            </a:endParaRPr>
-          </a:p>
-        </p:txBody>
-      </p:sp>
-      <p:sp>
-        <p:nvSpPr>
-          <p:cNvPr id="15" name="Text 13"/>
-          <p:cNvSpPr/>
-          <p:nvPr/>
-        </p:nvSpPr>
-        <p:spPr>
-          <a:xfrm>
-            <a:off x="530352" y="4952555"/>
-            <a:ext cx="8083296" cy="159990"/>
-          </a:xfrm>
-          <a:prstGeom prst="rect">
-            <a:avLst/>
-          </a:prstGeom>
-          <a:noFill/>
-          <a:ln/>
-        </p:spPr>
-        <p:txBody>
-          <a:bodyPr wrap="square" lIns="0" tIns="0" rIns="0" bIns="0" rtlCol="0" anchor="t"/>
-          <a:lstStyle/>
-          <a:p>
-            <a:pPr marL="0" indent="0" algn="ctr">
-              <a:lnSpc>
-                <a:spcPts val="1260"/>
-              </a:lnSpc>
-              <a:buNone/>
-            </a:pPr>
-            <a:r>
-              <a:rPr lang="en-US" sz="900" dirty="0">
-                <a:solidFill>
-                  <a:srgbClr val="94A3B8"/>
-                </a:solidFill>
-                <a:latin typeface="Arial" pitchFamily="34" charset="0"/>
-                <a:ea typeface="Arial" pitchFamily="34" charset="-122"/>
-                <a:cs typeface="Arial" pitchFamily="34" charset="-120"/>
-              </a:rPr>
-              <a:t>Змінні: Залежна (e-commerce growth), Незалежні (internet penetration, development status, conflict intensity)</a:t>
-            </a:r>
-            <a:endParaRPr lang="en-US" sz="900" dirty="0"/>
+              <a:t> </a:t>
+            </a:r>
+            <a:r>
+              <a:rPr lang="en-US" sz="1200" dirty="0">
+                <a:latin typeface="Arial" pitchFamily="34" charset="0"/>
+                <a:ea typeface="Arial" pitchFamily="34" charset="-122"/>
+                <a:cs typeface="Arial" pitchFamily="34" charset="-120"/>
+              </a:rPr>
+              <a:t>Чи відрізняється динаміка e‑commerce у країнах з конфліктами порівняно з мирними країнами?</a:t>
+            </a:r>
+            <a:endParaRPr lang="en-US" sz="1200" dirty="0"/>
           </a:p>
         </p:txBody>
       </p:sp>
@@ -16636,7 +17163,7 @@
 </p:sld>
 </file>
 
-<file path=ppt/slides/slide5.xml><?xml version="1.0" encoding="utf-8"?>
+<file path=ppt/slides/slide4.xml><?xml version="1.0" encoding="utf-8"?>
 <p:sld xmlns:a="http://schemas.openxmlformats.org/drawingml/2006/main" xmlns:r="http://schemas.openxmlformats.org/officeDocument/2006/relationships" xmlns:p="http://schemas.openxmlformats.org/presentationml/2006/main">
   <p:cSld name="Slide 3">
     <p:bg>
@@ -17042,6 +17569,611 @@
 </p:sld>
 </file>
 
+<file path=ppt/slides/slide5.xml><?xml version="1.0" encoding="utf-8"?>
+<p:sld xmlns:a="http://schemas.openxmlformats.org/drawingml/2006/main" xmlns:r="http://schemas.openxmlformats.org/officeDocument/2006/relationships" xmlns:p="http://schemas.openxmlformats.org/presentationml/2006/main">
+  <p:cSld>
+    <p:spTree>
+      <p:nvGrpSpPr>
+        <p:cNvPr id="1" name=""/>
+        <p:cNvGrpSpPr/>
+        <p:nvPr/>
+      </p:nvGrpSpPr>
+      <p:grpSpPr>
+        <a:xfrm>
+          <a:off x="0" y="0"/>
+          <a:ext cx="0" cy="0"/>
+          <a:chOff x="0" y="0"/>
+          <a:chExt cx="0" cy="0"/>
+        </a:xfrm>
+      </p:grpSpPr>
+      <p:sp>
+        <p:nvSpPr>
+          <p:cNvPr id="6" name="Text 4"/>
+          <p:cNvSpPr/>
+          <p:nvPr/>
+        </p:nvSpPr>
+        <p:spPr>
+          <a:xfrm>
+            <a:off x="609600" y="609600"/>
+            <a:ext cx="8083296" cy="411361"/>
+          </a:xfrm>
+          <a:prstGeom prst="rect">
+            <a:avLst/>
+          </a:prstGeom>
+          <a:noFill/>
+          <a:ln/>
+        </p:spPr>
+        <p:txBody>
+          <a:bodyPr wrap="square" lIns="0" tIns="0" rIns="0" bIns="0" rtlCol="0" anchor="t"/>
+          <a:lstStyle/>
+          <a:p>
+            <a:pPr marL="0" indent="0">
+              <a:lnSpc>
+                <a:spcPts val="3240"/>
+              </a:lnSpc>
+              <a:buNone/>
+            </a:pPr>
+            <a:r>
+              <a:rPr lang="en-US" sz="2700" b="1" dirty="0" err="1">
+                <a:solidFill>
+                  <a:srgbClr val="38BDF8"/>
+                </a:solidFill>
+                <a:latin typeface="Arial" pitchFamily="34" charset="0"/>
+                <a:ea typeface="Arial" pitchFamily="34" charset="-122"/>
+                <a:cs typeface="Arial" pitchFamily="34" charset="-120"/>
+              </a:rPr>
+              <a:t>Ключові</a:t>
+            </a:r>
+            <a:r>
+              <a:rPr lang="en-US" sz="2700" b="1" dirty="0">
+                <a:solidFill>
+                  <a:srgbClr val="38BDF8"/>
+                </a:solidFill>
+                <a:latin typeface="Arial" pitchFamily="34" charset="0"/>
+                <a:ea typeface="Arial" pitchFamily="34" charset="-122"/>
+                <a:cs typeface="Arial" pitchFamily="34" charset="-120"/>
+              </a:rPr>
+              <a:t> </a:t>
+            </a:r>
+            <a:r>
+              <a:rPr lang="en-US" sz="2700" b="1" dirty="0" err="1">
+                <a:solidFill>
+                  <a:srgbClr val="38BDF8"/>
+                </a:solidFill>
+                <a:latin typeface="Arial" pitchFamily="34" charset="0"/>
+                <a:ea typeface="Arial" pitchFamily="34" charset="-122"/>
+                <a:cs typeface="Arial" pitchFamily="34" charset="-120"/>
+              </a:rPr>
+              <a:t>індикатори</a:t>
+            </a:r>
+            <a:endParaRPr lang="en-US" sz="2700" dirty="0"/>
+          </a:p>
+        </p:txBody>
+      </p:sp>
+      <p:sp>
+        <p:nvSpPr>
+          <p:cNvPr id="7" name="Text 5"/>
+          <p:cNvSpPr/>
+          <p:nvPr/>
+        </p:nvSpPr>
+        <p:spPr>
+          <a:xfrm>
+            <a:off x="6173725" y="3672303"/>
+            <a:ext cx="1878076" cy="213271"/>
+          </a:xfrm>
+          <a:prstGeom prst="rect">
+            <a:avLst/>
+          </a:prstGeom>
+          <a:noFill/>
+          <a:ln/>
+        </p:spPr>
+        <p:txBody>
+          <a:bodyPr wrap="square" lIns="0" tIns="0" rIns="0" bIns="0" rtlCol="0" anchor="t"/>
+          <a:lstStyle/>
+          <a:p>
+            <a:pPr marL="0" indent="0" algn="ctr">
+              <a:lnSpc>
+                <a:spcPts val="1680"/>
+              </a:lnSpc>
+              <a:buNone/>
+            </a:pPr>
+            <a:r>
+              <a:rPr lang="en-US" sz="2000" b="1" dirty="0">
+                <a:solidFill>
+                  <a:srgbClr val="38BDF8"/>
+                </a:solidFill>
+                <a:latin typeface="Arial" pitchFamily="34" charset="0"/>
+                <a:ea typeface="Arial" pitchFamily="34" charset="-122"/>
+                <a:cs typeface="Arial" pitchFamily="34" charset="-120"/>
+              </a:rPr>
+              <a:t>ITU ICT Indicators</a:t>
+            </a:r>
+            <a:endParaRPr lang="en-US" sz="2000" dirty="0"/>
+          </a:p>
+        </p:txBody>
+      </p:sp>
+      <p:sp>
+        <p:nvSpPr>
+          <p:cNvPr id="8" name="Text 6"/>
+          <p:cNvSpPr/>
+          <p:nvPr/>
+        </p:nvSpPr>
+        <p:spPr>
+          <a:xfrm>
+            <a:off x="5963268" y="4047433"/>
+            <a:ext cx="2298990" cy="427986"/>
+          </a:xfrm>
+          <a:prstGeom prst="rect">
+            <a:avLst/>
+          </a:prstGeom>
+          <a:noFill/>
+          <a:ln/>
+        </p:spPr>
+        <p:txBody>
+          <a:bodyPr wrap="square" lIns="0" tIns="0" rIns="0" bIns="0" rtlCol="0" anchor="t"/>
+          <a:lstStyle/>
+          <a:p>
+            <a:pPr marL="0" indent="0" algn="ctr">
+              <a:lnSpc>
+                <a:spcPts val="1260"/>
+              </a:lnSpc>
+              <a:buNone/>
+            </a:pPr>
+            <a:r>
+              <a:rPr lang="en-US" sz="900" dirty="0" err="1">
+                <a:solidFill>
+                  <a:schemeClr val="tx1">
+                    <a:lumMod val="50000"/>
+                    <a:lumOff val="50000"/>
+                  </a:schemeClr>
+                </a:solidFill>
+                <a:latin typeface="Arial" pitchFamily="34" charset="0"/>
+                <a:ea typeface="Arial" pitchFamily="34" charset="-122"/>
+                <a:cs typeface="Arial" pitchFamily="34" charset="-120"/>
+              </a:rPr>
+              <a:t>Інтернет-користувачі</a:t>
+            </a:r>
+            <a:r>
+              <a:rPr lang="en-US" sz="900" dirty="0">
+                <a:solidFill>
+                  <a:schemeClr val="tx1">
+                    <a:lumMod val="50000"/>
+                    <a:lumOff val="50000"/>
+                  </a:schemeClr>
+                </a:solidFill>
+                <a:latin typeface="Arial" pitchFamily="34" charset="0"/>
+                <a:ea typeface="Arial" pitchFamily="34" charset="-122"/>
+                <a:cs typeface="Arial" pitchFamily="34" charset="-120"/>
+              </a:rPr>
+              <a:t>, мобільна та широкосмугова мережа</a:t>
+            </a:r>
+            <a:endParaRPr lang="en-US" sz="900" dirty="0">
+              <a:solidFill>
+                <a:schemeClr val="tx1">
+                  <a:lumMod val="50000"/>
+                  <a:lumOff val="50000"/>
+                </a:schemeClr>
+              </a:solidFill>
+            </a:endParaRPr>
+          </a:p>
+        </p:txBody>
+      </p:sp>
+      <p:sp>
+        <p:nvSpPr>
+          <p:cNvPr id="9" name="Text 7"/>
+          <p:cNvSpPr/>
+          <p:nvPr/>
+        </p:nvSpPr>
+        <p:spPr>
+          <a:xfrm>
+            <a:off x="530352" y="1777872"/>
+            <a:ext cx="2676362" cy="213271"/>
+          </a:xfrm>
+          <a:prstGeom prst="rect">
+            <a:avLst/>
+          </a:prstGeom>
+          <a:noFill/>
+          <a:ln/>
+        </p:spPr>
+        <p:txBody>
+          <a:bodyPr wrap="square" lIns="0" tIns="0" rIns="0" bIns="0" rtlCol="0" anchor="t"/>
+          <a:lstStyle/>
+          <a:p>
+            <a:pPr marL="0" indent="0" algn="ctr">
+              <a:lnSpc>
+                <a:spcPts val="1680"/>
+              </a:lnSpc>
+              <a:buNone/>
+            </a:pPr>
+            <a:r>
+              <a:rPr lang="en-US" sz="2000" b="1" dirty="0">
+                <a:solidFill>
+                  <a:srgbClr val="38BDF8"/>
+                </a:solidFill>
+                <a:latin typeface="Arial" pitchFamily="34" charset="0"/>
+                <a:ea typeface="Arial" pitchFamily="34" charset="-122"/>
+                <a:cs typeface="Arial" pitchFamily="34" charset="-120"/>
+              </a:rPr>
+              <a:t>GED Event Database</a:t>
+            </a:r>
+            <a:endParaRPr lang="en-US" sz="2000" dirty="0"/>
+          </a:p>
+        </p:txBody>
+      </p:sp>
+      <p:sp>
+        <p:nvSpPr>
+          <p:cNvPr id="10" name="Text 8"/>
+          <p:cNvSpPr/>
+          <p:nvPr/>
+        </p:nvSpPr>
+        <p:spPr>
+          <a:xfrm>
+            <a:off x="693638" y="1974126"/>
+            <a:ext cx="2349790" cy="167730"/>
+          </a:xfrm>
+          <a:prstGeom prst="rect">
+            <a:avLst/>
+          </a:prstGeom>
+          <a:noFill/>
+          <a:ln/>
+        </p:spPr>
+        <p:txBody>
+          <a:bodyPr wrap="square" lIns="0" tIns="0" rIns="0" bIns="0" rtlCol="0" anchor="t"/>
+          <a:lstStyle/>
+          <a:p>
+            <a:pPr marL="0" indent="0" algn="ctr">
+              <a:lnSpc>
+                <a:spcPts val="1260"/>
+              </a:lnSpc>
+              <a:buNone/>
+            </a:pPr>
+            <a:r>
+              <a:rPr lang="en-US" sz="900" dirty="0">
+                <a:solidFill>
+                  <a:schemeClr val="tx1">
+                    <a:lumMod val="50000"/>
+                    <a:lumOff val="50000"/>
+                  </a:schemeClr>
+                </a:solidFill>
+                <a:latin typeface="Arial" pitchFamily="34" charset="0"/>
+                <a:ea typeface="Arial" pitchFamily="34" charset="-122"/>
+                <a:cs typeface="Arial" pitchFamily="34" charset="-120"/>
+              </a:rPr>
+              <a:t>Інтенсивність конфліктів, тривалість, місцезнаходження</a:t>
+            </a:r>
+            <a:endParaRPr lang="en-US" sz="900" dirty="0">
+              <a:solidFill>
+                <a:schemeClr val="tx1">
+                  <a:lumMod val="50000"/>
+                  <a:lumOff val="50000"/>
+                </a:schemeClr>
+              </a:solidFill>
+            </a:endParaRPr>
+          </a:p>
+        </p:txBody>
+      </p:sp>
+      <p:sp>
+        <p:nvSpPr>
+          <p:cNvPr id="11" name="Text 9"/>
+          <p:cNvSpPr/>
+          <p:nvPr/>
+        </p:nvSpPr>
+        <p:spPr>
+          <a:xfrm>
+            <a:off x="0" y="3246777"/>
+            <a:ext cx="5463867" cy="213271"/>
+          </a:xfrm>
+          <a:prstGeom prst="rect">
+            <a:avLst/>
+          </a:prstGeom>
+          <a:noFill/>
+          <a:ln/>
+        </p:spPr>
+        <p:txBody>
+          <a:bodyPr wrap="square" lIns="0" tIns="0" rIns="0" bIns="0" rtlCol="0" anchor="t"/>
+          <a:lstStyle/>
+          <a:p>
+            <a:pPr marL="0" indent="0" algn="ctr">
+              <a:lnSpc>
+                <a:spcPts val="1680"/>
+              </a:lnSpc>
+              <a:buNone/>
+            </a:pPr>
+            <a:r>
+              <a:rPr lang="en-US" sz="2000" b="1" dirty="0">
+                <a:solidFill>
+                  <a:srgbClr val="38BDF8"/>
+                </a:solidFill>
+                <a:latin typeface="Arial" pitchFamily="34" charset="0"/>
+                <a:ea typeface="Arial" pitchFamily="34" charset="-122"/>
+                <a:cs typeface="Arial" pitchFamily="34" charset="-120"/>
+              </a:rPr>
+              <a:t>US E-commerce (Domestic &amp; International)</a:t>
+            </a:r>
+            <a:endParaRPr lang="en-US" sz="2000" dirty="0"/>
+          </a:p>
+        </p:txBody>
+      </p:sp>
+      <p:sp>
+        <p:nvSpPr>
+          <p:cNvPr id="12" name="Text 10"/>
+          <p:cNvSpPr/>
+          <p:nvPr/>
+        </p:nvSpPr>
+        <p:spPr>
+          <a:xfrm>
+            <a:off x="1099385" y="3424300"/>
+            <a:ext cx="2487676" cy="236189"/>
+          </a:xfrm>
+          <a:prstGeom prst="rect">
+            <a:avLst/>
+          </a:prstGeom>
+          <a:noFill/>
+          <a:ln/>
+        </p:spPr>
+        <p:txBody>
+          <a:bodyPr wrap="square" lIns="0" tIns="0" rIns="0" bIns="0" rtlCol="0" anchor="t"/>
+          <a:lstStyle/>
+          <a:p>
+            <a:pPr marL="0" indent="0" algn="ctr">
+              <a:lnSpc>
+                <a:spcPts val="1260"/>
+              </a:lnSpc>
+              <a:buNone/>
+            </a:pPr>
+            <a:r>
+              <a:rPr lang="en-US" sz="900" dirty="0" err="1">
+                <a:solidFill>
+                  <a:schemeClr val="tx1">
+                    <a:lumMod val="50000"/>
+                    <a:lumOff val="50000"/>
+                  </a:schemeClr>
+                </a:solidFill>
+                <a:latin typeface="Arial" pitchFamily="34" charset="0"/>
+                <a:ea typeface="Arial" pitchFamily="34" charset="-122"/>
+                <a:cs typeface="Arial" pitchFamily="34" charset="-120"/>
+              </a:rPr>
+              <a:t>Обсяги</a:t>
+            </a:r>
+            <a:r>
+              <a:rPr lang="en-US" sz="900" dirty="0">
+                <a:solidFill>
+                  <a:schemeClr val="tx1">
+                    <a:lumMod val="50000"/>
+                    <a:lumOff val="50000"/>
+                  </a:schemeClr>
+                </a:solidFill>
+                <a:latin typeface="Arial" pitchFamily="34" charset="0"/>
+                <a:ea typeface="Arial" pitchFamily="34" charset="-122"/>
+                <a:cs typeface="Arial" pitchFamily="34" charset="-120"/>
+              </a:rPr>
+              <a:t> </a:t>
+            </a:r>
+            <a:r>
+              <a:rPr lang="en-US" sz="900" dirty="0" err="1">
+                <a:solidFill>
+                  <a:schemeClr val="tx1">
+                    <a:lumMod val="50000"/>
+                    <a:lumOff val="50000"/>
+                  </a:schemeClr>
+                </a:solidFill>
+                <a:latin typeface="Arial" pitchFamily="34" charset="0"/>
+                <a:ea typeface="Arial" pitchFamily="34" charset="-122"/>
+                <a:cs typeface="Arial" pitchFamily="34" charset="-120"/>
+              </a:rPr>
+              <a:t>трансакцій</a:t>
+            </a:r>
+            <a:r>
+              <a:rPr lang="en-US" sz="900" dirty="0">
+                <a:solidFill>
+                  <a:schemeClr val="tx1">
+                    <a:lumMod val="50000"/>
+                    <a:lumOff val="50000"/>
+                  </a:schemeClr>
+                </a:solidFill>
+                <a:latin typeface="Arial" pitchFamily="34" charset="0"/>
+                <a:ea typeface="Arial" pitchFamily="34" charset="-122"/>
+                <a:cs typeface="Arial" pitchFamily="34" charset="-120"/>
+              </a:rPr>
+              <a:t>, </a:t>
+            </a:r>
+            <a:r>
+              <a:rPr lang="en-US" sz="900" dirty="0" err="1">
+                <a:solidFill>
+                  <a:schemeClr val="tx1">
+                    <a:lumMod val="50000"/>
+                    <a:lumOff val="50000"/>
+                  </a:schemeClr>
+                </a:solidFill>
+                <a:latin typeface="Arial" pitchFamily="34" charset="0"/>
+                <a:ea typeface="Arial" pitchFamily="34" charset="-122"/>
+                <a:cs typeface="Arial" pitchFamily="34" charset="-120"/>
+              </a:rPr>
+              <a:t>трансграничні</a:t>
+            </a:r>
+            <a:r>
+              <a:rPr lang="en-US" sz="900" dirty="0">
+                <a:solidFill>
+                  <a:schemeClr val="tx1">
+                    <a:lumMod val="50000"/>
+                    <a:lumOff val="50000"/>
+                  </a:schemeClr>
+                </a:solidFill>
+                <a:latin typeface="Arial" pitchFamily="34" charset="0"/>
+                <a:ea typeface="Arial" pitchFamily="34" charset="-122"/>
+                <a:cs typeface="Arial" pitchFamily="34" charset="-120"/>
+              </a:rPr>
+              <a:t> </a:t>
+            </a:r>
+            <a:r>
+              <a:rPr lang="en-US" sz="900" dirty="0" err="1">
+                <a:solidFill>
+                  <a:schemeClr val="tx1">
+                    <a:lumMod val="50000"/>
+                    <a:lumOff val="50000"/>
+                  </a:schemeClr>
+                </a:solidFill>
+                <a:latin typeface="Arial" pitchFamily="34" charset="0"/>
+                <a:ea typeface="Arial" pitchFamily="34" charset="-122"/>
+                <a:cs typeface="Arial" pitchFamily="34" charset="-120"/>
+              </a:rPr>
+              <a:t>потоки</a:t>
+            </a:r>
+            <a:endParaRPr lang="en-US" sz="900" dirty="0">
+              <a:solidFill>
+                <a:schemeClr val="tx1">
+                  <a:lumMod val="50000"/>
+                  <a:lumOff val="50000"/>
+                </a:schemeClr>
+              </a:solidFill>
+            </a:endParaRPr>
+          </a:p>
+        </p:txBody>
+      </p:sp>
+      <p:sp>
+        <p:nvSpPr>
+          <p:cNvPr id="13" name="Text 11"/>
+          <p:cNvSpPr/>
+          <p:nvPr/>
+        </p:nvSpPr>
+        <p:spPr>
+          <a:xfrm>
+            <a:off x="4470763" y="2341655"/>
+            <a:ext cx="4222133" cy="213271"/>
+          </a:xfrm>
+          <a:prstGeom prst="rect">
+            <a:avLst/>
+          </a:prstGeom>
+          <a:noFill/>
+          <a:ln/>
+        </p:spPr>
+        <p:txBody>
+          <a:bodyPr wrap="square" lIns="0" tIns="0" rIns="0" bIns="0" rtlCol="0" anchor="t"/>
+          <a:lstStyle/>
+          <a:p>
+            <a:pPr marL="0" indent="0" algn="ctr">
+              <a:lnSpc>
+                <a:spcPts val="1680"/>
+              </a:lnSpc>
+              <a:buNone/>
+            </a:pPr>
+            <a:r>
+              <a:rPr lang="en-US" sz="2000" b="1" dirty="0">
+                <a:solidFill>
+                  <a:srgbClr val="38BDF8"/>
+                </a:solidFill>
+                <a:latin typeface="Arial" pitchFamily="34" charset="0"/>
+                <a:ea typeface="Arial" pitchFamily="34" charset="-122"/>
+                <a:cs typeface="Arial" pitchFamily="34" charset="-120"/>
+              </a:rPr>
+              <a:t>World Bank Income Classification</a:t>
+            </a:r>
+            <a:endParaRPr lang="en-US" sz="2000" dirty="0"/>
+          </a:p>
+        </p:txBody>
+      </p:sp>
+      <p:sp>
+        <p:nvSpPr>
+          <p:cNvPr id="14" name="Text 12"/>
+          <p:cNvSpPr/>
+          <p:nvPr/>
+        </p:nvSpPr>
+        <p:spPr>
+          <a:xfrm>
+            <a:off x="5375439" y="2566063"/>
+            <a:ext cx="2676362" cy="159990"/>
+          </a:xfrm>
+          <a:prstGeom prst="rect">
+            <a:avLst/>
+          </a:prstGeom>
+          <a:noFill/>
+          <a:ln/>
+        </p:spPr>
+        <p:txBody>
+          <a:bodyPr wrap="square" lIns="0" tIns="0" rIns="0" bIns="0" rtlCol="0" anchor="t"/>
+          <a:lstStyle/>
+          <a:p>
+            <a:pPr marL="0" indent="0" algn="ctr">
+              <a:lnSpc>
+                <a:spcPts val="1260"/>
+              </a:lnSpc>
+              <a:buNone/>
+            </a:pPr>
+            <a:r>
+              <a:rPr lang="en-US" sz="900" dirty="0">
+                <a:solidFill>
+                  <a:schemeClr val="tx1">
+                    <a:lumMod val="50000"/>
+                    <a:lumOff val="50000"/>
+                  </a:schemeClr>
+                </a:solidFill>
+                <a:latin typeface="Arial" pitchFamily="34" charset="0"/>
+                <a:ea typeface="Arial" pitchFamily="34" charset="-122"/>
+                <a:cs typeface="Arial" pitchFamily="34" charset="-120"/>
+              </a:rPr>
+              <a:t>Класифікація розвитку країн, групи доходів</a:t>
+            </a:r>
+            <a:endParaRPr lang="en-US" sz="900" dirty="0">
+              <a:solidFill>
+                <a:schemeClr val="tx1">
+                  <a:lumMod val="50000"/>
+                  <a:lumOff val="50000"/>
+                </a:schemeClr>
+              </a:solidFill>
+            </a:endParaRPr>
+          </a:p>
+        </p:txBody>
+      </p:sp>
+      <p:sp>
+        <p:nvSpPr>
+          <p:cNvPr id="15" name="Text 13"/>
+          <p:cNvSpPr/>
+          <p:nvPr/>
+        </p:nvSpPr>
+        <p:spPr>
+          <a:xfrm>
+            <a:off x="530352" y="4952555"/>
+            <a:ext cx="8083296" cy="159990"/>
+          </a:xfrm>
+          <a:prstGeom prst="rect">
+            <a:avLst/>
+          </a:prstGeom>
+          <a:noFill/>
+          <a:ln/>
+        </p:spPr>
+        <p:txBody>
+          <a:bodyPr wrap="square" lIns="0" tIns="0" rIns="0" bIns="0" rtlCol="0" anchor="t"/>
+          <a:lstStyle/>
+          <a:p>
+            <a:pPr marL="0" indent="0" algn="ctr">
+              <a:lnSpc>
+                <a:spcPts val="1260"/>
+              </a:lnSpc>
+              <a:buNone/>
+            </a:pPr>
+            <a:r>
+              <a:rPr lang="en-US" sz="900" dirty="0">
+                <a:solidFill>
+                  <a:srgbClr val="94A3B8"/>
+                </a:solidFill>
+                <a:latin typeface="Arial" pitchFamily="34" charset="0"/>
+                <a:ea typeface="Arial" pitchFamily="34" charset="-122"/>
+                <a:cs typeface="Arial" pitchFamily="34" charset="-120"/>
+              </a:rPr>
+              <a:t>Змінні: Залежна (e-commerce growth), Незалежні (internet penetration, development status, conflict intensity)</a:t>
+            </a:r>
+            <a:endParaRPr lang="en-US" sz="900" dirty="0"/>
+          </a:p>
+        </p:txBody>
+      </p:sp>
+    </p:spTree>
+  </p:cSld>
+  <p:clrMapOvr>
+    <a:masterClrMapping/>
+  </p:clrMapOvr>
+</p:sld>
+</file>
+
 <file path=ppt/slides/slide6.xml><?xml version="1.0" encoding="utf-8"?>
 <p:sld xmlns:a="http://schemas.openxmlformats.org/drawingml/2006/main" xmlns:r="http://schemas.openxmlformats.org/officeDocument/2006/relationships" xmlns:p="http://schemas.openxmlformats.org/presentationml/2006/main">
   <p:cSld name="Slide 4">
@@ -17156,7 +18288,7 @@
         </p:nvSpPr>
         <p:spPr>
           <a:xfrm>
-            <a:off x="609600" y="2578466"/>
+            <a:off x="609600" y="2344396"/>
             <a:ext cx="2031275" cy="533401"/>
           </a:xfrm>
           <a:prstGeom prst="rect">
@@ -17247,7 +18379,7 @@
         </p:nvSpPr>
         <p:spPr>
           <a:xfrm>
-            <a:off x="535577" y="3938636"/>
+            <a:off x="535577" y="3365653"/>
             <a:ext cx="2031274" cy="531171"/>
           </a:xfrm>
           <a:prstGeom prst="rect">
@@ -17403,6 +18535,70 @@
           </a:prstGeom>
         </p:spPr>
       </p:pic>
+      <p:sp>
+        <p:nvSpPr>
+          <p:cNvPr id="4" name="TextBox 3">
+            <a:extLst>
+              <a:ext uri="{FF2B5EF4-FFF2-40B4-BE49-F238E27FC236}">
+                <a16:creationId xmlns:a16="http://schemas.microsoft.com/office/drawing/2014/main" id="{A5A2C9BE-EF70-DB84-68D4-F92FB987929C}"/>
+              </a:ext>
+            </a:extLst>
+          </p:cNvPr>
+          <p:cNvSpPr txBox="1"/>
+          <p:nvPr/>
+        </p:nvSpPr>
+        <p:spPr>
+          <a:xfrm>
+            <a:off x="535577" y="4206546"/>
+            <a:ext cx="2031274" cy="762003"/>
+          </a:xfrm>
+          <a:prstGeom prst="rect">
+            <a:avLst/>
+          </a:prstGeom>
+          <a:noFill/>
+        </p:spPr>
+        <p:txBody>
+          <a:bodyPr wrap="square">
+            <a:spAutoFit/>
+          </a:bodyPr>
+          <a:lstStyle/>
+          <a:p>
+            <a:pPr>
+              <a:lnSpc>
+                <a:spcPts val="1824"/>
+              </a:lnSpc>
+            </a:pPr>
+            <a:r>
+              <a:rPr lang="en-US" sz="1200" dirty="0">
+                <a:solidFill>
+                  <a:srgbClr val="CBD5E1"/>
+                </a:solidFill>
+                <a:latin typeface="Arial" pitchFamily="34" charset="0"/>
+                <a:ea typeface="Arial" pitchFamily="34" charset="-122"/>
+                <a:cs typeface="Arial" pitchFamily="34" charset="-120"/>
+              </a:rPr>
+              <a:t>✅</a:t>
+            </a:r>
+            <a:r>
+              <a:rPr lang="en-US" sz="1200" dirty="0">
+                <a:latin typeface="Arial" pitchFamily="34" charset="0"/>
+                <a:ea typeface="Arial" pitchFamily="34" charset="-122"/>
+                <a:cs typeface="Arial" pitchFamily="34" charset="-120"/>
+              </a:rPr>
+              <a:t> </a:t>
+            </a:r>
+            <a:r>
+              <a:rPr lang="uk-UA" sz="1200" dirty="0">
+                <a:latin typeface="Arial" pitchFamily="34" charset="0"/>
+                <a:ea typeface="Arial" pitchFamily="34" charset="-122"/>
+                <a:cs typeface="Arial" pitchFamily="34" charset="-120"/>
+              </a:rPr>
+              <a:t>Прискорення цифрової трансформації під час криз</a:t>
+            </a:r>
+            <a:endParaRPr lang="en-US" sz="1200" dirty="0"/>
+          </a:p>
+        </p:txBody>
+      </p:sp>
     </p:spTree>
   </p:cSld>
   <p:clrMapOvr>
@@ -17436,36 +18632,6 @@
           <a:chExt cx="0" cy="0"/>
         </a:xfrm>
       </p:grpSpPr>
-      <p:pic>
-        <p:nvPicPr>
-          <p:cNvPr id="13" name="Рисунок 12" descr="Зображення, що містить текст, ряд, схема, Графік&#10;&#10;Вміст на основі ШІ може бути неправильним.">
-            <a:extLst>
-              <a:ext uri="{FF2B5EF4-FFF2-40B4-BE49-F238E27FC236}">
-                <a16:creationId xmlns:a16="http://schemas.microsoft.com/office/drawing/2014/main" id="{7958255C-204E-F388-0FE3-ECF8DC1D785D}"/>
-              </a:ext>
-            </a:extLst>
-          </p:cNvPr>
-          <p:cNvPicPr>
-            <a:picLocks noChangeAspect="1"/>
-          </p:cNvPicPr>
-          <p:nvPr/>
-        </p:nvPicPr>
-        <p:blipFill>
-          <a:blip r:embed="rId3"/>
-          <a:stretch>
-            <a:fillRect/>
-          </a:stretch>
-        </p:blipFill>
-        <p:spPr>
-          <a:xfrm>
-            <a:off x="0" y="1874266"/>
-            <a:ext cx="9144000" cy="3238658"/>
-          </a:xfrm>
-          <a:prstGeom prst="rect">
-            <a:avLst/>
-          </a:prstGeom>
-        </p:spPr>
-      </p:pic>
       <p:sp>
         <p:nvSpPr>
           <p:cNvPr id="4" name="Text 2"/>
@@ -17510,45 +18676,6 @@
       </p:sp>
       <p:sp>
         <p:nvSpPr>
-          <p:cNvPr id="5" name="Text 3"/>
-          <p:cNvSpPr/>
-          <p:nvPr/>
-        </p:nvSpPr>
-        <p:spPr>
-          <a:xfrm>
-            <a:off x="3474164" y="1961296"/>
-            <a:ext cx="2354168" cy="186630"/>
-          </a:xfrm>
-          <a:prstGeom prst="rect">
-            <a:avLst/>
-          </a:prstGeom>
-          <a:noFill/>
-          <a:ln/>
-        </p:spPr>
-        <p:txBody>
-          <a:bodyPr wrap="square" lIns="0" tIns="0" rIns="0" bIns="0" rtlCol="0" anchor="t"/>
-          <a:lstStyle/>
-          <a:p>
-            <a:pPr marL="0" indent="0">
-              <a:lnSpc>
-                <a:spcPts val="1470"/>
-              </a:lnSpc>
-              <a:buNone/>
-            </a:pPr>
-            <a:r>
-              <a:rPr lang="en-US" sz="1050" dirty="0">
-                <a:latin typeface="Arial" pitchFamily="34" charset="0"/>
-                <a:ea typeface="Arial" pitchFamily="34" charset="-122"/>
-                <a:cs typeface="Arial" pitchFamily="34" charset="-120"/>
-              </a:rPr>
-              <a:t>📊 Явна різниця в темпі зростання</a:t>
-            </a:r>
-            <a:endParaRPr lang="en-US" sz="1050" dirty="0"/>
-          </a:p>
-        </p:txBody>
-      </p:sp>
-      <p:sp>
-        <p:nvSpPr>
           <p:cNvPr id="6" name="Text 4"/>
           <p:cNvSpPr/>
           <p:nvPr/>
@@ -17590,48 +18717,6 @@
                 <a:srgbClr val="1C75B3"/>
               </a:solidFill>
             </a:endParaRPr>
-          </a:p>
-        </p:txBody>
-      </p:sp>
-      <p:sp>
-        <p:nvSpPr>
-          <p:cNvPr id="8" name="Text 6"/>
-          <p:cNvSpPr/>
-          <p:nvPr/>
-        </p:nvSpPr>
-        <p:spPr>
-          <a:xfrm>
-            <a:off x="609600" y="2863734"/>
-            <a:ext cx="2150465" cy="159990"/>
-          </a:xfrm>
-          <a:prstGeom prst="rect">
-            <a:avLst/>
-          </a:prstGeom>
-          <a:noFill/>
-          <a:ln/>
-        </p:spPr>
-        <p:txBody>
-          <a:bodyPr wrap="square" lIns="0" tIns="0" rIns="0" bIns="0" rtlCol="0" anchor="t"/>
-          <a:lstStyle/>
-          <a:p>
-            <a:pPr marL="0" indent="0">
-              <a:lnSpc>
-                <a:spcPts val="1260"/>
-              </a:lnSpc>
-              <a:buNone/>
-            </a:pPr>
-            <a:r>
-              <a:rPr lang="en-US" sz="900" dirty="0">
-                <a:solidFill>
-                  <a:srgbClr val="CBD5E1"/>
-                </a:solidFill>
-                <a:latin typeface="Arial" pitchFamily="34" charset="0"/>
-                <a:ea typeface="Arial" pitchFamily="34" charset="-122"/>
-                <a:cs typeface="Arial" pitchFamily="34" charset="-120"/>
-              </a:rPr>
-              <a:t>Усім доступна цифрова інфраструктура</a:t>
-            </a:r>
-            <a:endParaRPr lang="en-US" sz="900" dirty="0"/>
           </a:p>
         </p:txBody>
       </p:sp>
@@ -17743,8 +18828,8 @@
         </p:nvSpPr>
         <p:spPr>
           <a:xfrm>
-            <a:off x="7303008" y="1827946"/>
-            <a:ext cx="1555087" cy="319980"/>
+            <a:off x="7193280" y="1827946"/>
+            <a:ext cx="1664815" cy="319980"/>
           </a:xfrm>
           <a:prstGeom prst="rect">
             <a:avLst/>
@@ -17771,55 +18856,35 @@
                 <a:ea typeface="Arial" pitchFamily="34" charset="-122"/>
                 <a:cs typeface="Arial" pitchFamily="34" charset="-120"/>
               </a:rPr>
-              <a:t>CAGR: 8–10%</a:t>
+              <a:t>CAGR: </a:t>
+            </a:r>
+            <a:r>
+              <a:rPr lang="uk-UA" b="1" dirty="0">
+                <a:solidFill>
+                  <a:srgbClr val="FF7E0C"/>
+                </a:solidFill>
+                <a:latin typeface="Arial" pitchFamily="34" charset="0"/>
+                <a:ea typeface="Arial" pitchFamily="34" charset="-122"/>
+                <a:cs typeface="Arial" pitchFamily="34" charset="-120"/>
+              </a:rPr>
+              <a:t>16-18</a:t>
+            </a:r>
+            <a:r>
+              <a:rPr lang="en-US" sz="1800" b="1" dirty="0">
+                <a:solidFill>
+                  <a:srgbClr val="FF7E0C"/>
+                </a:solidFill>
+                <a:latin typeface="Arial" pitchFamily="34" charset="0"/>
+                <a:ea typeface="Arial" pitchFamily="34" charset="-122"/>
+                <a:cs typeface="Arial" pitchFamily="34" charset="-120"/>
+              </a:rPr>
+              <a:t>%</a:t>
             </a:r>
             <a:endParaRPr lang="en-US" sz="1800" dirty="0">
               <a:solidFill>
                 <a:srgbClr val="FF7E0C"/>
               </a:solidFill>
             </a:endParaRPr>
-          </a:p>
-        </p:txBody>
-      </p:sp>
-      <p:sp>
-        <p:nvSpPr>
-          <p:cNvPr id="11" name="Text 9"/>
-          <p:cNvSpPr/>
-          <p:nvPr/>
-        </p:nvSpPr>
-        <p:spPr>
-          <a:xfrm>
-            <a:off x="6780958" y="2825635"/>
-            <a:ext cx="1555087" cy="159990"/>
-          </a:xfrm>
-          <a:prstGeom prst="rect">
-            <a:avLst/>
-          </a:prstGeom>
-          <a:noFill/>
-          <a:ln/>
-        </p:spPr>
-        <p:txBody>
-          <a:bodyPr wrap="square" lIns="0" tIns="0" rIns="0" bIns="0" rtlCol="0" anchor="t"/>
-          <a:lstStyle/>
-          <a:p>
-            <a:pPr marL="0" indent="0">
-              <a:lnSpc>
-                <a:spcPts val="1260"/>
-              </a:lnSpc>
-              <a:buNone/>
-            </a:pPr>
-            <a:r>
-              <a:rPr lang="en-US" sz="900" dirty="0">
-                <a:solidFill>
-                  <a:srgbClr val="CBD5E1"/>
-                </a:solidFill>
-                <a:latin typeface="Arial" pitchFamily="34" charset="0"/>
-                <a:ea typeface="Arial" pitchFamily="34" charset="-122"/>
-                <a:cs typeface="Arial" pitchFamily="34" charset="-120"/>
-              </a:rPr>
-              <a:t>Обмежена інфраструктура</a:t>
-            </a:r>
-            <a:endParaRPr lang="en-US" sz="900" dirty="0"/>
           </a:p>
         </p:txBody>
       </p:sp>
@@ -17859,7 +18924,29 @@
                 <a:ea typeface="Arial" pitchFamily="34" charset="-122"/>
                 <a:cs typeface="Arial" pitchFamily="34" charset="-120"/>
               </a:rPr>
-              <a:t>CAGR: 14–16%</a:t>
+              <a:t>CAGR: </a:t>
+            </a:r>
+            <a:r>
+              <a:rPr lang="uk-UA" sz="1800" b="1" dirty="0">
+                <a:solidFill>
+                  <a:srgbClr val="1C75B3"/>
+                </a:solidFill>
+                <a:latin typeface="Arial" pitchFamily="34" charset="0"/>
+                <a:ea typeface="Arial" pitchFamily="34" charset="-122"/>
+                <a:cs typeface="Arial" pitchFamily="34" charset="-120"/>
+              </a:rPr>
+              <a:t>8-12</a:t>
+            </a:r>
+            <a:r>
+              <a:rPr lang="en-US" sz="1800" b="1" dirty="0">
+                <a:solidFill>
+                  <a:srgbClr val="1C75B3"/>
+                </a:solidFill>
+                <a:latin typeface="Arial" pitchFamily="34" charset="0"/>
+                <a:ea typeface="Arial" pitchFamily="34" charset="-122"/>
+                <a:cs typeface="Arial" pitchFamily="34" charset="-120"/>
+              </a:rPr>
+              <a:t>%</a:t>
             </a:r>
             <a:endParaRPr lang="en-US" sz="1800" dirty="0">
               <a:solidFill>
@@ -17869,6 +18956,36 @@
           </a:p>
         </p:txBody>
       </p:sp>
+      <p:pic>
+        <p:nvPicPr>
+          <p:cNvPr id="3" name="Рисунок 2" descr="Зображення, що містить ряд, Графік, схема, текст&#10;&#10;Вміст на основі ШІ може бути неправильним.">
+            <a:extLst>
+              <a:ext uri="{FF2B5EF4-FFF2-40B4-BE49-F238E27FC236}">
+                <a16:creationId xmlns:a16="http://schemas.microsoft.com/office/drawing/2014/main" id="{C3F30DA5-F98B-3664-26F2-B6495DA583D3}"/>
+              </a:ext>
+            </a:extLst>
+          </p:cNvPr>
+          <p:cNvPicPr>
+            <a:picLocks noChangeAspect="1"/>
+          </p:cNvPicPr>
+          <p:nvPr/>
+        </p:nvPicPr>
+        <p:blipFill>
+          <a:blip r:embed="rId3"/>
+          <a:stretch>
+            <a:fillRect/>
+          </a:stretch>
+        </p:blipFill>
+        <p:spPr>
+          <a:xfrm>
+            <a:off x="0" y="2292520"/>
+            <a:ext cx="9144000" cy="2819910"/>
+          </a:xfrm>
+          <a:prstGeom prst="rect">
+            <a:avLst/>
+          </a:prstGeom>
+        </p:spPr>
+      </p:pic>
     </p:spTree>
   </p:cSld>
   <p:clrMapOvr>
@@ -17902,12 +19019,262 @@
           <a:chExt cx="0" cy="0"/>
         </a:xfrm>
       </p:grpSpPr>
+      <p:sp>
+        <p:nvSpPr>
+          <p:cNvPr id="2" name="Text 0"/>
+          <p:cNvSpPr/>
+          <p:nvPr/>
+        </p:nvSpPr>
+        <p:spPr>
+          <a:xfrm>
+            <a:off x="609600" y="609600"/>
+            <a:ext cx="8083296" cy="411361"/>
+          </a:xfrm>
+          <a:prstGeom prst="rect">
+            <a:avLst/>
+          </a:prstGeom>
+          <a:noFill/>
+          <a:ln/>
+        </p:spPr>
+        <p:txBody>
+          <a:bodyPr wrap="square" lIns="0" tIns="0" rIns="0" bIns="0" rtlCol="0" anchor="t"/>
+          <a:lstStyle/>
+          <a:p>
+            <a:pPr marL="0" indent="0">
+              <a:lnSpc>
+                <a:spcPts val="3240"/>
+              </a:lnSpc>
+              <a:buNone/>
+            </a:pPr>
+            <a:r>
+              <a:rPr lang="en-US" sz="2700" b="1" dirty="0">
+                <a:solidFill>
+                  <a:srgbClr val="38BDF8"/>
+                </a:solidFill>
+                <a:latin typeface="Arial" pitchFamily="34" charset="0"/>
+                <a:ea typeface="Arial" pitchFamily="34" charset="-122"/>
+                <a:cs typeface="Arial" pitchFamily="34" charset="-120"/>
+              </a:rPr>
+              <a:t>Інтернет-проникнення: ключовий фактор</a:t>
+            </a:r>
+            <a:endParaRPr lang="en-US" sz="2700" dirty="0"/>
+          </a:p>
+        </p:txBody>
+      </p:sp>
+      <p:sp>
+        <p:nvSpPr>
+          <p:cNvPr id="3" name="Text 1"/>
+          <p:cNvSpPr/>
+          <p:nvPr/>
+        </p:nvSpPr>
+        <p:spPr>
+          <a:xfrm>
+            <a:off x="1476772" y="2117877"/>
+            <a:ext cx="2457994" cy="186630"/>
+          </a:xfrm>
+          <a:prstGeom prst="rect">
+            <a:avLst/>
+          </a:prstGeom>
+          <a:noFill/>
+          <a:ln/>
+        </p:spPr>
+        <p:txBody>
+          <a:bodyPr wrap="square" lIns="0" tIns="0" rIns="0" bIns="0" rtlCol="0" anchor="t"/>
+          <a:lstStyle/>
+          <a:p>
+            <a:pPr marL="0" indent="0">
+              <a:lnSpc>
+                <a:spcPts val="1470"/>
+              </a:lnSpc>
+              <a:buNone/>
+            </a:pPr>
+            <a:r>
+              <a:rPr lang="en-US" sz="1050" dirty="0">
+                <a:solidFill>
+                  <a:schemeClr val="tx1">
+                    <a:lumMod val="50000"/>
+                    <a:lumOff val="50000"/>
+                  </a:schemeClr>
+                </a:solidFill>
+                <a:latin typeface="Arial" pitchFamily="34" charset="0"/>
+                <a:ea typeface="Arial" pitchFamily="34" charset="-122"/>
+                <a:cs typeface="Arial" pitchFamily="34" charset="-120"/>
+              </a:rPr>
+              <a:t>🌐 Кореляція інтернету та e-commerce</a:t>
+            </a:r>
+            <a:endParaRPr lang="en-US" sz="1050" dirty="0">
+              <a:solidFill>
+                <a:schemeClr val="tx1">
+                  <a:lumMod val="50000"/>
+                  <a:lumOff val="50000"/>
+                </a:schemeClr>
+              </a:solidFill>
+            </a:endParaRPr>
+          </a:p>
+        </p:txBody>
+      </p:sp>
+      <p:sp>
+        <p:nvSpPr>
+          <p:cNvPr id="4" name="Text 2"/>
+          <p:cNvSpPr/>
+          <p:nvPr/>
+        </p:nvSpPr>
+        <p:spPr>
+          <a:xfrm>
+            <a:off x="1363794" y="1678481"/>
+            <a:ext cx="2683950" cy="533400"/>
+          </a:xfrm>
+          <a:prstGeom prst="rect">
+            <a:avLst/>
+          </a:prstGeom>
+          <a:noFill/>
+          <a:ln/>
+        </p:spPr>
+        <p:txBody>
+          <a:bodyPr wrap="square" lIns="0" tIns="0" rIns="0" bIns="0" rtlCol="0" anchor="t"/>
+          <a:lstStyle/>
+          <a:p>
+            <a:pPr marL="0" indent="0" algn="ctr">
+              <a:lnSpc>
+                <a:spcPts val="4200"/>
+              </a:lnSpc>
+              <a:buNone/>
+            </a:pPr>
+            <a:r>
+              <a:rPr lang="en-US" sz="3000" b="1" dirty="0">
+                <a:solidFill>
+                  <a:srgbClr val="38BDF8"/>
+                </a:solidFill>
+                <a:latin typeface="Arial" pitchFamily="34" charset="0"/>
+                <a:ea typeface="Arial" pitchFamily="34" charset="-122"/>
+                <a:cs typeface="Arial" pitchFamily="34" charset="-120"/>
+              </a:rPr>
+              <a:t>r = 0.74</a:t>
+            </a:r>
+            <a:endParaRPr lang="en-US" sz="3000" dirty="0"/>
+          </a:p>
+        </p:txBody>
+      </p:sp>
+      <p:sp>
+        <p:nvSpPr>
+          <p:cNvPr id="5" name="Text 3"/>
+          <p:cNvSpPr/>
+          <p:nvPr/>
+        </p:nvSpPr>
+        <p:spPr>
+          <a:xfrm>
+            <a:off x="4956047" y="3275020"/>
+            <a:ext cx="4839321" cy="266700"/>
+          </a:xfrm>
+          <a:prstGeom prst="rect">
+            <a:avLst/>
+          </a:prstGeom>
+          <a:noFill/>
+          <a:ln/>
+        </p:spPr>
+        <p:txBody>
+          <a:bodyPr wrap="square" lIns="0" tIns="0" rIns="0" bIns="0" rtlCol="0" anchor="t"/>
+          <a:lstStyle/>
+          <a:p>
+            <a:pPr marL="0" indent="0" algn="ctr">
+              <a:lnSpc>
+                <a:spcPts val="2100"/>
+              </a:lnSpc>
+              <a:buNone/>
+            </a:pPr>
+            <a:r>
+              <a:rPr lang="en-US" sz="1500" dirty="0">
+                <a:latin typeface="Arial" pitchFamily="34" charset="0"/>
+                <a:ea typeface="Arial" pitchFamily="34" charset="-122"/>
+                <a:cs typeface="Arial" pitchFamily="34" charset="-120"/>
+              </a:rPr>
+              <a:t>Сильна позитивна кореляція</a:t>
+            </a:r>
+            <a:endParaRPr lang="en-US" sz="1500" dirty="0"/>
+          </a:p>
+        </p:txBody>
+      </p:sp>
+      <p:sp>
+        <p:nvSpPr>
+          <p:cNvPr id="6" name="Text 4"/>
+          <p:cNvSpPr/>
+          <p:nvPr/>
+        </p:nvSpPr>
+        <p:spPr>
+          <a:xfrm>
+            <a:off x="5358600" y="3530843"/>
+            <a:ext cx="4034214" cy="373261"/>
+          </a:xfrm>
+          <a:prstGeom prst="rect">
+            <a:avLst/>
+          </a:prstGeom>
+          <a:noFill/>
+          <a:ln/>
+        </p:spPr>
+        <p:txBody>
+          <a:bodyPr wrap="square" lIns="0" tIns="0" rIns="0" bIns="0" rtlCol="0" anchor="t"/>
+          <a:lstStyle/>
+          <a:p>
+            <a:pPr marL="0" indent="0" algn="ctr">
+              <a:lnSpc>
+                <a:spcPts val="1470"/>
+              </a:lnSpc>
+              <a:buNone/>
+            </a:pPr>
+            <a:r>
+              <a:rPr lang="en-US" sz="1050" dirty="0">
+                <a:latin typeface="Arial" pitchFamily="34" charset="0"/>
+                <a:ea typeface="Arial" pitchFamily="34" charset="-122"/>
+                <a:cs typeface="Arial" pitchFamily="34" charset="-120"/>
+              </a:rPr>
+              <a:t>Країни з &gt;85% </a:t>
+            </a:r>
+            <a:r>
+              <a:rPr lang="en-US" sz="1050" dirty="0" err="1">
+                <a:latin typeface="Arial" pitchFamily="34" charset="0"/>
+                <a:ea typeface="Arial" pitchFamily="34" charset="-122"/>
+                <a:cs typeface="Arial" pitchFamily="34" charset="-120"/>
+              </a:rPr>
+              <a:t>інтернет-користувачів</a:t>
+            </a:r>
+            <a:r>
+              <a:rPr lang="en-US" sz="1050" dirty="0">
+                <a:latin typeface="Arial" pitchFamily="34" charset="0"/>
+                <a:ea typeface="Arial" pitchFamily="34" charset="-122"/>
+                <a:cs typeface="Arial" pitchFamily="34" charset="-120"/>
+              </a:rPr>
+              <a:t>:</a:t>
+            </a:r>
+            <a:endParaRPr lang="en-US" sz="1050" dirty="0"/>
+          </a:p>
+          <a:p>
+            <a:pPr marL="0" indent="0" algn="ctr">
+              <a:lnSpc>
+                <a:spcPts val="1470"/>
+              </a:lnSpc>
+              <a:buNone/>
+            </a:pPr>
+            <a:r>
+              <a:rPr lang="en-US" sz="1050" b="1" dirty="0">
+                <a:solidFill>
+                  <a:srgbClr val="38BDF8"/>
+                </a:solidFill>
+                <a:latin typeface="Arial" pitchFamily="34" charset="0"/>
+                <a:ea typeface="Arial" pitchFamily="34" charset="-122"/>
+                <a:cs typeface="Arial" pitchFamily="34" charset="-120"/>
+              </a:rPr>
+              <a:t>+40% більший обсяг e-commerce</a:t>
+            </a:r>
+            <a:endParaRPr lang="en-US" sz="1050" dirty="0"/>
+          </a:p>
+        </p:txBody>
+      </p:sp>
       <p:pic>
         <p:nvPicPr>
-          <p:cNvPr id="8" name="Рисунок 7" descr="Зображення, що містить текст, знімок екрана, Графік, Шрифт&#10;&#10;Вміст на основі ШІ може бути неправильним.">
+          <p:cNvPr id="9" name="Рисунок 8" descr="Зображення, що містить текст, знімок екрана, Шрифт, Графік&#10;&#10;Вміст на основі ШІ може бути неправильним.">
             <a:extLst>
               <a:ext uri="{FF2B5EF4-FFF2-40B4-BE49-F238E27FC236}">
-                <a16:creationId xmlns:a16="http://schemas.microsoft.com/office/drawing/2014/main" id="{0CDBF693-6E09-40DC-4ACA-8EB885B17948}"/>
+                <a16:creationId xmlns:a16="http://schemas.microsoft.com/office/drawing/2014/main" id="{E0C69AA5-98AE-82C5-8FCF-034EC4A83A6F}"/>
               </a:ext>
             </a:extLst>
           </p:cNvPr>
@@ -17924,264 +19291,14 @@
         </p:blipFill>
         <p:spPr>
           <a:xfrm>
-            <a:off x="0" y="2524741"/>
-            <a:ext cx="7177169" cy="2517537"/>
+            <a:off x="146305" y="2398512"/>
+            <a:ext cx="5827775" cy="2744988"/>
           </a:xfrm>
           <a:prstGeom prst="rect">
             <a:avLst/>
           </a:prstGeom>
         </p:spPr>
       </p:pic>
-      <p:sp>
-        <p:nvSpPr>
-          <p:cNvPr id="2" name="Text 0"/>
-          <p:cNvSpPr/>
-          <p:nvPr/>
-        </p:nvSpPr>
-        <p:spPr>
-          <a:xfrm>
-            <a:off x="609600" y="609600"/>
-            <a:ext cx="8083296" cy="411361"/>
-          </a:xfrm>
-          <a:prstGeom prst="rect">
-            <a:avLst/>
-          </a:prstGeom>
-          <a:noFill/>
-          <a:ln/>
-        </p:spPr>
-        <p:txBody>
-          <a:bodyPr wrap="square" lIns="0" tIns="0" rIns="0" bIns="0" rtlCol="0" anchor="t"/>
-          <a:lstStyle/>
-          <a:p>
-            <a:pPr marL="0" indent="0">
-              <a:lnSpc>
-                <a:spcPts val="3240"/>
-              </a:lnSpc>
-              <a:buNone/>
-            </a:pPr>
-            <a:r>
-              <a:rPr lang="en-US" sz="2700" b="1" dirty="0">
-                <a:solidFill>
-                  <a:srgbClr val="38BDF8"/>
-                </a:solidFill>
-                <a:latin typeface="Arial" pitchFamily="34" charset="0"/>
-                <a:ea typeface="Arial" pitchFamily="34" charset="-122"/>
-                <a:cs typeface="Arial" pitchFamily="34" charset="-120"/>
-              </a:rPr>
-              <a:t>Інтернет-проникнення: ключовий фактор</a:t>
-            </a:r>
-            <a:endParaRPr lang="en-US" sz="2700" dirty="0"/>
-          </a:p>
-        </p:txBody>
-      </p:sp>
-      <p:sp>
-        <p:nvSpPr>
-          <p:cNvPr id="3" name="Text 1"/>
-          <p:cNvSpPr/>
-          <p:nvPr/>
-        </p:nvSpPr>
-        <p:spPr>
-          <a:xfrm>
-            <a:off x="1476772" y="2117877"/>
-            <a:ext cx="2457994" cy="186630"/>
-          </a:xfrm>
-          <a:prstGeom prst="rect">
-            <a:avLst/>
-          </a:prstGeom>
-          <a:noFill/>
-          <a:ln/>
-        </p:spPr>
-        <p:txBody>
-          <a:bodyPr wrap="square" lIns="0" tIns="0" rIns="0" bIns="0" rtlCol="0" anchor="t"/>
-          <a:lstStyle/>
-          <a:p>
-            <a:pPr marL="0" indent="0">
-              <a:lnSpc>
-                <a:spcPts val="1470"/>
-              </a:lnSpc>
-              <a:buNone/>
-            </a:pPr>
-            <a:r>
-              <a:rPr lang="en-US" sz="1050" dirty="0">
-                <a:solidFill>
-                  <a:schemeClr val="tx1">
-                    <a:lumMod val="50000"/>
-                    <a:lumOff val="50000"/>
-                  </a:schemeClr>
-                </a:solidFill>
-                <a:latin typeface="Arial" pitchFamily="34" charset="0"/>
-                <a:ea typeface="Arial" pitchFamily="34" charset="-122"/>
-                <a:cs typeface="Arial" pitchFamily="34" charset="-120"/>
-              </a:rPr>
-              <a:t>🌐 Кореляція інтернету та e-commerce</a:t>
-            </a:r>
-            <a:endParaRPr lang="en-US" sz="1050" dirty="0">
-              <a:solidFill>
-                <a:schemeClr val="tx1">
-                  <a:lumMod val="50000"/>
-                  <a:lumOff val="50000"/>
-                </a:schemeClr>
-              </a:solidFill>
-            </a:endParaRPr>
-          </a:p>
-        </p:txBody>
-      </p:sp>
-      <p:sp>
-        <p:nvSpPr>
-          <p:cNvPr id="4" name="Text 2"/>
-          <p:cNvSpPr/>
-          <p:nvPr/>
-        </p:nvSpPr>
-        <p:spPr>
-          <a:xfrm>
-            <a:off x="1363794" y="1678481"/>
-            <a:ext cx="2683950" cy="533400"/>
-          </a:xfrm>
-          <a:prstGeom prst="rect">
-            <a:avLst/>
-          </a:prstGeom>
-          <a:noFill/>
-          <a:ln/>
-        </p:spPr>
-        <p:txBody>
-          <a:bodyPr wrap="square" lIns="0" tIns="0" rIns="0" bIns="0" rtlCol="0" anchor="t"/>
-          <a:lstStyle/>
-          <a:p>
-            <a:pPr marL="0" indent="0" algn="ctr">
-              <a:lnSpc>
-                <a:spcPts val="4200"/>
-              </a:lnSpc>
-              <a:buNone/>
-            </a:pPr>
-            <a:r>
-              <a:rPr lang="en-US" sz="3000" b="1" dirty="0">
-                <a:solidFill>
-                  <a:srgbClr val="38BDF8"/>
-                </a:solidFill>
-                <a:latin typeface="Arial" pitchFamily="34" charset="0"/>
-                <a:ea typeface="Arial" pitchFamily="34" charset="-122"/>
-                <a:cs typeface="Arial" pitchFamily="34" charset="-120"/>
-              </a:rPr>
-              <a:t>r = 0.74</a:t>
-            </a:r>
-            <a:endParaRPr lang="en-US" sz="3000" dirty="0"/>
-          </a:p>
-        </p:txBody>
-      </p:sp>
-      <p:sp>
-        <p:nvSpPr>
-          <p:cNvPr id="5" name="Text 3"/>
-          <p:cNvSpPr/>
-          <p:nvPr/>
-        </p:nvSpPr>
-        <p:spPr>
-          <a:xfrm>
-            <a:off x="4480559" y="1763285"/>
-            <a:ext cx="4839321" cy="266700"/>
-          </a:xfrm>
-          <a:prstGeom prst="rect">
-            <a:avLst/>
-          </a:prstGeom>
-          <a:noFill/>
-          <a:ln/>
-        </p:spPr>
-        <p:txBody>
-          <a:bodyPr wrap="square" lIns="0" tIns="0" rIns="0" bIns="0" rtlCol="0" anchor="t"/>
-          <a:lstStyle/>
-          <a:p>
-            <a:pPr marL="0" indent="0" algn="ctr">
-              <a:lnSpc>
-                <a:spcPts val="2100"/>
-              </a:lnSpc>
-              <a:buNone/>
-            </a:pPr>
-            <a:r>
-              <a:rPr lang="en-US" sz="1500" dirty="0">
-                <a:latin typeface="Arial" pitchFamily="34" charset="0"/>
-                <a:ea typeface="Arial" pitchFamily="34" charset="-122"/>
-                <a:cs typeface="Arial" pitchFamily="34" charset="-120"/>
-              </a:rPr>
-              <a:t>Сильна позитивна кореляція</a:t>
-            </a:r>
-            <a:endParaRPr lang="en-US" sz="1500" dirty="0"/>
-          </a:p>
-        </p:txBody>
-      </p:sp>
-      <p:sp>
-        <p:nvSpPr>
-          <p:cNvPr id="6" name="Text 4"/>
-          <p:cNvSpPr/>
-          <p:nvPr/>
-        </p:nvSpPr>
-        <p:spPr>
-          <a:xfrm>
-            <a:off x="4852851" y="2025251"/>
-            <a:ext cx="4034214" cy="373261"/>
-          </a:xfrm>
-          <a:prstGeom prst="rect">
-            <a:avLst/>
-          </a:prstGeom>
-          <a:noFill/>
-          <a:ln/>
-        </p:spPr>
-        <p:txBody>
-          <a:bodyPr wrap="square" lIns="0" tIns="0" rIns="0" bIns="0" rtlCol="0" anchor="t"/>
-          <a:lstStyle/>
-          <a:p>
-            <a:pPr marL="0" indent="0" algn="ctr">
-              <a:lnSpc>
-                <a:spcPts val="1470"/>
-              </a:lnSpc>
-              <a:buNone/>
-            </a:pPr>
-            <a:r>
-              <a:rPr lang="en-US" sz="1050" dirty="0">
-                <a:latin typeface="Arial" pitchFamily="34" charset="0"/>
-                <a:ea typeface="Arial" pitchFamily="34" charset="-122"/>
-                <a:cs typeface="Arial" pitchFamily="34" charset="-120"/>
-              </a:rPr>
-              <a:t>Країни з &gt;85% </a:t>
-            </a:r>
-            <a:r>
-              <a:rPr lang="en-US" sz="1050" dirty="0" err="1">
-                <a:latin typeface="Arial" pitchFamily="34" charset="0"/>
-                <a:ea typeface="Arial" pitchFamily="34" charset="-122"/>
-                <a:cs typeface="Arial" pitchFamily="34" charset="-120"/>
-              </a:rPr>
-              <a:t>інтернет-користувачів</a:t>
-            </a:r>
-            <a:r>
-              <a:rPr lang="en-US" sz="1050" dirty="0">
-                <a:latin typeface="Arial" pitchFamily="34" charset="0"/>
-                <a:ea typeface="Arial" pitchFamily="34" charset="-122"/>
-                <a:cs typeface="Arial" pitchFamily="34" charset="-120"/>
-              </a:rPr>
-              <a:t>:</a:t>
-            </a:r>
-            <a:endParaRPr lang="en-US" sz="1050" dirty="0"/>
-          </a:p>
-          <a:p>
-            <a:pPr marL="0" indent="0" algn="ctr">
-              <a:lnSpc>
-                <a:spcPts val="1470"/>
-              </a:lnSpc>
-              <a:buNone/>
-            </a:pPr>
-            <a:r>
-              <a:rPr lang="en-US" sz="1050" b="1" dirty="0">
-                <a:solidFill>
-                  <a:srgbClr val="38BDF8"/>
-                </a:solidFill>
-                <a:latin typeface="Arial" pitchFamily="34" charset="0"/>
-                <a:ea typeface="Arial" pitchFamily="34" charset="-122"/>
-                <a:cs typeface="Arial" pitchFamily="34" charset="-120"/>
-              </a:rPr>
-              <a:t>+40% більший обсяг e-commerce</a:t>
-            </a:r>
-            <a:endParaRPr lang="en-US" sz="1050" dirty="0"/>
-          </a:p>
-        </p:txBody>
-      </p:sp>
     </p:spTree>
   </p:cSld>
   <p:clrMapOvr>
@@ -18357,7 +19474,29 @@
                 <a:ea typeface="Arial" pitchFamily="34" charset="-122"/>
                 <a:cs typeface="Arial" pitchFamily="34" charset="-120"/>
               </a:rPr>
-              <a:t>+12%</a:t>
+              <a:t>+1</a:t>
+            </a:r>
+            <a:r>
+              <a:rPr lang="uk-UA" sz="3000" b="1" dirty="0">
+                <a:solidFill>
+                  <a:srgbClr val="38BDF8"/>
+                </a:solidFill>
+                <a:latin typeface="Arial" pitchFamily="34" charset="0"/>
+                <a:ea typeface="Arial" pitchFamily="34" charset="-122"/>
+                <a:cs typeface="Arial" pitchFamily="34" charset="-120"/>
+              </a:rPr>
+              <a:t>8</a:t>
+            </a:r>
+            <a:r>
+              <a:rPr lang="en-US" sz="3000" b="1" dirty="0">
+                <a:solidFill>
+                  <a:srgbClr val="38BDF8"/>
+                </a:solidFill>
+                <a:latin typeface="Arial" pitchFamily="34" charset="0"/>
+                <a:ea typeface="Arial" pitchFamily="34" charset="-122"/>
+                <a:cs typeface="Arial" pitchFamily="34" charset="-120"/>
+              </a:rPr>
+              <a:t>%</a:t>
             </a:r>
             <a:endParaRPr lang="en-US" sz="3000" dirty="0"/>
           </a:p>
@@ -18438,7 +19577,29 @@
                 <a:ea typeface="Arial" pitchFamily="34" charset="-122"/>
                 <a:cs typeface="Arial" pitchFamily="34" charset="-120"/>
               </a:rPr>
-              <a:t>+18%</a:t>
+              <a:t>+1</a:t>
+            </a:r>
+            <a:r>
+              <a:rPr lang="uk-UA" sz="3000" b="1" dirty="0">
+                <a:solidFill>
+                  <a:srgbClr val="38BDF8"/>
+                </a:solidFill>
+                <a:latin typeface="Arial" pitchFamily="34" charset="0"/>
+                <a:ea typeface="Arial" pitchFamily="34" charset="-122"/>
+                <a:cs typeface="Arial" pitchFamily="34" charset="-120"/>
+              </a:rPr>
+              <a:t>2</a:t>
+            </a:r>
+            <a:r>
+              <a:rPr lang="en-US" sz="3000" b="1" dirty="0">
+                <a:solidFill>
+                  <a:srgbClr val="38BDF8"/>
+                </a:solidFill>
+                <a:latin typeface="Arial" pitchFamily="34" charset="0"/>
+                <a:ea typeface="Arial" pitchFamily="34" charset="-122"/>
+                <a:cs typeface="Arial" pitchFamily="34" charset="-120"/>
+              </a:rPr>
+              <a:t>%</a:t>
             </a:r>
             <a:endParaRPr lang="en-US" sz="3000" dirty="0"/>
           </a:p>

--- a/E-commerce Resilience Defense.pptx
+++ b/E-commerce Resilience Defense.pptx
@@ -1633,7 +1633,7 @@
             <a:fld id="{5923F103-BC34-4FE4-A40E-EDDEECFDA5D0}" type="datetimeFigureOut">
               <a:rPr lang="en-US" smtClean="0"/>
               <a:pPr/>
-              <a:t>1/28/2026</a:t>
+              <a:t>1/29/2026</a:t>
             </a:fld>
             <a:endParaRPr lang="en-US" dirty="0"/>
           </a:p>
@@ -2735,7 +2735,7 @@
           <a:p>
             <a:fld id="{2BE451C3-0FF4-47C4-B829-773ADF60F88C}" type="datetimeFigureOut">
               <a:rPr lang="en-US" smtClean="0"/>
-              <a:t>1/28/2026</a:t>
+              <a:t>1/29/2026</a:t>
             </a:fld>
             <a:endParaRPr lang="en-US" dirty="0"/>
           </a:p>
@@ -3722,7 +3722,7 @@
           <a:p>
             <a:fld id="{2BE451C3-0FF4-47C4-B829-773ADF60F88C}" type="datetimeFigureOut">
               <a:rPr lang="en-US" smtClean="0"/>
-              <a:t>1/28/2026</a:t>
+              <a:t>1/29/2026</a:t>
             </a:fld>
             <a:endParaRPr lang="en-US" dirty="0"/>
           </a:p>
@@ -4863,7 +4863,7 @@
           <a:p>
             <a:fld id="{2BE451C3-0FF4-47C4-B829-773ADF60F88C}" type="datetimeFigureOut">
               <a:rPr lang="en-US" smtClean="0"/>
-              <a:t>1/28/2026</a:t>
+              <a:t>1/29/2026</a:t>
             </a:fld>
             <a:endParaRPr lang="en-US" dirty="0"/>
           </a:p>
@@ -5903,7 +5903,7 @@
           <a:p>
             <a:fld id="{2BE451C3-0FF4-47C4-B829-773ADF60F88C}" type="datetimeFigureOut">
               <a:rPr lang="en-US" smtClean="0"/>
-              <a:t>1/28/2026</a:t>
+              <a:t>1/29/2026</a:t>
             </a:fld>
             <a:endParaRPr lang="en-US" dirty="0"/>
           </a:p>
@@ -6570,7 +6570,7 @@
           <a:p>
             <a:fld id="{2BE451C3-0FF4-47C4-B829-773ADF60F88C}" type="datetimeFigureOut">
               <a:rPr lang="en-US" smtClean="0"/>
-              <a:t>1/28/2026</a:t>
+              <a:t>1/29/2026</a:t>
             </a:fld>
             <a:endParaRPr lang="en-US" dirty="0"/>
           </a:p>
@@ -7438,7 +7438,7 @@
           <a:p>
             <a:fld id="{2BE451C3-0FF4-47C4-B829-773ADF60F88C}" type="datetimeFigureOut">
               <a:rPr lang="en-US" smtClean="0"/>
-              <a:t>1/28/2026</a:t>
+              <a:t>1/29/2026</a:t>
             </a:fld>
             <a:endParaRPr lang="en-US" dirty="0"/>
           </a:p>
@@ -7635,7 +7635,7 @@
           <a:p>
             <a:fld id="{53086D93-FCAC-47E0-A2EE-787E62CA814C}" type="datetimeFigureOut">
               <a:rPr lang="en-US" smtClean="0"/>
-              <a:t>1/28/2026</a:t>
+              <a:t>1/29/2026</a:t>
             </a:fld>
             <a:endParaRPr lang="en-US" dirty="0"/>
           </a:p>
@@ -8614,7 +8614,7 @@
           <a:p>
             <a:fld id="{CDA879A6-0FD0-4734-A311-86BFCA472E6E}" type="datetimeFigureOut">
               <a:rPr lang="en-US" smtClean="0"/>
-              <a:t>1/28/2026</a:t>
+              <a:t>1/29/2026</a:t>
             </a:fld>
             <a:endParaRPr lang="en-US" dirty="0"/>
           </a:p>
@@ -8867,7 +8867,7 @@
           <a:p>
             <a:fld id="{19C9CA7B-DFD4-44B5-8C60-D14B8CD1FB59}" type="datetimeFigureOut">
               <a:rPr lang="en-US" smtClean="0"/>
-              <a:t>1/28/2026</a:t>
+              <a:t>1/29/2026</a:t>
             </a:fld>
             <a:endParaRPr lang="en-US" dirty="0"/>
           </a:p>
@@ -9908,7 +9908,7 @@
           <a:p>
             <a:fld id="{F34E6425-0181-43F2-84FC-787E803FD2F8}" type="datetimeFigureOut">
               <a:rPr lang="en-US" smtClean="0"/>
-              <a:t>1/28/2026</a:t>
+              <a:t>1/29/2026</a:t>
             </a:fld>
             <a:endParaRPr lang="en-US" dirty="0"/>
           </a:p>
@@ -10187,7 +10187,7 @@
           <a:p>
             <a:fld id="{3BDB8791-F1B0-41E7-B7FD-A781E65C4266}" type="datetimeFigureOut">
               <a:rPr lang="en-US" smtClean="0"/>
-              <a:t>1/28/2026</a:t>
+              <a:t>1/29/2026</a:t>
             </a:fld>
             <a:endParaRPr lang="en-US" dirty="0"/>
           </a:p>
@@ -10604,7 +10604,7 @@
           <a:p>
             <a:fld id="{5FDD63B2-E120-4ED8-B27B-C685F510A5FE}" type="datetimeFigureOut">
               <a:rPr lang="en-US" smtClean="0"/>
-              <a:t>1/28/2026</a:t>
+              <a:t>1/29/2026</a:t>
             </a:fld>
             <a:endParaRPr lang="en-US" dirty="0"/>
           </a:p>
@@ -10738,7 +10738,7 @@
           <a:p>
             <a:fld id="{7AA18ACC-A947-437B-A130-35BD54FDF1E9}" type="datetimeFigureOut">
               <a:rPr lang="en-US" smtClean="0"/>
-              <a:t>1/28/2026</a:t>
+              <a:t>1/29/2026</a:t>
             </a:fld>
             <a:endParaRPr lang="en-US" dirty="0"/>
           </a:p>
@@ -10840,7 +10840,7 @@
           <a:p>
             <a:fld id="{7C8D7E02-BCB8-4D50-A234-369438C08659}" type="datetimeFigureOut">
               <a:rPr lang="en-US" smtClean="0"/>
-              <a:t>1/28/2026</a:t>
+              <a:t>1/29/2026</a:t>
             </a:fld>
             <a:endParaRPr lang="en-US" dirty="0"/>
           </a:p>
@@ -11928,7 +11928,7 @@
           <a:p>
             <a:fld id="{76E86A4C-8E40-4F87-A4F0-01A0687C5742}" type="datetimeFigureOut">
               <a:rPr lang="en-US" smtClean="0"/>
-              <a:t>1/28/2026</a:t>
+              <a:t>1/29/2026</a:t>
             </a:fld>
             <a:endParaRPr lang="en-US" dirty="0"/>
           </a:p>
@@ -13043,7 +13043,7 @@
           <a:p>
             <a:fld id="{35E72C73-2D91-4E12-BA25-F0AA0C03599B}" type="datetimeFigureOut">
               <a:rPr lang="en-US" smtClean="0"/>
-              <a:t>1/28/2026</a:t>
+              <a:t>1/29/2026</a:t>
             </a:fld>
             <a:endParaRPr lang="en-US" dirty="0"/>
           </a:p>
@@ -14110,7 +14110,7 @@
           <a:p>
             <a:fld id="{2BE451C3-0FF4-47C4-B829-773ADF60F88C}" type="datetimeFigureOut">
               <a:rPr lang="en-US" smtClean="0"/>
-              <a:t>1/28/2026</a:t>
+              <a:t>1/29/2026</a:t>
             </a:fld>
             <a:endParaRPr lang="en-US" dirty="0"/>
           </a:p>
@@ -15180,8 +15180,8 @@
         </p:nvSpPr>
         <p:spPr>
           <a:xfrm>
-            <a:off x="2341917" y="2142827"/>
-            <a:ext cx="4211973" cy="239911"/>
+            <a:off x="182880" y="2142827"/>
+            <a:ext cx="8193025" cy="411361"/>
           </a:xfrm>
           <a:prstGeom prst="rect">
             <a:avLst/>
@@ -15200,14 +15200,14 @@
               <a:buNone/>
             </a:pPr>
             <a:r>
-              <a:rPr lang="en-US" sz="1350" dirty="0">
+              <a:rPr lang="en-US" sz="1600" dirty="0">
                 <a:latin typeface="Arial" pitchFamily="34" charset="0"/>
                 <a:ea typeface="Arial" pitchFamily="34" charset="-122"/>
                 <a:cs typeface="Arial" pitchFamily="34" charset="-120"/>
               </a:rPr>
               <a:t>💡 Інвестувати в цифрову інфраструктуру</a:t>
             </a:r>
-            <a:endParaRPr lang="en-US" sz="1350" dirty="0"/>
+            <a:endParaRPr lang="en-US" sz="1600" dirty="0"/>
           </a:p>
         </p:txBody>
       </p:sp>
@@ -15219,8 +15219,8 @@
         </p:nvSpPr>
         <p:spPr>
           <a:xfrm>
-            <a:off x="2341917" y="2611338"/>
-            <a:ext cx="4211973" cy="239911"/>
+            <a:off x="182880" y="2611338"/>
+            <a:ext cx="8193025" cy="411361"/>
           </a:xfrm>
           <a:prstGeom prst="rect">
             <a:avLst/>
@@ -15239,7 +15239,7 @@
               <a:buNone/>
             </a:pPr>
             <a:r>
-              <a:rPr lang="en-US" sz="1350" dirty="0">
+              <a:rPr lang="en-US" sz="1600" dirty="0">
                 <a:latin typeface="Arial" pitchFamily="34" charset="0"/>
                 <a:ea typeface="Arial" pitchFamily="34" charset="-122"/>
                 <a:cs typeface="Arial" pitchFamily="34" charset="-120"/>
@@ -15247,7 +15247,7 @@
               <a:t>💡 </a:t>
             </a:r>
             <a:r>
-              <a:rPr lang="en-US" sz="1350" dirty="0" err="1">
+              <a:rPr lang="en-US" sz="1600" dirty="0" err="1">
                 <a:latin typeface="Arial" pitchFamily="34" charset="0"/>
                 <a:ea typeface="Arial" pitchFamily="34" charset="-122"/>
                 <a:cs typeface="Arial" pitchFamily="34" charset="-120"/>
@@ -15255,7 +15255,7 @@
               <a:t>Розширити</a:t>
             </a:r>
             <a:r>
-              <a:rPr lang="en-US" sz="1350" dirty="0">
+              <a:rPr lang="en-US" sz="1600" dirty="0">
                 <a:latin typeface="Arial" pitchFamily="34" charset="0"/>
                 <a:ea typeface="Arial" pitchFamily="34" charset="-122"/>
                 <a:cs typeface="Arial" pitchFamily="34" charset="-120"/>
@@ -15263,7 +15263,7 @@
               <a:t> </a:t>
             </a:r>
             <a:r>
-              <a:rPr lang="uk-UA" sz="1350" dirty="0">
+              <a:rPr lang="uk-UA" sz="1600" dirty="0">
                 <a:latin typeface="Arial" pitchFamily="34" charset="0"/>
                 <a:ea typeface="Arial" pitchFamily="34" charset="-122"/>
                 <a:cs typeface="Arial" pitchFamily="34" charset="-120"/>
@@ -15271,7 +15271,7 @@
               <a:t>швидкісний </a:t>
             </a:r>
             <a:r>
-              <a:rPr lang="en-US" sz="1350" dirty="0" err="1">
+              <a:rPr lang="en-US" sz="1600" dirty="0" err="1">
                 <a:latin typeface="Arial" pitchFamily="34" charset="0"/>
                 <a:ea typeface="Arial" pitchFamily="34" charset="-122"/>
                 <a:cs typeface="Arial" pitchFamily="34" charset="-120"/>
@@ -15279,14 +15279,14 @@
               <a:t>доступ</a:t>
             </a:r>
             <a:r>
-              <a:rPr lang="en-US" sz="1350" dirty="0">
+              <a:rPr lang="en-US" sz="1600" dirty="0">
                 <a:latin typeface="Arial" pitchFamily="34" charset="0"/>
                 <a:ea typeface="Arial" pitchFamily="34" charset="-122"/>
                 <a:cs typeface="Arial" pitchFamily="34" charset="-120"/>
               </a:rPr>
               <a:t> до інтернету для усіх регіонів</a:t>
             </a:r>
-            <a:endParaRPr lang="en-US" sz="1350" dirty="0"/>
+            <a:endParaRPr lang="en-US" sz="1600" dirty="0"/>
           </a:p>
         </p:txBody>
       </p:sp>
@@ -15298,8 +15298,8 @@
         </p:nvSpPr>
         <p:spPr>
           <a:xfrm>
-            <a:off x="2341916" y="3245048"/>
-            <a:ext cx="4211973" cy="239911"/>
+            <a:off x="182879" y="3245048"/>
+            <a:ext cx="8193025" cy="411361"/>
           </a:xfrm>
           <a:prstGeom prst="rect">
             <a:avLst/>
@@ -15318,14 +15318,46 @@
               <a:buNone/>
             </a:pPr>
             <a:r>
-              <a:rPr lang="en-US" sz="1350" dirty="0">
-                <a:latin typeface="Arial" pitchFamily="34" charset="0"/>
-                <a:ea typeface="Arial" pitchFamily="34" charset="-122"/>
-                <a:cs typeface="Arial" pitchFamily="34" charset="-120"/>
-              </a:rPr>
-              <a:t>💡 Підтримувати СМВО в цифровій трансформації</a:t>
-            </a:r>
-            <a:endParaRPr lang="en-US" sz="1350" dirty="0"/>
+              <a:rPr lang="en-US" sz="1600" dirty="0">
+                <a:latin typeface="Arial" pitchFamily="34" charset="0"/>
+                <a:ea typeface="Arial" pitchFamily="34" charset="-122"/>
+                <a:cs typeface="Arial" pitchFamily="34" charset="-120"/>
+              </a:rPr>
+              <a:t>💡 </a:t>
+            </a:r>
+            <a:r>
+              <a:rPr lang="en-US" sz="1600" dirty="0" err="1">
+                <a:latin typeface="Arial" pitchFamily="34" charset="0"/>
+                <a:ea typeface="Arial" pitchFamily="34" charset="-122"/>
+                <a:cs typeface="Arial" pitchFamily="34" charset="-120"/>
+              </a:rPr>
+              <a:t>Підтримувати</a:t>
+            </a:r>
+            <a:r>
+              <a:rPr lang="en-US" sz="1600" dirty="0">
+                <a:latin typeface="Arial" pitchFamily="34" charset="0"/>
+                <a:ea typeface="Arial" pitchFamily="34" charset="-122"/>
+                <a:cs typeface="Arial" pitchFamily="34" charset="-120"/>
+              </a:rPr>
+              <a:t> </a:t>
+            </a:r>
+            <a:r>
+              <a:rPr lang="uk-UA" sz="1600" dirty="0">
+                <a:latin typeface="Arial" pitchFamily="34" charset="0"/>
+                <a:ea typeface="Arial" pitchFamily="34" charset="-122"/>
+                <a:cs typeface="Arial" pitchFamily="34" charset="-120"/>
+              </a:rPr>
+              <a:t>малий та середній бізнес</a:t>
+            </a:r>
+            <a:r>
+              <a:rPr lang="en-US" sz="1600" dirty="0">
+                <a:latin typeface="Arial" pitchFamily="34" charset="0"/>
+                <a:ea typeface="Arial" pitchFamily="34" charset="-122"/>
+                <a:cs typeface="Arial" pitchFamily="34" charset="-120"/>
+              </a:rPr>
+              <a:t> в цифровій трансформації</a:t>
+            </a:r>
+            <a:endParaRPr lang="en-US" sz="1600" dirty="0"/>
           </a:p>
         </p:txBody>
       </p:sp>
@@ -15337,8 +15369,8 @@
         </p:nvSpPr>
         <p:spPr>
           <a:xfrm>
-            <a:off x="2341917" y="3713559"/>
-            <a:ext cx="4211973" cy="239911"/>
+            <a:off x="182880" y="3713559"/>
+            <a:ext cx="8193025" cy="411361"/>
           </a:xfrm>
           <a:prstGeom prst="rect">
             <a:avLst/>
@@ -15357,14 +15389,14 @@
               <a:buNone/>
             </a:pPr>
             <a:r>
-              <a:rPr lang="en-US" sz="1350" dirty="0">
+              <a:rPr lang="en-US" sz="1600" dirty="0">
                 <a:latin typeface="Arial" pitchFamily="34" charset="0"/>
                 <a:ea typeface="Arial" pitchFamily="34" charset="-122"/>
                 <a:cs typeface="Arial" pitchFamily="34" charset="-120"/>
               </a:rPr>
               <a:t>💡 Е-commerce = резилієнтність економіки</a:t>
             </a:r>
-            <a:endParaRPr lang="en-US" sz="1350" dirty="0"/>
+            <a:endParaRPr lang="en-US" sz="1600" dirty="0"/>
           </a:p>
         </p:txBody>
       </p:sp>
@@ -15994,12 +16026,23 @@
           <a:bodyPr wrap="square" lIns="0" tIns="0" rIns="0" bIns="0" rtlCol="0" anchor="t"/>
           <a:lstStyle/>
           <a:p>
-            <a:pPr marL="0" indent="0">
+            <a:pPr marL="0" indent="0" algn="ctr">
               <a:lnSpc>
                 <a:spcPts val="3240"/>
               </a:lnSpc>
               <a:buNone/>
             </a:pPr>
+            <a:r>
+              <a:rPr lang="uk-UA" sz="2700" b="1" dirty="0">
+                <a:solidFill>
+                  <a:srgbClr val="38BDF8"/>
+                </a:solidFill>
+                <a:latin typeface="Arial" pitchFamily="34" charset="0"/>
+                <a:ea typeface="Arial" pitchFamily="34" charset="-122"/>
+                <a:cs typeface="Arial" pitchFamily="34" charset="-120"/>
+              </a:rPr>
+              <a:t>Загальні</a:t>
+            </a:r>
             <a:r>
               <a:rPr lang="en-US" sz="2700" b="1" dirty="0">
                 <a:solidFill>
@@ -16009,7 +16052,7 @@
                 <a:ea typeface="Arial" pitchFamily="34" charset="-122"/>
                 <a:cs typeface="Arial" pitchFamily="34" charset="-120"/>
               </a:rPr>
-              <a:t>Ключові висновки</a:t>
+              <a:t> висновки</a:t>
             </a:r>
             <a:endParaRPr lang="en-US" sz="2700" dirty="0"/>
           </a:p>
@@ -16057,7 +16100,31 @@
                 <a:ea typeface="Arial" pitchFamily="34" charset="-122"/>
                 <a:cs typeface="Arial" pitchFamily="34" charset="-120"/>
               </a:rPr>
-              <a:t>стійка до криз</a:t>
+              <a:t>стійка </a:t>
+            </a:r>
+            <a:r>
+              <a:rPr lang="en-US" sz="1350" b="1" dirty="0" err="1">
+                <a:latin typeface="Arial" pitchFamily="34" charset="0"/>
+                <a:ea typeface="Arial" pitchFamily="34" charset="-122"/>
+                <a:cs typeface="Arial" pitchFamily="34" charset="-120"/>
+              </a:rPr>
+              <a:t>до</a:t>
+            </a:r>
+            <a:r>
+              <a:rPr lang="en-US" sz="1350" b="1" dirty="0">
+                <a:latin typeface="Arial" pitchFamily="34" charset="0"/>
+                <a:ea typeface="Arial" pitchFamily="34" charset="-122"/>
+                <a:cs typeface="Arial" pitchFamily="34" charset="-120"/>
+              </a:rPr>
+              <a:t> </a:t>
+            </a:r>
+            <a:r>
+              <a:rPr lang="uk-UA" sz="1350" b="1" dirty="0">
+                <a:latin typeface="Arial" pitchFamily="34" charset="0"/>
+                <a:ea typeface="Arial" pitchFamily="34" charset="-122"/>
+                <a:cs typeface="Arial" pitchFamily="34" charset="-120"/>
+              </a:rPr>
+              <a:t>шоків</a:t>
             </a:r>
             <a:r>
               <a:rPr lang="en-US" sz="1350" dirty="0">
@@ -16456,8 +16523,8 @@
         </p:nvSpPr>
         <p:spPr>
           <a:xfrm>
-            <a:off x="137886" y="1640507"/>
-            <a:ext cx="2910114" cy="1576983"/>
+            <a:off x="148190" y="1783258"/>
+            <a:ext cx="3151269" cy="1576983"/>
           </a:xfrm>
           <a:prstGeom prst="rect">
             <a:avLst/>
@@ -16482,9 +16549,8 @@
                 <a:ea typeface="Arial" pitchFamily="34" charset="-122"/>
                 <a:cs typeface="Arial" pitchFamily="34" charset="-120"/>
               </a:rPr>
-              <a:t>🦠 COVID-19: глобальне закриття 2020–2021</a:t>
-            </a:r>
-            <a:endParaRPr lang="en-US" sz="1350" dirty="0"/>
+              <a:t>🦠 COVID-19</a:t>
+            </a:r>
           </a:p>
           <a:p>
             <a:pPr marL="342900" indent="-342900">
@@ -16500,7 +16566,39 @@
                 <a:ea typeface="Arial" pitchFamily="34" charset="-122"/>
                 <a:cs typeface="Arial" pitchFamily="34" charset="-120"/>
               </a:rPr>
-              <a:t>⚔️ Конфлікт в Україні: </a:t>
+              <a:t>⚔️</a:t>
+            </a:r>
+            <a:r>
+              <a:rPr lang="uk-UA" sz="1350" dirty="0">
+                <a:latin typeface="Arial" pitchFamily="34" charset="0"/>
+                <a:ea typeface="Arial" pitchFamily="34" charset="-122"/>
+                <a:cs typeface="Arial" pitchFamily="34" charset="-120"/>
+              </a:rPr>
+              <a:t>Повномасштабна</a:t>
+            </a:r>
+            <a:r>
+              <a:rPr lang="en-US" sz="1350" dirty="0">
+                <a:latin typeface="Arial" pitchFamily="34" charset="0"/>
+                <a:ea typeface="Arial" pitchFamily="34" charset="-122"/>
+                <a:cs typeface="Arial" pitchFamily="34" charset="-120"/>
+              </a:rPr>
+              <a:t> </a:t>
+            </a:r>
+            <a:r>
+              <a:rPr lang="uk-UA" sz="1350" dirty="0">
+                <a:latin typeface="Arial" pitchFamily="34" charset="0"/>
+                <a:ea typeface="Arial" pitchFamily="34" charset="-122"/>
+                <a:cs typeface="Arial" pitchFamily="34" charset="-120"/>
+              </a:rPr>
+              <a:t>Війна</a:t>
+            </a:r>
+            <a:r>
+              <a:rPr lang="en-US" sz="1350" dirty="0">
+                <a:latin typeface="Arial" pitchFamily="34" charset="0"/>
+                <a:ea typeface="Arial" pitchFamily="34" charset="-122"/>
+                <a:cs typeface="Arial" pitchFamily="34" charset="-120"/>
+              </a:rPr>
+              <a:t> в </a:t>
             </a:r>
             <a:r>
               <a:rPr lang="en-US" sz="1350" dirty="0" err="1">
@@ -16508,14 +16606,44 @@
                 <a:ea typeface="Arial" pitchFamily="34" charset="-122"/>
                 <a:cs typeface="Arial" pitchFamily="34" charset="-120"/>
               </a:rPr>
-              <a:t>енергетична</a:t>
-            </a:r>
+              <a:t>Україні</a:t>
+            </a:r>
+            <a:endParaRPr lang="uk-UA" sz="1350" dirty="0">
+              <a:latin typeface="Arial" pitchFamily="34" charset="0"/>
+              <a:ea typeface="Arial" pitchFamily="34" charset="-122"/>
+              <a:cs typeface="Arial" pitchFamily="34" charset="-120"/>
+            </a:endParaRPr>
+          </a:p>
+          <a:p>
+            <a:pPr marL="342900" indent="-342900">
+              <a:lnSpc>
+                <a:spcPts val="2430"/>
+              </a:lnSpc>
+              <a:buSzPct val="100000"/>
+              <a:buChar char="•"/>
+            </a:pPr>
             <a:r>
               <a:rPr lang="uk-UA" sz="1350" dirty="0">
                 <a:latin typeface="Arial" pitchFamily="34" charset="0"/>
                 <a:ea typeface="Arial" pitchFamily="34" charset="-122"/>
                 <a:cs typeface="Arial" pitchFamily="34" charset="-120"/>
               </a:rPr>
+              <a:t>Е</a:t>
+            </a:r>
+            <a:r>
+              <a:rPr lang="en-US" sz="1350" dirty="0" err="1">
+                <a:latin typeface="Arial" pitchFamily="34" charset="0"/>
+                <a:ea typeface="Arial" pitchFamily="34" charset="-122"/>
+                <a:cs typeface="Arial" pitchFamily="34" charset="-120"/>
+              </a:rPr>
+              <a:t>нергетична</a:t>
+            </a:r>
+            <a:r>
+              <a:rPr lang="uk-UA" sz="1350" dirty="0">
+                <a:latin typeface="Arial" pitchFamily="34" charset="0"/>
+                <a:ea typeface="Arial" pitchFamily="34" charset="-122"/>
+                <a:cs typeface="Arial" pitchFamily="34" charset="-120"/>
+              </a:rPr>
               <a:t> та економічна</a:t>
             </a:r>
             <a:r>
@@ -16542,13 +16670,21 @@
               </a:rPr>
               <a:t>и</a:t>
             </a:r>
-            <a:r>
-              <a:rPr lang="en-US" sz="1350" dirty="0">
-                <a:latin typeface="Arial" pitchFamily="34" charset="0"/>
-                <a:ea typeface="Arial" pitchFamily="34" charset="-122"/>
-                <a:cs typeface="Arial" pitchFamily="34" charset="-120"/>
-              </a:rPr>
-              <a:t> 2022–2023</a:t>
+          </a:p>
+          <a:p>
+            <a:pPr marL="342900" indent="-342900">
+              <a:lnSpc>
+                <a:spcPts val="2430"/>
+              </a:lnSpc>
+              <a:buSzPct val="100000"/>
+              <a:buChar char="•"/>
+            </a:pPr>
+            <a:r>
+              <a:rPr lang="uk-UA" sz="1350" dirty="0">
+                <a:latin typeface="Arial" pitchFamily="34" charset="0"/>
+                <a:cs typeface="Arial" pitchFamily="34" charset="-120"/>
+              </a:rPr>
+              <a:t>Торгові війни</a:t>
             </a:r>
             <a:endParaRPr lang="en-US" sz="1350" dirty="0"/>
           </a:p>
@@ -16576,8 +16712,8 @@
         </p:blipFill>
         <p:spPr>
           <a:xfrm>
-            <a:off x="3048000" y="1785257"/>
-            <a:ext cx="6008915" cy="3358243"/>
+            <a:off x="3221591" y="1785257"/>
+            <a:ext cx="5850419" cy="3358243"/>
           </a:xfrm>
           <a:prstGeom prst="rect">
             <a:avLst/>
@@ -16598,8 +16734,8 @@
         </p:nvSpPr>
         <p:spPr>
           <a:xfrm>
-            <a:off x="87085" y="3108776"/>
-            <a:ext cx="2910114" cy="1914370"/>
+            <a:off x="0" y="3628390"/>
+            <a:ext cx="2910114" cy="1298817"/>
           </a:xfrm>
           <a:prstGeom prst="rect">
             <a:avLst/>
@@ -16612,12 +16748,11 @@
           </a:bodyPr>
           <a:lstStyle/>
           <a:p>
-            <a:pPr marL="342900" indent="-342900">
+            <a:pPr>
               <a:lnSpc>
                 <a:spcPts val="2430"/>
               </a:lnSpc>
               <a:buSzPct val="100000"/>
-              <a:buChar char="•"/>
             </a:pPr>
             <a:r>
               <a:rPr lang="en-US" sz="1800" dirty="0">
@@ -16644,12 +16779,100 @@
               <a:t>: </a:t>
             </a:r>
             <a:r>
-              <a:rPr lang="en-US" sz="1800" dirty="0" err="1">
-                <a:latin typeface="Arial" pitchFamily="34" charset="0"/>
-                <a:ea typeface="Arial" pitchFamily="34" charset="-122"/>
-                <a:cs typeface="Arial" pitchFamily="34" charset="-120"/>
-              </a:rPr>
-              <a:t>чи</a:t>
+              <a:rPr lang="ru-RU" sz="1800" dirty="0" err="1">
+                <a:latin typeface="Arial" pitchFamily="34" charset="0"/>
+                <a:ea typeface="Arial" pitchFamily="34" charset="-122"/>
+                <a:cs typeface="Arial" pitchFamily="34" charset="-120"/>
+              </a:rPr>
+              <a:t>Ч</a:t>
+            </a:r>
+            <a:r>
+              <a:rPr lang="ru-RU" dirty="0" err="1">
+                <a:latin typeface="Arial" pitchFamily="34" charset="0"/>
+                <a:ea typeface="Arial" pitchFamily="34" charset="-122"/>
+                <a:cs typeface="Arial" pitchFamily="34" charset="-120"/>
+              </a:rPr>
+              <a:t>и</a:t>
+            </a:r>
+            <a:r>
+              <a:rPr lang="ru-RU" dirty="0">
+                <a:latin typeface="Arial" pitchFamily="34" charset="0"/>
+                <a:ea typeface="Arial" pitchFamily="34" charset="-122"/>
+                <a:cs typeface="Arial" pitchFamily="34" charset="-120"/>
+              </a:rPr>
+              <a:t> </a:t>
+            </a:r>
+            <a:r>
+              <a:rPr lang="ru-RU" dirty="0" err="1">
+                <a:latin typeface="Arial" pitchFamily="34" charset="0"/>
+                <a:ea typeface="Arial" pitchFamily="34" charset="-122"/>
+                <a:cs typeface="Arial" pitchFamily="34" charset="-120"/>
+              </a:rPr>
+              <a:t>електронна</a:t>
+            </a:r>
+            <a:r>
+              <a:rPr lang="ru-RU" dirty="0">
+                <a:latin typeface="Arial" pitchFamily="34" charset="0"/>
+                <a:ea typeface="Arial" pitchFamily="34" charset="-122"/>
+                <a:cs typeface="Arial" pitchFamily="34" charset="-120"/>
+              </a:rPr>
+              <a:t> </a:t>
+            </a:r>
+            <a:r>
+              <a:rPr lang="ru-RU" dirty="0" err="1">
+                <a:latin typeface="Arial" pitchFamily="34" charset="0"/>
+                <a:ea typeface="Arial" pitchFamily="34" charset="-122"/>
+                <a:cs typeface="Arial" pitchFamily="34" charset="-120"/>
+              </a:rPr>
+              <a:t>комерція</a:t>
+            </a:r>
+            <a:r>
+              <a:rPr lang="ru-RU" dirty="0">
+                <a:latin typeface="Arial" pitchFamily="34" charset="0"/>
+                <a:ea typeface="Arial" pitchFamily="34" charset="-122"/>
+                <a:cs typeface="Arial" pitchFamily="34" charset="-120"/>
+              </a:rPr>
+              <a:t> є </a:t>
+            </a:r>
+            <a:r>
+              <a:rPr lang="ru-RU" dirty="0" err="1">
+                <a:latin typeface="Arial" pitchFamily="34" charset="0"/>
+                <a:ea typeface="Arial" pitchFamily="34" charset="-122"/>
+                <a:cs typeface="Arial" pitchFamily="34" charset="-120"/>
+              </a:rPr>
+              <a:t>стійкою</a:t>
+            </a:r>
+            <a:r>
+              <a:rPr lang="ru-RU" dirty="0">
+                <a:latin typeface="Arial" pitchFamily="34" charset="0"/>
+                <a:ea typeface="Arial" pitchFamily="34" charset="-122"/>
+                <a:cs typeface="Arial" pitchFamily="34" charset="-120"/>
+              </a:rPr>
+              <a:t> до таких </a:t>
+            </a:r>
+            <a:r>
+              <a:rPr lang="ru-RU" dirty="0" err="1">
+                <a:latin typeface="Arial" pitchFamily="34" charset="0"/>
+                <a:ea typeface="Arial" pitchFamily="34" charset="-122"/>
+                <a:cs typeface="Arial" pitchFamily="34" charset="-120"/>
+              </a:rPr>
+              <a:t>глобальних</a:t>
+            </a:r>
+            <a:r>
+              <a:rPr lang="ru-RU" dirty="0">
+                <a:latin typeface="Arial" pitchFamily="34" charset="0"/>
+                <a:ea typeface="Arial" pitchFamily="34" charset="-122"/>
+                <a:cs typeface="Arial" pitchFamily="34" charset="-120"/>
+              </a:rPr>
+              <a:t> </a:t>
+            </a:r>
+            <a:r>
+              <a:rPr lang="ru-RU" dirty="0" err="1">
+                <a:latin typeface="Arial" pitchFamily="34" charset="0"/>
+                <a:ea typeface="Arial" pitchFamily="34" charset="-122"/>
+                <a:cs typeface="Arial" pitchFamily="34" charset="-120"/>
+              </a:rPr>
+              <a:t>шоків</a:t>
             </a:r>
             <a:r>
               <a:rPr lang="en-US" sz="1800" dirty="0">
@@ -16657,145 +16880,7 @@
                 <a:ea typeface="Arial" pitchFamily="34" charset="-122"/>
                 <a:cs typeface="Arial" pitchFamily="34" charset="-120"/>
               </a:rPr>
-              <a:t> e-commerce </a:t>
-            </a:r>
-            <a:r>
-              <a:rPr lang="en-US" sz="1800" dirty="0" err="1">
-                <a:latin typeface="Arial" pitchFamily="34" charset="0"/>
-                <a:ea typeface="Arial" pitchFamily="34" charset="-122"/>
-                <a:cs typeface="Arial" pitchFamily="34" charset="-120"/>
-              </a:rPr>
-              <a:t>показує</a:t>
-            </a:r>
-            <a:r>
-              <a:rPr lang="en-US" sz="1800" dirty="0">
-                <a:latin typeface="Arial" pitchFamily="34" charset="0"/>
-                <a:ea typeface="Arial" pitchFamily="34" charset="-122"/>
-                <a:cs typeface="Arial" pitchFamily="34" charset="-120"/>
-              </a:rPr>
-              <a:t> </a:t>
-            </a:r>
-            <a:r>
-              <a:rPr lang="en-US" sz="1800" dirty="0" err="1">
-                <a:latin typeface="Arial" pitchFamily="34" charset="0"/>
-                <a:ea typeface="Arial" pitchFamily="34" charset="-122"/>
-                <a:cs typeface="Arial" pitchFamily="34" charset="-120"/>
-              </a:rPr>
-              <a:t>стійкість</a:t>
-            </a:r>
-            <a:r>
-              <a:rPr lang="en-US" sz="1800" dirty="0">
-                <a:latin typeface="Arial" pitchFamily="34" charset="0"/>
-                <a:ea typeface="Arial" pitchFamily="34" charset="-122"/>
-                <a:cs typeface="Arial" pitchFamily="34" charset="-120"/>
-              </a:rPr>
               <a:t>?</a:t>
-            </a:r>
-            <a:endParaRPr lang="en-US" sz="1800" dirty="0"/>
-          </a:p>
-          <a:p>
-            <a:pPr marL="342900" indent="-342900">
-              <a:lnSpc>
-                <a:spcPts val="2430"/>
-              </a:lnSpc>
-              <a:buSzPct val="100000"/>
-              <a:buChar char="•"/>
-            </a:pPr>
-            <a:r>
-              <a:rPr lang="en-US" sz="1800" dirty="0">
-                <a:latin typeface="Arial" pitchFamily="34" charset="0"/>
-                <a:ea typeface="Arial" pitchFamily="34" charset="-122"/>
-                <a:cs typeface="Arial" pitchFamily="34" charset="-120"/>
-              </a:rPr>
-              <a:t>🌐 </a:t>
-            </a:r>
-            <a:r>
-              <a:rPr lang="en-US" sz="1800" dirty="0" err="1">
-                <a:latin typeface="Arial" pitchFamily="34" charset="0"/>
-                <a:ea typeface="Arial" pitchFamily="34" charset="-122"/>
-                <a:cs typeface="Arial" pitchFamily="34" charset="-120"/>
-              </a:rPr>
-              <a:t>Роль</a:t>
-            </a:r>
-            <a:r>
-              <a:rPr lang="en-US" sz="1800" dirty="0">
-                <a:latin typeface="Arial" pitchFamily="34" charset="0"/>
-                <a:ea typeface="Arial" pitchFamily="34" charset="-122"/>
-                <a:cs typeface="Arial" pitchFamily="34" charset="-120"/>
-              </a:rPr>
-              <a:t> </a:t>
-            </a:r>
-            <a:r>
-              <a:rPr lang="en-US" sz="1800" dirty="0" err="1">
-                <a:latin typeface="Arial" pitchFamily="34" charset="0"/>
-                <a:ea typeface="Arial" pitchFamily="34" charset="-122"/>
-                <a:cs typeface="Arial" pitchFamily="34" charset="-120"/>
-              </a:rPr>
-              <a:t>цифрової</a:t>
-            </a:r>
-            <a:r>
-              <a:rPr lang="en-US" sz="1800" dirty="0">
-                <a:latin typeface="Arial" pitchFamily="34" charset="0"/>
-                <a:ea typeface="Arial" pitchFamily="34" charset="-122"/>
-                <a:cs typeface="Arial" pitchFamily="34" charset="-120"/>
-              </a:rPr>
-              <a:t> </a:t>
-            </a:r>
-            <a:r>
-              <a:rPr lang="en-US" sz="1800" dirty="0" err="1">
-                <a:latin typeface="Arial" pitchFamily="34" charset="0"/>
-                <a:ea typeface="Arial" pitchFamily="34" charset="-122"/>
-                <a:cs typeface="Arial" pitchFamily="34" charset="-120"/>
-              </a:rPr>
-              <a:t>інфраструктури</a:t>
-            </a:r>
-            <a:r>
-              <a:rPr lang="en-US" sz="1800" dirty="0">
-                <a:latin typeface="Arial" pitchFamily="34" charset="0"/>
-                <a:ea typeface="Arial" pitchFamily="34" charset="-122"/>
-                <a:cs typeface="Arial" pitchFamily="34" charset="-120"/>
-              </a:rPr>
-              <a:t> </a:t>
-            </a:r>
-            <a:r>
-              <a:rPr lang="en-US" sz="1800" dirty="0" err="1">
-                <a:latin typeface="Arial" pitchFamily="34" charset="0"/>
-                <a:ea typeface="Arial" pitchFamily="34" charset="-122"/>
-                <a:cs typeface="Arial" pitchFamily="34" charset="-120"/>
-              </a:rPr>
-              <a:t>як</a:t>
-            </a:r>
-            <a:r>
-              <a:rPr lang="en-US" sz="1800" dirty="0">
-                <a:latin typeface="Arial" pitchFamily="34" charset="0"/>
-                <a:ea typeface="Arial" pitchFamily="34" charset="-122"/>
-                <a:cs typeface="Arial" pitchFamily="34" charset="-120"/>
-              </a:rPr>
-              <a:t> </a:t>
-            </a:r>
-            <a:r>
-              <a:rPr lang="en-US" sz="1800" dirty="0" err="1">
-                <a:latin typeface="Arial" pitchFamily="34" charset="0"/>
-                <a:ea typeface="Arial" pitchFamily="34" charset="-122"/>
-                <a:cs typeface="Arial" pitchFamily="34" charset="-120"/>
-              </a:rPr>
-              <a:t>ключового</a:t>
-            </a:r>
-            <a:r>
-              <a:rPr lang="en-US" sz="1800" dirty="0">
-                <a:latin typeface="Arial" pitchFamily="34" charset="0"/>
-                <a:ea typeface="Arial" pitchFamily="34" charset="-122"/>
-                <a:cs typeface="Arial" pitchFamily="34" charset="-120"/>
-              </a:rPr>
-              <a:t> </a:t>
-            </a:r>
-            <a:r>
-              <a:rPr lang="en-US" sz="1800" dirty="0" err="1">
-                <a:latin typeface="Arial" pitchFamily="34" charset="0"/>
-                <a:ea typeface="Arial" pitchFamily="34" charset="-122"/>
-                <a:cs typeface="Arial" pitchFamily="34" charset="-120"/>
-              </a:rPr>
-              <a:t>фактору</a:t>
             </a:r>
             <a:endParaRPr lang="en-US" sz="1800" dirty="0"/>
           </a:p>
@@ -16847,24 +16932,96 @@
           <a:bodyPr wrap="square" lIns="0" tIns="0" rIns="0" bIns="0" rtlCol="0" anchor="t"/>
           <a:lstStyle/>
           <a:p>
-            <a:pPr marL="0" indent="0">
+            <a:pPr algn="ctr">
               <a:lnSpc>
                 <a:spcPts val="3240"/>
               </a:lnSpc>
-              <a:buNone/>
             </a:pPr>
             <a:r>
-              <a:rPr lang="en-US" sz="2700" b="1" dirty="0">
+              <a:rPr lang="ru-RU" sz="2700" dirty="0" err="1">
                 <a:solidFill>
-                  <a:srgbClr val="38BDF8"/>
+                  <a:srgbClr val="00B0F0"/>
                 </a:solidFill>
-                <a:latin typeface="Arial" pitchFamily="34" charset="0"/>
-                <a:ea typeface="Arial" pitchFamily="34" charset="-122"/>
-                <a:cs typeface="Arial" pitchFamily="34" charset="-120"/>
-              </a:rPr>
-              <a:t>Дослідницькі питання | Research Questions</a:t>
-            </a:r>
-            <a:endParaRPr lang="en-US" sz="2700" dirty="0"/>
+              </a:rPr>
+              <a:t>Дослідження</a:t>
+            </a:r>
+            <a:r>
+              <a:rPr lang="ru-RU" sz="2700" dirty="0">
+                <a:solidFill>
+                  <a:srgbClr val="00B0F0"/>
+                </a:solidFill>
+              </a:rPr>
+              <a:t> </a:t>
+            </a:r>
+            <a:r>
+              <a:rPr lang="ru-RU" sz="2700" dirty="0" err="1">
+                <a:solidFill>
+                  <a:srgbClr val="00B0F0"/>
+                </a:solidFill>
+              </a:rPr>
+              <a:t>базується</a:t>
+            </a:r>
+            <a:r>
+              <a:rPr lang="ru-RU" sz="2700" dirty="0">
+                <a:solidFill>
+                  <a:srgbClr val="00B0F0"/>
+                </a:solidFill>
+              </a:rPr>
+              <a:t> на </a:t>
+            </a:r>
+            <a:r>
+              <a:rPr lang="ru-RU" sz="2700" dirty="0" err="1">
+                <a:solidFill>
+                  <a:srgbClr val="00B0F0"/>
+                </a:solidFill>
+              </a:rPr>
+              <a:t>трьох</a:t>
+            </a:r>
+            <a:r>
+              <a:rPr lang="ru-RU" sz="2700" dirty="0">
+                <a:solidFill>
+                  <a:srgbClr val="00B0F0"/>
+                </a:solidFill>
+              </a:rPr>
+              <a:t> </a:t>
+            </a:r>
+            <a:r>
+              <a:rPr lang="ru-RU" sz="2700" dirty="0" err="1">
+                <a:solidFill>
+                  <a:srgbClr val="00B0F0"/>
+                </a:solidFill>
+              </a:rPr>
+              <a:t>ключових</a:t>
+            </a:r>
+            <a:r>
+              <a:rPr lang="ru-RU" sz="2700" dirty="0">
+                <a:solidFill>
+                  <a:srgbClr val="00B0F0"/>
+                </a:solidFill>
+              </a:rPr>
+              <a:t> </a:t>
+            </a:r>
+            <a:r>
+              <a:rPr lang="ru-RU" sz="2700" dirty="0" err="1">
+                <a:solidFill>
+                  <a:srgbClr val="00B0F0"/>
+                </a:solidFill>
+              </a:rPr>
+              <a:t>питаннях</a:t>
+            </a:r>
+            <a:r>
+              <a:rPr lang="ru-RU" sz="2700" dirty="0">
+                <a:solidFill>
+                  <a:srgbClr val="00B0F0"/>
+                </a:solidFill>
+              </a:rPr>
+              <a:t>:</a:t>
+            </a:r>
+            <a:endParaRPr lang="en-US" sz="2700" dirty="0">
+              <a:solidFill>
+                <a:srgbClr val="00B0F0"/>
+              </a:solidFill>
+            </a:endParaRPr>
           </a:p>
         </p:txBody>
       </p:sp>
@@ -16877,7 +17034,7 @@
         <p:spPr>
           <a:xfrm>
             <a:off x="609600" y="2217435"/>
-            <a:ext cx="7620000" cy="1325761"/>
+            <a:ext cx="7620000" cy="611109"/>
           </a:xfrm>
           <a:prstGeom prst="rect">
             <a:avLst/>
@@ -16896,131 +17053,46 @@
               <a:buSzPct val="100000"/>
               <a:buChar char="•"/>
             </a:pPr>
-            <a:r>
-              <a:rPr lang="en-US" sz="1200" dirty="0">
-                <a:solidFill>
-                  <a:srgbClr val="CBD5E1"/>
-                </a:solidFill>
-                <a:latin typeface="Arial" pitchFamily="34" charset="0"/>
-                <a:ea typeface="Arial" pitchFamily="34" charset="-122"/>
-                <a:cs typeface="Arial" pitchFamily="34" charset="-120"/>
-              </a:rPr>
-              <a:t>❓ </a:t>
-            </a:r>
-            <a:r>
-              <a:rPr lang="en-US" sz="1200" b="1" dirty="0">
-                <a:solidFill>
-                  <a:srgbClr val="38BDF8"/>
-                </a:solidFill>
-                <a:latin typeface="Arial" pitchFamily="34" charset="0"/>
-                <a:ea typeface="Arial" pitchFamily="34" charset="-122"/>
-                <a:cs typeface="Arial" pitchFamily="34" charset="-120"/>
-              </a:rPr>
-              <a:t>RQ1:</a:t>
-            </a:r>
-            <a:r>
-              <a:rPr lang="en-US" sz="1200" dirty="0">
-                <a:solidFill>
-                  <a:srgbClr val="CBD5E1"/>
-                </a:solidFill>
-                <a:latin typeface="Arial" pitchFamily="34" charset="0"/>
-                <a:ea typeface="Arial" pitchFamily="34" charset="-122"/>
-                <a:cs typeface="Arial" pitchFamily="34" charset="-120"/>
-              </a:rPr>
-              <a:t> </a:t>
-            </a:r>
-            <a:r>
-              <a:rPr lang="en-US" sz="1200" dirty="0">
-                <a:latin typeface="Arial" pitchFamily="34" charset="0"/>
-                <a:ea typeface="Arial" pitchFamily="34" charset="-122"/>
-                <a:cs typeface="Arial" pitchFamily="34" charset="-120"/>
-              </a:rPr>
-              <a:t>Чим відрізняються розвинені й розвивальні економіки за динамікою e‑commerce у періоди </a:t>
-            </a:r>
-            <a:r>
-              <a:rPr lang="en-US" sz="1200" dirty="0" err="1">
-                <a:latin typeface="Arial" pitchFamily="34" charset="0"/>
-                <a:ea typeface="Arial" pitchFamily="34" charset="-122"/>
-                <a:cs typeface="Arial" pitchFamily="34" charset="-120"/>
-              </a:rPr>
-              <a:t>шоків</a:t>
-            </a:r>
-            <a:r>
-              <a:rPr lang="en-US" sz="1200" dirty="0">
-                <a:latin typeface="Arial" pitchFamily="34" charset="0"/>
-                <a:ea typeface="Arial" pitchFamily="34" charset="-122"/>
-                <a:cs typeface="Arial" pitchFamily="34" charset="-120"/>
-              </a:rPr>
-              <a:t>?</a:t>
-            </a:r>
-            <a:r>
-              <a:rPr lang="ru-RU" sz="1200" dirty="0">
-                <a:latin typeface="Arial" pitchFamily="34" charset="0"/>
-                <a:ea typeface="Arial" pitchFamily="34" charset="-122"/>
-                <a:cs typeface="Arial" pitchFamily="34" charset="-120"/>
-              </a:rPr>
-              <a:t> </a:t>
-            </a:r>
-            <a:r>
-              <a:rPr lang="ru-RU" sz="1200" dirty="0" err="1">
-                <a:latin typeface="Arial" pitchFamily="34" charset="0"/>
-                <a:ea typeface="Arial" pitchFamily="34" charset="-122"/>
-                <a:cs typeface="Arial" pitchFamily="34" charset="-120"/>
-              </a:rPr>
-              <a:t>Чи</a:t>
-            </a:r>
-            <a:r>
-              <a:rPr lang="ru-RU" sz="1200" dirty="0">
-                <a:latin typeface="Arial" pitchFamily="34" charset="0"/>
-                <a:ea typeface="Arial" pitchFamily="34" charset="-122"/>
-                <a:cs typeface="Arial" pitchFamily="34" charset="-120"/>
-              </a:rPr>
-              <a:t> </a:t>
-            </a:r>
-            <a:r>
-              <a:rPr lang="ru-RU" sz="1200" dirty="0" err="1">
-                <a:latin typeface="Arial" pitchFamily="34" charset="0"/>
-                <a:ea typeface="Arial" pitchFamily="34" charset="-122"/>
-                <a:cs typeface="Arial" pitchFamily="34" charset="-120"/>
-              </a:rPr>
-              <a:t>однаково</a:t>
-            </a:r>
-            <a:r>
-              <a:rPr lang="ru-RU" sz="1200" dirty="0">
-                <a:latin typeface="Arial" pitchFamily="34" charset="0"/>
-                <a:ea typeface="Arial" pitchFamily="34" charset="-122"/>
-                <a:cs typeface="Arial" pitchFamily="34" charset="-120"/>
-              </a:rPr>
-              <a:t> вони </a:t>
-            </a:r>
-            <a:r>
-              <a:rPr lang="ru-RU" sz="1200" dirty="0" err="1">
-                <a:latin typeface="Arial" pitchFamily="34" charset="0"/>
-                <a:ea typeface="Arial" pitchFamily="34" charset="-122"/>
-                <a:cs typeface="Arial" pitchFamily="34" charset="-120"/>
-              </a:rPr>
-              <a:t>реагують</a:t>
-            </a:r>
-            <a:r>
-              <a:rPr lang="ru-RU" sz="1200" dirty="0">
-                <a:latin typeface="Arial" pitchFamily="34" charset="0"/>
-                <a:ea typeface="Arial" pitchFamily="34" charset="-122"/>
-                <a:cs typeface="Arial" pitchFamily="34" charset="-120"/>
-              </a:rPr>
-              <a:t> на шоки? </a:t>
-            </a:r>
-            <a:endParaRPr lang="en-US" sz="1200" dirty="0"/>
-          </a:p>
-          <a:p>
-            <a:pPr marL="342900" indent="-342900">
+            <a:endParaRPr lang="en-US" sz="1400" dirty="0"/>
+          </a:p>
+        </p:txBody>
+      </p:sp>
+      <p:sp>
+        <p:nvSpPr>
+          <p:cNvPr id="5" name="TextBox 4">
+            <a:extLst>
+              <a:ext uri="{FF2B5EF4-FFF2-40B4-BE49-F238E27FC236}">
+                <a16:creationId xmlns:a16="http://schemas.microsoft.com/office/drawing/2014/main" id="{5A679C6E-EAFC-004F-A1EB-9DA23A8EEA63}"/>
+              </a:ext>
+            </a:extLst>
+          </p:cNvPr>
+          <p:cNvSpPr txBox="1"/>
+          <p:nvPr/>
+        </p:nvSpPr>
+        <p:spPr>
+          <a:xfrm>
+            <a:off x="4364736" y="3966423"/>
+            <a:ext cx="3864864" cy="920508"/>
+          </a:xfrm>
+          <a:prstGeom prst="rect">
+            <a:avLst/>
+          </a:prstGeom>
+          <a:noFill/>
+        </p:spPr>
+        <p:txBody>
+          <a:bodyPr wrap="square">
+            <a:spAutoFit/>
+          </a:bodyPr>
+          <a:lstStyle/>
+          <a:p>
+            <a:pPr>
               <a:lnSpc>
                 <a:spcPts val="2160"/>
               </a:lnSpc>
               <a:buSzPct val="100000"/>
-              <a:buChar char="•"/>
             </a:pPr>
             <a:r>
-              <a:rPr lang="en-US" sz="1200" dirty="0">
+              <a:rPr lang="en-US" sz="1600" dirty="0">
                 <a:solidFill>
                   <a:srgbClr val="CBD5E1"/>
                 </a:solidFill>
@@ -17031,7 +17103,7 @@
               <a:t>❓ </a:t>
             </a:r>
             <a:r>
-              <a:rPr lang="en-US" sz="1200" b="1" dirty="0">
+              <a:rPr lang="uk-UA" sz="1600" b="1" dirty="0">
                 <a:solidFill>
                   <a:srgbClr val="38BDF8"/>
                 </a:solidFill>
@@ -17039,10 +17111,21 @@
                 <a:ea typeface="Arial" pitchFamily="34" charset="-122"/>
                 <a:cs typeface="Arial" pitchFamily="34" charset="-120"/>
               </a:rPr>
-              <a:t>RQ2:</a:t>
-            </a:r>
-            <a:r>
-              <a:rPr lang="en-US" sz="1200" dirty="0">
+              <a:t>Третє</a:t>
+            </a:r>
+            <a:r>
+              <a:rPr lang="en-US" sz="1600" b="1" dirty="0">
+                <a:solidFill>
+                  <a:srgbClr val="38BDF8"/>
+                </a:solidFill>
+                <a:latin typeface="Arial" pitchFamily="34" charset="0"/>
+                <a:ea typeface="Arial" pitchFamily="34" charset="-122"/>
+                <a:cs typeface="Arial" pitchFamily="34" charset="-120"/>
+              </a:rPr>
+              <a:t>:</a:t>
+            </a:r>
+            <a:r>
+              <a:rPr lang="en-US" sz="1600" dirty="0">
                 <a:solidFill>
                   <a:srgbClr val="CBD5E1"/>
                 </a:solidFill>
@@ -17053,23 +17136,15 @@
               <a:t> </a:t>
             </a:r>
             <a:r>
-              <a:rPr lang="en-US" sz="1200" dirty="0">
-                <a:latin typeface="Arial" pitchFamily="34" charset="0"/>
-                <a:ea typeface="Arial" pitchFamily="34" charset="-122"/>
-                <a:cs typeface="Arial" pitchFamily="34" charset="-120"/>
-              </a:rPr>
-              <a:t>Які структурні характеристики (цифрова інфраструктура, доходи, фінансова інклюзія, якість регуляції) пов'язані з </a:t>
-            </a:r>
-            <a:r>
-              <a:rPr lang="en-US" sz="1200" dirty="0" err="1">
-                <a:latin typeface="Arial" pitchFamily="34" charset="0"/>
-                <a:ea typeface="Arial" pitchFamily="34" charset="-122"/>
-                <a:cs typeface="Arial" pitchFamily="34" charset="-120"/>
-              </a:rPr>
-              <a:t>більшою</a:t>
-            </a:r>
-            <a:r>
-              <a:rPr lang="en-US" sz="1200" dirty="0">
+              <a:rPr lang="en-US" sz="1600" dirty="0" err="1">
+                <a:latin typeface="Arial" pitchFamily="34" charset="0"/>
+                <a:ea typeface="Arial" pitchFamily="34" charset="-122"/>
+                <a:cs typeface="Arial" pitchFamily="34" charset="-120"/>
+              </a:rPr>
+              <a:t>Чи</a:t>
+            </a:r>
+            <a:r>
+              <a:rPr lang="en-US" sz="1600" dirty="0">
                 <a:latin typeface="Arial" pitchFamily="34" charset="0"/>
                 <a:ea typeface="Arial" pitchFamily="34" charset="-122"/>
                 <a:cs typeface="Arial" pitchFamily="34" charset="-120"/>
@@ -17077,15 +17152,15 @@
               <a:t> </a:t>
             </a:r>
             <a:r>
-              <a:rPr lang="en-US" sz="1200" dirty="0" err="1">
-                <a:latin typeface="Arial" pitchFamily="34" charset="0"/>
-                <a:ea typeface="Arial" pitchFamily="34" charset="-122"/>
-                <a:cs typeface="Arial" pitchFamily="34" charset="-120"/>
-              </a:rPr>
-              <a:t>стійкістю</a:t>
-            </a:r>
-            <a:r>
-              <a:rPr lang="uk-UA" sz="1200" dirty="0">
+              <a:rPr lang="en-US" sz="1600" dirty="0" err="1">
+                <a:latin typeface="Arial" pitchFamily="34" charset="0"/>
+                <a:ea typeface="Arial" pitchFamily="34" charset="-122"/>
+                <a:cs typeface="Arial" pitchFamily="34" charset="-120"/>
+              </a:rPr>
+              <a:t>відрізняється</a:t>
+            </a:r>
+            <a:r>
+              <a:rPr lang="en-US" sz="1600" dirty="0">
                 <a:latin typeface="Arial" pitchFamily="34" charset="0"/>
                 <a:ea typeface="Arial" pitchFamily="34" charset="-122"/>
                 <a:cs typeface="Arial" pitchFamily="34" charset="-120"/>
@@ -17093,25 +17168,141 @@
               <a:t> </a:t>
             </a:r>
             <a:r>
-              <a:rPr lang="en-US" sz="1200" dirty="0">
-                <a:latin typeface="Arial" pitchFamily="34" charset="0"/>
-                <a:ea typeface="Arial" pitchFamily="34" charset="-122"/>
-                <a:cs typeface="Arial" pitchFamily="34" charset="-120"/>
-              </a:rPr>
-              <a:t>e-commerce?</a:t>
-            </a:r>
-            <a:endParaRPr lang="en-US" sz="1200" dirty="0"/>
-          </a:p>
-          <a:p>
-            <a:pPr marL="342900" indent="-342900">
+              <a:rPr lang="en-US" sz="1600" dirty="0" err="1">
+                <a:latin typeface="Arial" pitchFamily="34" charset="0"/>
+                <a:ea typeface="Arial" pitchFamily="34" charset="-122"/>
+                <a:cs typeface="Arial" pitchFamily="34" charset="-120"/>
+              </a:rPr>
+              <a:t>динаміка</a:t>
+            </a:r>
+            <a:r>
+              <a:rPr lang="en-US" sz="1600" dirty="0">
+                <a:latin typeface="Arial" pitchFamily="34" charset="0"/>
+                <a:ea typeface="Arial" pitchFamily="34" charset="-122"/>
+                <a:cs typeface="Arial" pitchFamily="34" charset="-120"/>
+              </a:rPr>
+              <a:t> e‑commerce у </a:t>
+            </a:r>
+            <a:r>
+              <a:rPr lang="en-US" sz="1600" dirty="0" err="1">
+                <a:latin typeface="Arial" pitchFamily="34" charset="0"/>
+                <a:ea typeface="Arial" pitchFamily="34" charset="-122"/>
+                <a:cs typeface="Arial" pitchFamily="34" charset="-120"/>
+              </a:rPr>
+              <a:t>країнах</a:t>
+            </a:r>
+            <a:r>
+              <a:rPr lang="en-US" sz="1600" dirty="0">
+                <a:latin typeface="Arial" pitchFamily="34" charset="0"/>
+                <a:ea typeface="Arial" pitchFamily="34" charset="-122"/>
+                <a:cs typeface="Arial" pitchFamily="34" charset="-120"/>
+              </a:rPr>
+              <a:t> з </a:t>
+            </a:r>
+            <a:r>
+              <a:rPr lang="en-US" sz="1600" dirty="0" err="1">
+                <a:latin typeface="Arial" pitchFamily="34" charset="0"/>
+                <a:ea typeface="Arial" pitchFamily="34" charset="-122"/>
+                <a:cs typeface="Arial" pitchFamily="34" charset="-120"/>
+              </a:rPr>
+              <a:t>конфліктами</a:t>
+            </a:r>
+            <a:r>
+              <a:rPr lang="en-US" sz="1600" dirty="0">
+                <a:latin typeface="Arial" pitchFamily="34" charset="0"/>
+                <a:ea typeface="Arial" pitchFamily="34" charset="-122"/>
+                <a:cs typeface="Arial" pitchFamily="34" charset="-120"/>
+              </a:rPr>
+              <a:t> </a:t>
+            </a:r>
+            <a:r>
+              <a:rPr lang="en-US" sz="1600" dirty="0" err="1">
+                <a:latin typeface="Arial" pitchFamily="34" charset="0"/>
+                <a:ea typeface="Arial" pitchFamily="34" charset="-122"/>
+                <a:cs typeface="Arial" pitchFamily="34" charset="-120"/>
+              </a:rPr>
+              <a:t>порівняно</a:t>
+            </a:r>
+            <a:r>
+              <a:rPr lang="en-US" sz="1600" dirty="0">
+                <a:latin typeface="Arial" pitchFamily="34" charset="0"/>
+                <a:ea typeface="Arial" pitchFamily="34" charset="-122"/>
+                <a:cs typeface="Arial" pitchFamily="34" charset="-120"/>
+              </a:rPr>
+              <a:t> з </a:t>
+            </a:r>
+            <a:r>
+              <a:rPr lang="en-US" sz="1600" dirty="0" err="1">
+                <a:latin typeface="Arial" pitchFamily="34" charset="0"/>
+                <a:ea typeface="Arial" pitchFamily="34" charset="-122"/>
+                <a:cs typeface="Arial" pitchFamily="34" charset="-120"/>
+              </a:rPr>
+              <a:t>мирними</a:t>
+            </a:r>
+            <a:r>
+              <a:rPr lang="en-US" sz="1600" dirty="0">
+                <a:latin typeface="Arial" pitchFamily="34" charset="0"/>
+                <a:ea typeface="Arial" pitchFamily="34" charset="-122"/>
+                <a:cs typeface="Arial" pitchFamily="34" charset="-120"/>
+              </a:rPr>
+              <a:t> </a:t>
+            </a:r>
+            <a:r>
+              <a:rPr lang="en-US" sz="1600" dirty="0" err="1">
+                <a:latin typeface="Arial" pitchFamily="34" charset="0"/>
+                <a:ea typeface="Arial" pitchFamily="34" charset="-122"/>
+                <a:cs typeface="Arial" pitchFamily="34" charset="-120"/>
+              </a:rPr>
+              <a:t>країнами</a:t>
+            </a:r>
+            <a:r>
+              <a:rPr lang="en-US" sz="1600" dirty="0">
+                <a:latin typeface="Arial" pitchFamily="34" charset="0"/>
+                <a:ea typeface="Arial" pitchFamily="34" charset="-122"/>
+                <a:cs typeface="Arial" pitchFamily="34" charset="-120"/>
+              </a:rPr>
+              <a:t>?</a:t>
+            </a:r>
+            <a:endParaRPr lang="en-US" sz="1600" dirty="0"/>
+          </a:p>
+        </p:txBody>
+      </p:sp>
+      <p:sp>
+        <p:nvSpPr>
+          <p:cNvPr id="7" name="TextBox 6">
+            <a:extLst>
+              <a:ext uri="{FF2B5EF4-FFF2-40B4-BE49-F238E27FC236}">
+                <a16:creationId xmlns:a16="http://schemas.microsoft.com/office/drawing/2014/main" id="{1E6759AD-050F-3334-12C8-8C914FE47E01}"/>
+              </a:ext>
+            </a:extLst>
+          </p:cNvPr>
+          <p:cNvSpPr txBox="1"/>
+          <p:nvPr/>
+        </p:nvSpPr>
+        <p:spPr>
+          <a:xfrm>
+            <a:off x="195072" y="2769621"/>
+            <a:ext cx="3718560" cy="1478931"/>
+          </a:xfrm>
+          <a:prstGeom prst="rect">
+            <a:avLst/>
+          </a:prstGeom>
+          <a:noFill/>
+        </p:spPr>
+        <p:txBody>
+          <a:bodyPr wrap="square">
+            <a:spAutoFit/>
+          </a:bodyPr>
+          <a:lstStyle/>
+          <a:p>
+            <a:pPr>
               <a:lnSpc>
                 <a:spcPts val="2160"/>
               </a:lnSpc>
               <a:buSzPct val="100000"/>
-              <a:buChar char="•"/>
             </a:pPr>
             <a:r>
-              <a:rPr lang="en-US" sz="1200" dirty="0">
+              <a:rPr lang="en-US" sz="1600" dirty="0">
                 <a:solidFill>
                   <a:srgbClr val="CBD5E1"/>
                 </a:solidFill>
@@ -17122,7 +17313,7 @@
               <a:t>❓ </a:t>
             </a:r>
             <a:r>
-              <a:rPr lang="en-US" sz="1200" b="1" dirty="0">
+              <a:rPr lang="uk-UA" sz="1600" b="1" dirty="0">
                 <a:solidFill>
                   <a:srgbClr val="38BDF8"/>
                 </a:solidFill>
@@ -17130,10 +17321,21 @@
                 <a:ea typeface="Arial" pitchFamily="34" charset="-122"/>
                 <a:cs typeface="Arial" pitchFamily="34" charset="-120"/>
               </a:rPr>
-              <a:t>RQ3:</a:t>
-            </a:r>
-            <a:r>
-              <a:rPr lang="en-US" sz="1200" dirty="0">
+              <a:t>Друге</a:t>
+            </a:r>
+            <a:r>
+              <a:rPr lang="en-US" sz="1600" b="1" dirty="0">
+                <a:solidFill>
+                  <a:srgbClr val="38BDF8"/>
+                </a:solidFill>
+                <a:latin typeface="Arial" pitchFamily="34" charset="0"/>
+                <a:ea typeface="Arial" pitchFamily="34" charset="-122"/>
+                <a:cs typeface="Arial" pitchFamily="34" charset="-120"/>
+              </a:rPr>
+              <a:t>:</a:t>
+            </a:r>
+            <a:r>
+              <a:rPr lang="en-US" sz="1600" dirty="0">
                 <a:solidFill>
                   <a:srgbClr val="CBD5E1"/>
                 </a:solidFill>
@@ -17144,14 +17346,504 @@
               <a:t> </a:t>
             </a:r>
             <a:r>
-              <a:rPr lang="en-US" sz="1200" dirty="0">
-                <a:latin typeface="Arial" pitchFamily="34" charset="0"/>
-                <a:ea typeface="Arial" pitchFamily="34" charset="-122"/>
-                <a:cs typeface="Arial" pitchFamily="34" charset="-120"/>
-              </a:rPr>
-              <a:t>Чи відрізняється динаміка e‑commerce у країнах з конфліктами порівняно з мирними країнами?</a:t>
-            </a:r>
-            <a:endParaRPr lang="en-US" sz="1200" dirty="0"/>
+              <a:rPr lang="en-US" sz="1600" dirty="0" err="1">
+                <a:latin typeface="Arial" pitchFamily="34" charset="0"/>
+                <a:ea typeface="Arial" pitchFamily="34" charset="-122"/>
+                <a:cs typeface="Arial" pitchFamily="34" charset="-120"/>
+              </a:rPr>
+              <a:t>Які</a:t>
+            </a:r>
+            <a:r>
+              <a:rPr lang="en-US" sz="1600" dirty="0">
+                <a:latin typeface="Arial" pitchFamily="34" charset="0"/>
+                <a:ea typeface="Arial" pitchFamily="34" charset="-122"/>
+                <a:cs typeface="Arial" pitchFamily="34" charset="-120"/>
+              </a:rPr>
+              <a:t> </a:t>
+            </a:r>
+            <a:r>
+              <a:rPr lang="en-US" sz="1600" dirty="0" err="1">
+                <a:latin typeface="Arial" pitchFamily="34" charset="0"/>
+                <a:ea typeface="Arial" pitchFamily="34" charset="-122"/>
+                <a:cs typeface="Arial" pitchFamily="34" charset="-120"/>
+              </a:rPr>
+              <a:t>структурні</a:t>
+            </a:r>
+            <a:r>
+              <a:rPr lang="en-US" sz="1600" dirty="0">
+                <a:latin typeface="Arial" pitchFamily="34" charset="0"/>
+                <a:ea typeface="Arial" pitchFamily="34" charset="-122"/>
+                <a:cs typeface="Arial" pitchFamily="34" charset="-120"/>
+              </a:rPr>
+              <a:t> </a:t>
+            </a:r>
+            <a:r>
+              <a:rPr lang="en-US" sz="1600" dirty="0" err="1">
+                <a:latin typeface="Arial" pitchFamily="34" charset="0"/>
+                <a:ea typeface="Arial" pitchFamily="34" charset="-122"/>
+                <a:cs typeface="Arial" pitchFamily="34" charset="-120"/>
+              </a:rPr>
+              <a:t>характеристики</a:t>
+            </a:r>
+            <a:r>
+              <a:rPr lang="en-US" sz="1600" dirty="0">
+                <a:latin typeface="Arial" pitchFamily="34" charset="0"/>
+                <a:ea typeface="Arial" pitchFamily="34" charset="-122"/>
+                <a:cs typeface="Arial" pitchFamily="34" charset="-120"/>
+              </a:rPr>
+              <a:t> (</a:t>
+            </a:r>
+            <a:r>
+              <a:rPr lang="en-US" sz="1600" dirty="0" err="1">
+                <a:latin typeface="Arial" pitchFamily="34" charset="0"/>
+                <a:ea typeface="Arial" pitchFamily="34" charset="-122"/>
+                <a:cs typeface="Arial" pitchFamily="34" charset="-120"/>
+              </a:rPr>
+              <a:t>цифрова</a:t>
+            </a:r>
+            <a:r>
+              <a:rPr lang="en-US" sz="1600" dirty="0">
+                <a:latin typeface="Arial" pitchFamily="34" charset="0"/>
+                <a:ea typeface="Arial" pitchFamily="34" charset="-122"/>
+                <a:cs typeface="Arial" pitchFamily="34" charset="-120"/>
+              </a:rPr>
+              <a:t> </a:t>
+            </a:r>
+            <a:r>
+              <a:rPr lang="en-US" sz="1600" dirty="0" err="1">
+                <a:latin typeface="Arial" pitchFamily="34" charset="0"/>
+                <a:ea typeface="Arial" pitchFamily="34" charset="-122"/>
+                <a:cs typeface="Arial" pitchFamily="34" charset="-120"/>
+              </a:rPr>
+              <a:t>інфраструктура</a:t>
+            </a:r>
+            <a:r>
+              <a:rPr lang="en-US" sz="1600" dirty="0">
+                <a:latin typeface="Arial" pitchFamily="34" charset="0"/>
+                <a:ea typeface="Arial" pitchFamily="34" charset="-122"/>
+                <a:cs typeface="Arial" pitchFamily="34" charset="-120"/>
+              </a:rPr>
+              <a:t>, </a:t>
+            </a:r>
+            <a:r>
+              <a:rPr lang="en-US" sz="1600" dirty="0" err="1">
+                <a:latin typeface="Arial" pitchFamily="34" charset="0"/>
+                <a:ea typeface="Arial" pitchFamily="34" charset="-122"/>
+                <a:cs typeface="Arial" pitchFamily="34" charset="-120"/>
+              </a:rPr>
+              <a:t>доходи</a:t>
+            </a:r>
+            <a:r>
+              <a:rPr lang="en-US" sz="1600" dirty="0">
+                <a:latin typeface="Arial" pitchFamily="34" charset="0"/>
+                <a:ea typeface="Arial" pitchFamily="34" charset="-122"/>
+                <a:cs typeface="Arial" pitchFamily="34" charset="-120"/>
+              </a:rPr>
+              <a:t>, </a:t>
+            </a:r>
+            <a:r>
+              <a:rPr lang="en-US" sz="1600" dirty="0" err="1">
+                <a:latin typeface="Arial" pitchFamily="34" charset="0"/>
+                <a:ea typeface="Arial" pitchFamily="34" charset="-122"/>
+                <a:cs typeface="Arial" pitchFamily="34" charset="-120"/>
+              </a:rPr>
+              <a:t>фінансова</a:t>
+            </a:r>
+            <a:r>
+              <a:rPr lang="en-US" sz="1600" dirty="0">
+                <a:latin typeface="Arial" pitchFamily="34" charset="0"/>
+                <a:ea typeface="Arial" pitchFamily="34" charset="-122"/>
+                <a:cs typeface="Arial" pitchFamily="34" charset="-120"/>
+              </a:rPr>
+              <a:t> </a:t>
+            </a:r>
+            <a:r>
+              <a:rPr lang="en-US" sz="1600" dirty="0" err="1">
+                <a:latin typeface="Arial" pitchFamily="34" charset="0"/>
+                <a:ea typeface="Arial" pitchFamily="34" charset="-122"/>
+                <a:cs typeface="Arial" pitchFamily="34" charset="-120"/>
+              </a:rPr>
+              <a:t>інклюзія</a:t>
+            </a:r>
+            <a:r>
+              <a:rPr lang="en-US" sz="1600" dirty="0">
+                <a:latin typeface="Arial" pitchFamily="34" charset="0"/>
+                <a:ea typeface="Arial" pitchFamily="34" charset="-122"/>
+                <a:cs typeface="Arial" pitchFamily="34" charset="-120"/>
+              </a:rPr>
+              <a:t>, </a:t>
+            </a:r>
+            <a:r>
+              <a:rPr lang="en-US" sz="1600" dirty="0" err="1">
+                <a:latin typeface="Arial" pitchFamily="34" charset="0"/>
+                <a:ea typeface="Arial" pitchFamily="34" charset="-122"/>
+                <a:cs typeface="Arial" pitchFamily="34" charset="-120"/>
+              </a:rPr>
+              <a:t>якість</a:t>
+            </a:r>
+            <a:r>
+              <a:rPr lang="en-US" sz="1600" dirty="0">
+                <a:latin typeface="Arial" pitchFamily="34" charset="0"/>
+                <a:ea typeface="Arial" pitchFamily="34" charset="-122"/>
+                <a:cs typeface="Arial" pitchFamily="34" charset="-120"/>
+              </a:rPr>
+              <a:t> </a:t>
+            </a:r>
+            <a:r>
+              <a:rPr lang="en-US" sz="1600" dirty="0" err="1">
+                <a:latin typeface="Arial" pitchFamily="34" charset="0"/>
+                <a:ea typeface="Arial" pitchFamily="34" charset="-122"/>
+                <a:cs typeface="Arial" pitchFamily="34" charset="-120"/>
+              </a:rPr>
+              <a:t>регуляції</a:t>
+            </a:r>
+            <a:r>
+              <a:rPr lang="en-US" sz="1600" dirty="0">
+                <a:latin typeface="Arial" pitchFamily="34" charset="0"/>
+                <a:ea typeface="Arial" pitchFamily="34" charset="-122"/>
+                <a:cs typeface="Arial" pitchFamily="34" charset="-120"/>
+              </a:rPr>
+              <a:t>) </a:t>
+            </a:r>
+            <a:r>
+              <a:rPr lang="en-US" sz="1600" dirty="0" err="1">
+                <a:latin typeface="Arial" pitchFamily="34" charset="0"/>
+                <a:ea typeface="Arial" pitchFamily="34" charset="-122"/>
+                <a:cs typeface="Arial" pitchFamily="34" charset="-120"/>
+              </a:rPr>
+              <a:t>пов'язані</a:t>
+            </a:r>
+            <a:r>
+              <a:rPr lang="en-US" sz="1600" dirty="0">
+                <a:latin typeface="Arial" pitchFamily="34" charset="0"/>
+                <a:ea typeface="Arial" pitchFamily="34" charset="-122"/>
+                <a:cs typeface="Arial" pitchFamily="34" charset="-120"/>
+              </a:rPr>
+              <a:t> з </a:t>
+            </a:r>
+            <a:r>
+              <a:rPr lang="en-US" sz="1600" dirty="0" err="1">
+                <a:latin typeface="Arial" pitchFamily="34" charset="0"/>
+                <a:ea typeface="Arial" pitchFamily="34" charset="-122"/>
+                <a:cs typeface="Arial" pitchFamily="34" charset="-120"/>
+              </a:rPr>
+              <a:t>більшою</a:t>
+            </a:r>
+            <a:r>
+              <a:rPr lang="en-US" sz="1600" dirty="0">
+                <a:latin typeface="Arial" pitchFamily="34" charset="0"/>
+                <a:ea typeface="Arial" pitchFamily="34" charset="-122"/>
+                <a:cs typeface="Arial" pitchFamily="34" charset="-120"/>
+              </a:rPr>
+              <a:t> </a:t>
+            </a:r>
+            <a:r>
+              <a:rPr lang="en-US" sz="1600" dirty="0" err="1">
+                <a:latin typeface="Arial" pitchFamily="34" charset="0"/>
+                <a:ea typeface="Arial" pitchFamily="34" charset="-122"/>
+                <a:cs typeface="Arial" pitchFamily="34" charset="-120"/>
+              </a:rPr>
+              <a:t>стійкістю</a:t>
+            </a:r>
+            <a:r>
+              <a:rPr lang="uk-UA" sz="1600" dirty="0">
+                <a:latin typeface="Arial" pitchFamily="34" charset="0"/>
+                <a:ea typeface="Arial" pitchFamily="34" charset="-122"/>
+                <a:cs typeface="Arial" pitchFamily="34" charset="-120"/>
+              </a:rPr>
+              <a:t> </a:t>
+            </a:r>
+            <a:r>
+              <a:rPr lang="en-US" sz="1600" dirty="0">
+                <a:latin typeface="Arial" pitchFamily="34" charset="0"/>
+                <a:ea typeface="Arial" pitchFamily="34" charset="-122"/>
+                <a:cs typeface="Arial" pitchFamily="34" charset="-120"/>
+              </a:rPr>
+              <a:t>e-commerce?</a:t>
+            </a:r>
+            <a:endParaRPr lang="en-US" sz="1600" dirty="0"/>
+          </a:p>
+        </p:txBody>
+      </p:sp>
+      <p:sp>
+        <p:nvSpPr>
+          <p:cNvPr id="9" name="TextBox 8">
+            <a:extLst>
+              <a:ext uri="{FF2B5EF4-FFF2-40B4-BE49-F238E27FC236}">
+                <a16:creationId xmlns:a16="http://schemas.microsoft.com/office/drawing/2014/main" id="{937BAF06-3D94-DC97-87E3-A57E8A92DDF9}"/>
+              </a:ext>
+            </a:extLst>
+          </p:cNvPr>
+          <p:cNvSpPr txBox="1"/>
+          <p:nvPr/>
+        </p:nvSpPr>
+        <p:spPr>
+          <a:xfrm>
+            <a:off x="4364736" y="1829948"/>
+            <a:ext cx="3864864" cy="1478931"/>
+          </a:xfrm>
+          <a:prstGeom prst="rect">
+            <a:avLst/>
+          </a:prstGeom>
+          <a:noFill/>
+        </p:spPr>
+        <p:txBody>
+          <a:bodyPr wrap="square">
+            <a:spAutoFit/>
+          </a:bodyPr>
+          <a:lstStyle/>
+          <a:p>
+            <a:pPr>
+              <a:lnSpc>
+                <a:spcPts val="2160"/>
+              </a:lnSpc>
+              <a:buSzPct val="100000"/>
+            </a:pPr>
+            <a:r>
+              <a:rPr lang="en-US" sz="1600" dirty="0">
+                <a:solidFill>
+                  <a:srgbClr val="CBD5E1"/>
+                </a:solidFill>
+                <a:latin typeface="Arial" pitchFamily="34" charset="0"/>
+                <a:ea typeface="Arial" pitchFamily="34" charset="-122"/>
+                <a:cs typeface="Arial" pitchFamily="34" charset="-120"/>
+              </a:rPr>
+              <a:t>❓ </a:t>
+            </a:r>
+            <a:r>
+              <a:rPr lang="uk-UA" sz="1600" b="1" dirty="0">
+                <a:solidFill>
+                  <a:srgbClr val="38BDF8"/>
+                </a:solidFill>
+                <a:latin typeface="Arial" pitchFamily="34" charset="0"/>
+                <a:ea typeface="Arial" pitchFamily="34" charset="-122"/>
+                <a:cs typeface="Arial" pitchFamily="34" charset="-120"/>
+              </a:rPr>
+              <a:t>Перше</a:t>
+            </a:r>
+            <a:r>
+              <a:rPr lang="en-US" sz="1600" b="1" dirty="0">
+                <a:solidFill>
+                  <a:srgbClr val="38BDF8"/>
+                </a:solidFill>
+                <a:latin typeface="Arial" pitchFamily="34" charset="0"/>
+                <a:ea typeface="Arial" pitchFamily="34" charset="-122"/>
+                <a:cs typeface="Arial" pitchFamily="34" charset="-120"/>
+              </a:rPr>
+              <a:t>:</a:t>
+            </a:r>
+            <a:r>
+              <a:rPr lang="en-US" sz="1600" dirty="0">
+                <a:solidFill>
+                  <a:srgbClr val="CBD5E1"/>
+                </a:solidFill>
+                <a:latin typeface="Arial" pitchFamily="34" charset="0"/>
+                <a:ea typeface="Arial" pitchFamily="34" charset="-122"/>
+                <a:cs typeface="Arial" pitchFamily="34" charset="-120"/>
+              </a:rPr>
+              <a:t> </a:t>
+            </a:r>
+            <a:r>
+              <a:rPr lang="en-US" sz="1600" dirty="0" err="1">
+                <a:latin typeface="Arial" pitchFamily="34" charset="0"/>
+                <a:ea typeface="Arial" pitchFamily="34" charset="-122"/>
+                <a:cs typeface="Arial" pitchFamily="34" charset="-120"/>
+              </a:rPr>
+              <a:t>Чим</a:t>
+            </a:r>
+            <a:r>
+              <a:rPr lang="en-US" sz="1600" dirty="0">
+                <a:latin typeface="Arial" pitchFamily="34" charset="0"/>
+                <a:ea typeface="Arial" pitchFamily="34" charset="-122"/>
+                <a:cs typeface="Arial" pitchFamily="34" charset="-120"/>
+              </a:rPr>
+              <a:t> </a:t>
+            </a:r>
+            <a:r>
+              <a:rPr lang="en-US" sz="1600" dirty="0" err="1">
+                <a:latin typeface="Arial" pitchFamily="34" charset="0"/>
+                <a:ea typeface="Arial" pitchFamily="34" charset="-122"/>
+                <a:cs typeface="Arial" pitchFamily="34" charset="-120"/>
+              </a:rPr>
+              <a:t>відрізняються</a:t>
+            </a:r>
+            <a:r>
+              <a:rPr lang="en-US" sz="1600" dirty="0">
+                <a:latin typeface="Arial" pitchFamily="34" charset="0"/>
+                <a:ea typeface="Arial" pitchFamily="34" charset="-122"/>
+                <a:cs typeface="Arial" pitchFamily="34" charset="-120"/>
+              </a:rPr>
+              <a:t> </a:t>
+            </a:r>
+            <a:r>
+              <a:rPr lang="en-US" sz="1600" dirty="0" err="1">
+                <a:latin typeface="Arial" pitchFamily="34" charset="0"/>
+                <a:ea typeface="Arial" pitchFamily="34" charset="-122"/>
+                <a:cs typeface="Arial" pitchFamily="34" charset="-120"/>
+              </a:rPr>
+              <a:t>розвинені</a:t>
+            </a:r>
+            <a:r>
+              <a:rPr lang="en-US" sz="1600" dirty="0">
+                <a:latin typeface="Arial" pitchFamily="34" charset="0"/>
+                <a:ea typeface="Arial" pitchFamily="34" charset="-122"/>
+                <a:cs typeface="Arial" pitchFamily="34" charset="-120"/>
+              </a:rPr>
+              <a:t> й </a:t>
+            </a:r>
+            <a:r>
+              <a:rPr lang="en-US" sz="1600" dirty="0" err="1">
+                <a:latin typeface="Arial" pitchFamily="34" charset="0"/>
+                <a:ea typeface="Arial" pitchFamily="34" charset="-122"/>
+                <a:cs typeface="Arial" pitchFamily="34" charset="-120"/>
+              </a:rPr>
+              <a:t>розвивальні</a:t>
+            </a:r>
+            <a:r>
+              <a:rPr lang="en-US" sz="1600" dirty="0">
+                <a:latin typeface="Arial" pitchFamily="34" charset="0"/>
+                <a:ea typeface="Arial" pitchFamily="34" charset="-122"/>
+                <a:cs typeface="Arial" pitchFamily="34" charset="-120"/>
+              </a:rPr>
+              <a:t> </a:t>
+            </a:r>
+            <a:r>
+              <a:rPr lang="en-US" sz="1600" dirty="0" err="1">
+                <a:latin typeface="Arial" pitchFamily="34" charset="0"/>
+                <a:ea typeface="Arial" pitchFamily="34" charset="-122"/>
+                <a:cs typeface="Arial" pitchFamily="34" charset="-120"/>
+              </a:rPr>
+              <a:t>економіки</a:t>
+            </a:r>
+            <a:r>
+              <a:rPr lang="en-US" sz="1600" dirty="0">
+                <a:latin typeface="Arial" pitchFamily="34" charset="0"/>
+                <a:ea typeface="Arial" pitchFamily="34" charset="-122"/>
+                <a:cs typeface="Arial" pitchFamily="34" charset="-120"/>
+              </a:rPr>
+              <a:t> </a:t>
+            </a:r>
+            <a:r>
+              <a:rPr lang="en-US" sz="1600" dirty="0" err="1">
+                <a:latin typeface="Arial" pitchFamily="34" charset="0"/>
+                <a:ea typeface="Arial" pitchFamily="34" charset="-122"/>
+                <a:cs typeface="Arial" pitchFamily="34" charset="-120"/>
+              </a:rPr>
+              <a:t>за</a:t>
+            </a:r>
+            <a:r>
+              <a:rPr lang="en-US" sz="1600" dirty="0">
+                <a:latin typeface="Arial" pitchFamily="34" charset="0"/>
+                <a:ea typeface="Arial" pitchFamily="34" charset="-122"/>
+                <a:cs typeface="Arial" pitchFamily="34" charset="-120"/>
+              </a:rPr>
+              <a:t> </a:t>
+            </a:r>
+            <a:r>
+              <a:rPr lang="en-US" sz="1600" dirty="0" err="1">
+                <a:latin typeface="Arial" pitchFamily="34" charset="0"/>
+                <a:ea typeface="Arial" pitchFamily="34" charset="-122"/>
+                <a:cs typeface="Arial" pitchFamily="34" charset="-120"/>
+              </a:rPr>
+              <a:t>динамікою</a:t>
+            </a:r>
+            <a:r>
+              <a:rPr lang="en-US" sz="1600" dirty="0">
+                <a:latin typeface="Arial" pitchFamily="34" charset="0"/>
+                <a:ea typeface="Arial" pitchFamily="34" charset="-122"/>
+                <a:cs typeface="Arial" pitchFamily="34" charset="-120"/>
+              </a:rPr>
+              <a:t> e‑commerce у </a:t>
+            </a:r>
+            <a:r>
+              <a:rPr lang="en-US" sz="1600" dirty="0" err="1">
+                <a:latin typeface="Arial" pitchFamily="34" charset="0"/>
+                <a:ea typeface="Arial" pitchFamily="34" charset="-122"/>
+                <a:cs typeface="Arial" pitchFamily="34" charset="-120"/>
+              </a:rPr>
+              <a:t>періоди</a:t>
+            </a:r>
+            <a:r>
+              <a:rPr lang="en-US" sz="1600" dirty="0">
+                <a:latin typeface="Arial" pitchFamily="34" charset="0"/>
+                <a:ea typeface="Arial" pitchFamily="34" charset="-122"/>
+                <a:cs typeface="Arial" pitchFamily="34" charset="-120"/>
+              </a:rPr>
+              <a:t> </a:t>
+            </a:r>
+            <a:r>
+              <a:rPr lang="en-US" sz="1600" dirty="0" err="1">
+                <a:latin typeface="Arial" pitchFamily="34" charset="0"/>
+                <a:ea typeface="Arial" pitchFamily="34" charset="-122"/>
+                <a:cs typeface="Arial" pitchFamily="34" charset="-120"/>
+              </a:rPr>
+              <a:t>шоків</a:t>
+            </a:r>
+            <a:r>
+              <a:rPr lang="en-US" sz="1600" dirty="0">
+                <a:latin typeface="Arial" pitchFamily="34" charset="0"/>
+                <a:ea typeface="Arial" pitchFamily="34" charset="-122"/>
+                <a:cs typeface="Arial" pitchFamily="34" charset="-120"/>
+              </a:rPr>
+              <a:t>?</a:t>
+            </a:r>
+            <a:r>
+              <a:rPr lang="ru-RU" sz="1600" dirty="0">
+                <a:latin typeface="Arial" pitchFamily="34" charset="0"/>
+                <a:ea typeface="Arial" pitchFamily="34" charset="-122"/>
+                <a:cs typeface="Arial" pitchFamily="34" charset="-120"/>
+              </a:rPr>
+              <a:t> </a:t>
+            </a:r>
+            <a:r>
+              <a:rPr lang="ru-RU" sz="1600" dirty="0" err="1">
+                <a:latin typeface="Arial" pitchFamily="34" charset="0"/>
+                <a:ea typeface="Arial" pitchFamily="34" charset="-122"/>
+                <a:cs typeface="Arial" pitchFamily="34" charset="-120"/>
+              </a:rPr>
+              <a:t>Чи</a:t>
+            </a:r>
+            <a:r>
+              <a:rPr lang="ru-RU" sz="1600" dirty="0">
+                <a:latin typeface="Arial" pitchFamily="34" charset="0"/>
+                <a:ea typeface="Arial" pitchFamily="34" charset="-122"/>
+                <a:cs typeface="Arial" pitchFamily="34" charset="-120"/>
+              </a:rPr>
+              <a:t> </a:t>
+            </a:r>
+            <a:r>
+              <a:rPr lang="ru-RU" sz="1600" dirty="0" err="1">
+                <a:latin typeface="Arial" pitchFamily="34" charset="0"/>
+                <a:ea typeface="Arial" pitchFamily="34" charset="-122"/>
+                <a:cs typeface="Arial" pitchFamily="34" charset="-120"/>
+              </a:rPr>
+              <a:t>однаково</a:t>
+            </a:r>
+            <a:r>
+              <a:rPr lang="ru-RU" sz="1600" dirty="0">
+                <a:latin typeface="Arial" pitchFamily="34" charset="0"/>
+                <a:ea typeface="Arial" pitchFamily="34" charset="-122"/>
+                <a:cs typeface="Arial" pitchFamily="34" charset="-120"/>
+              </a:rPr>
+              <a:t> вони </a:t>
+            </a:r>
+            <a:r>
+              <a:rPr lang="ru-RU" sz="1600" dirty="0" err="1">
+                <a:latin typeface="Arial" pitchFamily="34" charset="0"/>
+                <a:ea typeface="Arial" pitchFamily="34" charset="-122"/>
+                <a:cs typeface="Arial" pitchFamily="34" charset="-120"/>
+              </a:rPr>
+              <a:t>реагують</a:t>
+            </a:r>
+            <a:r>
+              <a:rPr lang="ru-RU" sz="1600" dirty="0">
+                <a:latin typeface="Arial" pitchFamily="34" charset="0"/>
+                <a:ea typeface="Arial" pitchFamily="34" charset="-122"/>
+                <a:cs typeface="Arial" pitchFamily="34" charset="-120"/>
+              </a:rPr>
+              <a:t> на них? </a:t>
+            </a:r>
+            <a:endParaRPr lang="en-US" sz="1600" dirty="0"/>
           </a:p>
         </p:txBody>
       </p:sp>
@@ -17226,8 +17918,8 @@
         </p:nvSpPr>
         <p:spPr>
           <a:xfrm>
-            <a:off x="609600" y="609600"/>
-            <a:ext cx="8083296" cy="411361"/>
+            <a:off x="2902132" y="578172"/>
+            <a:ext cx="3169920" cy="411361"/>
           </a:xfrm>
           <a:prstGeom prst="rect">
             <a:avLst/>
@@ -17594,8 +18286,8 @@
         </p:nvSpPr>
         <p:spPr>
           <a:xfrm>
-            <a:off x="609600" y="609600"/>
-            <a:ext cx="8083296" cy="411361"/>
+            <a:off x="2579152" y="691207"/>
+            <a:ext cx="4222133" cy="411361"/>
           </a:xfrm>
           <a:prstGeom prst="rect">
             <a:avLst/>
@@ -17625,7 +18317,7 @@
               <a:t>Ключові</a:t>
             </a:r>
             <a:r>
-              <a:rPr lang="en-US" sz="2700" b="1" dirty="0">
+              <a:rPr lang="uk-UA" sz="2700" b="1" dirty="0">
                 <a:solidFill>
                   <a:srgbClr val="38BDF8"/>
                 </a:solidFill>
@@ -17633,18 +18325,7 @@
                 <a:ea typeface="Arial" pitchFamily="34" charset="-122"/>
                 <a:cs typeface="Arial" pitchFamily="34" charset="-120"/>
               </a:rPr>
-              <a:t> </a:t>
-            </a:r>
-            <a:r>
-              <a:rPr lang="en-US" sz="2700" b="1" dirty="0" err="1">
-                <a:solidFill>
-                  <a:srgbClr val="38BDF8"/>
-                </a:solidFill>
-                <a:latin typeface="Arial" pitchFamily="34" charset="0"/>
-                <a:ea typeface="Arial" pitchFamily="34" charset="-122"/>
-                <a:cs typeface="Arial" pitchFamily="34" charset="-120"/>
-              </a:rPr>
-              <a:t>індикатори</a:t>
+              <a:t> Джерела Даних</a:t>
             </a:r>
             <a:endParaRPr lang="en-US" sz="2700" dirty="0"/>
           </a:p>
@@ -17731,7 +18412,35 @@
                 <a:ea typeface="Arial" pitchFamily="34" charset="-122"/>
                 <a:cs typeface="Arial" pitchFamily="34" charset="-120"/>
               </a:rPr>
-              <a:t>Інтернет-користувачі</a:t>
+              <a:t>Інтернет</a:t>
+            </a:r>
+            <a:r>
+              <a:rPr lang="en-US" sz="900" dirty="0">
+                <a:solidFill>
+                  <a:schemeClr val="tx1">
+                    <a:lumMod val="50000"/>
+                    <a:lumOff val="50000"/>
+                  </a:schemeClr>
+                </a:solidFill>
+                <a:latin typeface="Arial" pitchFamily="34" charset="0"/>
+                <a:ea typeface="Arial" pitchFamily="34" charset="-122"/>
+                <a:cs typeface="Arial" pitchFamily="34" charset="-120"/>
+              </a:rPr>
+              <a:t>-</a:t>
+            </a:r>
+            <a:r>
+              <a:rPr lang="uk-UA" sz="900" dirty="0">
+                <a:solidFill>
+                  <a:schemeClr val="tx1">
+                    <a:lumMod val="50000"/>
+                    <a:lumOff val="50000"/>
+                  </a:schemeClr>
+                </a:solidFill>
+                <a:latin typeface="Arial" pitchFamily="34" charset="0"/>
+                <a:ea typeface="Arial" pitchFamily="34" charset="-122"/>
+                <a:cs typeface="Arial" pitchFamily="34" charset="-120"/>
+              </a:rPr>
+              <a:t>проникнення</a:t>
             </a:r>
             <a:r>
               <a:rPr lang="en-US" sz="900" dirty="0">
@@ -17947,7 +18656,7 @@
                 <a:ea typeface="Arial" pitchFamily="34" charset="-122"/>
                 <a:cs typeface="Arial" pitchFamily="34" charset="-120"/>
               </a:rPr>
-              <a:t> </a:t>
+              <a:t> e-commerce </a:t>
             </a:r>
             <a:r>
               <a:rPr lang="en-US" sz="900" dirty="0" err="1">
@@ -18478,12 +19187,12 @@
               <a:t> </a:t>
             </a:r>
             <a:r>
-              <a:rPr lang="en-US" sz="1200" dirty="0" err="1">
-                <a:latin typeface="Arial" pitchFamily="34" charset="0"/>
-                <a:ea typeface="Arial" pitchFamily="34" charset="-122"/>
-                <a:cs typeface="Arial" pitchFamily="34" charset="-120"/>
-              </a:rPr>
-              <a:t>конфлікту</a:t>
+              <a:rPr lang="uk-UA" sz="1200" dirty="0">
+                <a:latin typeface="Arial" pitchFamily="34" charset="0"/>
+                <a:ea typeface="Arial" pitchFamily="34" charset="-122"/>
+                <a:cs typeface="Arial" pitchFamily="34" charset="-120"/>
+              </a:rPr>
+              <a:t>війни</a:t>
             </a:r>
             <a:r>
               <a:rPr lang="en-US" sz="1200" dirty="0">
@@ -19360,6 +20069,17 @@
               <a:buNone/>
             </a:pPr>
             <a:r>
+              <a:rPr lang="uk-UA" sz="2700" b="1" dirty="0">
+                <a:solidFill>
+                  <a:srgbClr val="38BDF8"/>
+                </a:solidFill>
+                <a:latin typeface="Arial" pitchFamily="34" charset="0"/>
+                <a:ea typeface="Arial" pitchFamily="34" charset="-122"/>
+                <a:cs typeface="Arial" pitchFamily="34" charset="-120"/>
+              </a:rPr>
+              <a:t>Війна</a:t>
+            </a:r>
+            <a:r>
               <a:rPr lang="en-US" sz="2700" b="1" dirty="0">
                 <a:solidFill>
                   <a:srgbClr val="38BDF8"/>
@@ -19368,7 +20088,7 @@
                 <a:ea typeface="Arial" pitchFamily="34" charset="-122"/>
                 <a:cs typeface="Arial" pitchFamily="34" charset="-120"/>
               </a:rPr>
-              <a:t>Конфлікт в Україні: європейський регіон</a:t>
+              <a:t> в Україні: європейський регіон</a:t>
             </a:r>
             <a:endParaRPr lang="en-US" sz="2700" dirty="0"/>
           </a:p>
